--- a/Opener/Python in 20 mins.pptx
+++ b/Opener/Python in 20 mins.pptx
@@ -13,17 +13,19 @@
     <p:sldId id="268" r:id="rId7"/>
     <p:sldId id="259" r:id="rId8"/>
     <p:sldId id="269" r:id="rId9"/>
-    <p:sldId id="262" r:id="rId10"/>
-    <p:sldId id="260" r:id="rId11"/>
-    <p:sldId id="263" r:id="rId12"/>
-    <p:sldId id="261" r:id="rId13"/>
-    <p:sldId id="267" r:id="rId14"/>
-    <p:sldId id="264" r:id="rId15"/>
-    <p:sldId id="265" r:id="rId16"/>
-    <p:sldId id="272" r:id="rId17"/>
-    <p:sldId id="273" r:id="rId18"/>
-    <p:sldId id="274" r:id="rId19"/>
-    <p:sldId id="266" r:id="rId20"/>
+    <p:sldId id="275" r:id="rId10"/>
+    <p:sldId id="262" r:id="rId11"/>
+    <p:sldId id="260" r:id="rId12"/>
+    <p:sldId id="263" r:id="rId13"/>
+    <p:sldId id="261" r:id="rId14"/>
+    <p:sldId id="267" r:id="rId15"/>
+    <p:sldId id="276" r:id="rId16"/>
+    <p:sldId id="264" r:id="rId17"/>
+    <p:sldId id="265" r:id="rId18"/>
+    <p:sldId id="272" r:id="rId19"/>
+    <p:sldId id="273" r:id="rId20"/>
+    <p:sldId id="274" r:id="rId21"/>
+    <p:sldId id="266" r:id="rId22"/>
   </p:sldIdLst>
   <p:sldSz cx="12192000" cy="6858000"/>
   <p:notesSz cx="6858000" cy="9144000"/>
@@ -290,7 +292,7 @@
           <a:p>
             <a:fld id="{9448308A-A05D-41D0-BF55-A38F4818ED82}" type="datetimeFigureOut">
               <a:rPr lang="en-IN" smtClean="0"/>
-              <a:t>12-01-2020</a:t>
+              <a:t>26-01-2020</a:t>
             </a:fld>
             <a:endParaRPr lang="en-IN"/>
           </a:p>
@@ -490,7 +492,7 @@
           <a:p>
             <a:fld id="{9448308A-A05D-41D0-BF55-A38F4818ED82}" type="datetimeFigureOut">
               <a:rPr lang="en-IN" smtClean="0"/>
-              <a:t>12-01-2020</a:t>
+              <a:t>26-01-2020</a:t>
             </a:fld>
             <a:endParaRPr lang="en-IN"/>
           </a:p>
@@ -700,7 +702,7 @@
           <a:p>
             <a:fld id="{9448308A-A05D-41D0-BF55-A38F4818ED82}" type="datetimeFigureOut">
               <a:rPr lang="en-IN" smtClean="0"/>
-              <a:t>12-01-2020</a:t>
+              <a:t>26-01-2020</a:t>
             </a:fld>
             <a:endParaRPr lang="en-IN"/>
           </a:p>
@@ -900,7 +902,7 @@
           <a:p>
             <a:fld id="{9448308A-A05D-41D0-BF55-A38F4818ED82}" type="datetimeFigureOut">
               <a:rPr lang="en-IN" smtClean="0"/>
-              <a:t>12-01-2020</a:t>
+              <a:t>26-01-2020</a:t>
             </a:fld>
             <a:endParaRPr lang="en-IN"/>
           </a:p>
@@ -1176,7 +1178,7 @@
           <a:p>
             <a:fld id="{9448308A-A05D-41D0-BF55-A38F4818ED82}" type="datetimeFigureOut">
               <a:rPr lang="en-IN" smtClean="0"/>
-              <a:t>12-01-2020</a:t>
+              <a:t>26-01-2020</a:t>
             </a:fld>
             <a:endParaRPr lang="en-IN"/>
           </a:p>
@@ -1444,7 +1446,7 @@
           <a:p>
             <a:fld id="{9448308A-A05D-41D0-BF55-A38F4818ED82}" type="datetimeFigureOut">
               <a:rPr lang="en-IN" smtClean="0"/>
-              <a:t>12-01-2020</a:t>
+              <a:t>26-01-2020</a:t>
             </a:fld>
             <a:endParaRPr lang="en-IN"/>
           </a:p>
@@ -1859,7 +1861,7 @@
           <a:p>
             <a:fld id="{9448308A-A05D-41D0-BF55-A38F4818ED82}" type="datetimeFigureOut">
               <a:rPr lang="en-IN" smtClean="0"/>
-              <a:t>12-01-2020</a:t>
+              <a:t>26-01-2020</a:t>
             </a:fld>
             <a:endParaRPr lang="en-IN"/>
           </a:p>
@@ -2001,7 +2003,7 @@
           <a:p>
             <a:fld id="{9448308A-A05D-41D0-BF55-A38F4818ED82}" type="datetimeFigureOut">
               <a:rPr lang="en-IN" smtClean="0"/>
-              <a:t>12-01-2020</a:t>
+              <a:t>26-01-2020</a:t>
             </a:fld>
             <a:endParaRPr lang="en-IN"/>
           </a:p>
@@ -2114,7 +2116,7 @@
           <a:p>
             <a:fld id="{9448308A-A05D-41D0-BF55-A38F4818ED82}" type="datetimeFigureOut">
               <a:rPr lang="en-IN" smtClean="0"/>
-              <a:t>12-01-2020</a:t>
+              <a:t>26-01-2020</a:t>
             </a:fld>
             <a:endParaRPr lang="en-IN"/>
           </a:p>
@@ -2427,7 +2429,7 @@
           <a:p>
             <a:fld id="{9448308A-A05D-41D0-BF55-A38F4818ED82}" type="datetimeFigureOut">
               <a:rPr lang="en-IN" smtClean="0"/>
-              <a:t>12-01-2020</a:t>
+              <a:t>26-01-2020</a:t>
             </a:fld>
             <a:endParaRPr lang="en-IN"/>
           </a:p>
@@ -2716,7 +2718,7 @@
           <a:p>
             <a:fld id="{9448308A-A05D-41D0-BF55-A38F4818ED82}" type="datetimeFigureOut">
               <a:rPr lang="en-IN" smtClean="0"/>
-              <a:t>12-01-2020</a:t>
+              <a:t>26-01-2020</a:t>
             </a:fld>
             <a:endParaRPr lang="en-IN"/>
           </a:p>
@@ -2962,7 +2964,7 @@
           <a:p>
             <a:fld id="{9448308A-A05D-41D0-BF55-A38F4818ED82}" type="datetimeFigureOut">
               <a:rPr lang="en-IN" smtClean="0"/>
-              <a:t>12-01-2020</a:t>
+              <a:t>26-01-2020</a:t>
             </a:fld>
             <a:endParaRPr lang="en-IN"/>
           </a:p>
@@ -3491,6 +3493,1349 @@
       </p:grpSpPr>
       <p:sp>
         <p:nvSpPr>
+          <p:cNvPr id="4" name="Rectangle: Rounded Corners 3">
+            <a:extLst>
+              <a:ext uri="{FF2B5EF4-FFF2-40B4-BE49-F238E27FC236}">
+                <a16:creationId xmlns:a16="http://schemas.microsoft.com/office/drawing/2014/main" id="{F14D53BA-510B-4026-8529-24FB957F324B}"/>
+              </a:ext>
+            </a:extLst>
+          </p:cNvPr>
+          <p:cNvSpPr/>
+          <p:nvPr/>
+        </p:nvSpPr>
+        <p:spPr>
+          <a:xfrm>
+            <a:off x="3506972" y="753505"/>
+            <a:ext cx="5178056" cy="1945758"/>
+          </a:xfrm>
+          <a:prstGeom prst="roundRect">
+            <a:avLst/>
+          </a:prstGeom>
+          <a:solidFill>
+            <a:schemeClr val="bg1"/>
+          </a:solidFill>
+          <a:ln>
+            <a:noFill/>
+          </a:ln>
+        </p:spPr>
+        <p:style>
+          <a:lnRef idx="2">
+            <a:schemeClr val="accent1">
+              <a:shade val="50000"/>
+            </a:schemeClr>
+          </a:lnRef>
+          <a:fillRef idx="1">
+            <a:schemeClr val="accent1"/>
+          </a:fillRef>
+          <a:effectRef idx="0">
+            <a:schemeClr val="accent1"/>
+          </a:effectRef>
+          <a:fontRef idx="minor">
+            <a:schemeClr val="lt1"/>
+          </a:fontRef>
+        </p:style>
+        <p:txBody>
+          <a:bodyPr rtlCol="0" anchor="ctr"/>
+          <a:lstStyle/>
+          <a:p>
+            <a:pPr algn="ctr"/>
+            <a:r>
+              <a:rPr lang="en-IN" sz="4800" b="1" dirty="0">
+                <a:solidFill>
+                  <a:srgbClr val="005097"/>
+                </a:solidFill>
+              </a:rPr>
+              <a:t>built-in types</a:t>
+            </a:r>
+          </a:p>
+          <a:p>
+            <a:pPr algn="ctr"/>
+            <a:r>
+              <a:rPr lang="en-IN" sz="4000" dirty="0">
+                <a:solidFill>
+                  <a:srgbClr val="005097"/>
+                </a:solidFill>
+              </a:rPr>
+              <a:t>immutable</a:t>
+            </a:r>
+            <a:endParaRPr lang="en-IN" sz="4800" dirty="0">
+              <a:solidFill>
+                <a:srgbClr val="005097"/>
+              </a:solidFill>
+            </a:endParaRPr>
+          </a:p>
+        </p:txBody>
+      </p:sp>
+      <p:sp>
+        <p:nvSpPr>
+          <p:cNvPr id="6" name="Rectangle 5">
+            <a:extLst>
+              <a:ext uri="{FF2B5EF4-FFF2-40B4-BE49-F238E27FC236}">
+                <a16:creationId xmlns:a16="http://schemas.microsoft.com/office/drawing/2014/main" id="{951F4075-53CE-4CEC-B933-1F7FCE738979}"/>
+              </a:ext>
+            </a:extLst>
+          </p:cNvPr>
+          <p:cNvSpPr/>
+          <p:nvPr/>
+        </p:nvSpPr>
+        <p:spPr>
+          <a:xfrm>
+            <a:off x="549342" y="2902684"/>
+            <a:ext cx="5178056" cy="3354571"/>
+          </a:xfrm>
+          <a:prstGeom prst="rect">
+            <a:avLst/>
+          </a:prstGeom>
+          <a:solidFill>
+            <a:srgbClr val="FFC000"/>
+          </a:solidFill>
+        </p:spPr>
+        <p:style>
+          <a:lnRef idx="2">
+            <a:schemeClr val="accent1">
+              <a:shade val="50000"/>
+            </a:schemeClr>
+          </a:lnRef>
+          <a:fillRef idx="1">
+            <a:schemeClr val="accent1"/>
+          </a:fillRef>
+          <a:effectRef idx="0">
+            <a:schemeClr val="accent1"/>
+          </a:effectRef>
+          <a:fontRef idx="minor">
+            <a:schemeClr val="lt1"/>
+          </a:fontRef>
+        </p:style>
+        <p:txBody>
+          <a:bodyPr rtlCol="0" anchor="ctr"/>
+          <a:lstStyle/>
+          <a:p>
+            <a:pPr algn="ctr"/>
+            <a:r>
+              <a:rPr lang="en-IN" dirty="0">
+                <a:solidFill>
+                  <a:schemeClr val="tx1"/>
+                </a:solidFill>
+              </a:rPr>
+              <a:t>123123123123123123123123123123123123123123123124</a:t>
+            </a:r>
+          </a:p>
+          <a:p>
+            <a:pPr algn="ctr"/>
+            <a:r>
+              <a:rPr lang="en-IN" dirty="0">
+                <a:solidFill>
+                  <a:schemeClr val="tx1"/>
+                </a:solidFill>
+              </a:rPr>
+              <a:t>4.2</a:t>
+            </a:r>
+          </a:p>
+          <a:p>
+            <a:pPr algn="ctr"/>
+            <a:r>
+              <a:rPr lang="en-IN" dirty="0">
+                <a:solidFill>
+                  <a:schemeClr val="tx1"/>
+                </a:solidFill>
+              </a:rPr>
+              <a:t>1.79e+308 -&gt; 1.8*10^308</a:t>
+            </a:r>
+          </a:p>
+          <a:p>
+            <a:pPr algn="ctr"/>
+            <a:r>
+              <a:rPr lang="en-IN" dirty="0">
+                <a:solidFill>
+                  <a:schemeClr val="tx1"/>
+                </a:solidFill>
+              </a:rPr>
+              <a:t>1.8e308 -&gt; inf</a:t>
+            </a:r>
+          </a:p>
+          <a:p>
+            <a:pPr algn="ctr"/>
+            <a:r>
+              <a:rPr lang="en-IN" dirty="0">
+                <a:solidFill>
+                  <a:schemeClr val="tx1"/>
+                </a:solidFill>
+              </a:rPr>
+              <a:t>2+3j</a:t>
+            </a:r>
+          </a:p>
+        </p:txBody>
+      </p:sp>
+      <p:sp>
+        <p:nvSpPr>
+          <p:cNvPr id="9" name="Rectangle 8">
+            <a:extLst>
+              <a:ext uri="{FF2B5EF4-FFF2-40B4-BE49-F238E27FC236}">
+                <a16:creationId xmlns:a16="http://schemas.microsoft.com/office/drawing/2014/main" id="{C86FCE4A-D918-4B00-AA94-7CE020EBB70C}"/>
+              </a:ext>
+            </a:extLst>
+          </p:cNvPr>
+          <p:cNvSpPr/>
+          <p:nvPr/>
+        </p:nvSpPr>
+        <p:spPr>
+          <a:xfrm>
+            <a:off x="5879797" y="2902685"/>
+            <a:ext cx="5961322" cy="3354572"/>
+          </a:xfrm>
+          <a:prstGeom prst="rect">
+            <a:avLst/>
+          </a:prstGeom>
+          <a:solidFill>
+            <a:srgbClr val="FFC000"/>
+          </a:solidFill>
+        </p:spPr>
+        <p:style>
+          <a:lnRef idx="2">
+            <a:schemeClr val="accent1">
+              <a:shade val="50000"/>
+            </a:schemeClr>
+          </a:lnRef>
+          <a:fillRef idx="1">
+            <a:schemeClr val="accent1"/>
+          </a:fillRef>
+          <a:effectRef idx="0">
+            <a:schemeClr val="accent1"/>
+          </a:effectRef>
+          <a:fontRef idx="minor">
+            <a:schemeClr val="lt1"/>
+          </a:fontRef>
+        </p:style>
+        <p:txBody>
+          <a:bodyPr rtlCol="0" anchor="ctr"/>
+          <a:lstStyle/>
+          <a:p>
+            <a:pPr algn="ctr"/>
+            <a:r>
+              <a:rPr lang="en-IN" dirty="0">
+                <a:solidFill>
+                  <a:schemeClr val="tx1"/>
+                </a:solidFill>
+              </a:rPr>
+              <a:t>"I am a string"</a:t>
+            </a:r>
+          </a:p>
+          <a:p>
+            <a:pPr algn="ctr"/>
+            <a:r>
+              <a:rPr lang="en-IN" dirty="0">
+                <a:solidFill>
+                  <a:schemeClr val="tx1"/>
+                </a:solidFill>
+              </a:rPr>
+              <a:t>'I am string too'</a:t>
+            </a:r>
+          </a:p>
+          <a:p>
+            <a:pPr algn="ctr"/>
+            <a:r>
+              <a:rPr lang="en-IN" dirty="0">
+                <a:solidFill>
+                  <a:schemeClr val="tx1"/>
+                </a:solidFill>
+              </a:rPr>
+              <a:t>''</a:t>
+            </a:r>
+          </a:p>
+          <a:p>
+            <a:pPr algn="ctr"/>
+            <a:r>
+              <a:rPr lang="en-IN" dirty="0">
+                <a:solidFill>
+                  <a:schemeClr val="tx1"/>
+                </a:solidFill>
+              </a:rPr>
+              <a:t>'\u2192 </a:t>
+            </a:r>
+            <a:r>
+              <a:rPr lang="en-IN" dirty="0" err="1">
+                <a:solidFill>
+                  <a:schemeClr val="tx1"/>
+                </a:solidFill>
+              </a:rPr>
+              <a:t>unicode</a:t>
+            </a:r>
+            <a:r>
+              <a:rPr lang="en-IN" dirty="0">
+                <a:solidFill>
+                  <a:schemeClr val="tx1"/>
+                </a:solidFill>
+              </a:rPr>
+              <a:t> String'</a:t>
+            </a:r>
+          </a:p>
+          <a:p>
+            <a:pPr algn="ctr"/>
+            <a:r>
+              <a:rPr lang="en-IN" dirty="0">
+                <a:solidFill>
+                  <a:schemeClr val="tx1"/>
+                </a:solidFill>
+              </a:rPr>
+              <a:t>'\U2192 \N{rightwards arrow}'</a:t>
+            </a:r>
+          </a:p>
+          <a:p>
+            <a:pPr algn="ctr"/>
+            <a:r>
+              <a:rPr lang="en-IN" dirty="0" err="1">
+                <a:solidFill>
+                  <a:schemeClr val="tx1"/>
+                </a:solidFill>
+              </a:rPr>
+              <a:t>r'foo</a:t>
+            </a:r>
+            <a:r>
+              <a:rPr lang="en-IN" dirty="0">
+                <a:solidFill>
+                  <a:schemeClr val="tx1"/>
+                </a:solidFill>
+              </a:rPr>
+              <a:t>\</a:t>
+            </a:r>
+            <a:r>
+              <a:rPr lang="en-IN" dirty="0" err="1">
+                <a:solidFill>
+                  <a:schemeClr val="tx1"/>
+                </a:solidFill>
+              </a:rPr>
+              <a:t>nbar</a:t>
+            </a:r>
+            <a:r>
+              <a:rPr lang="en-IN" dirty="0">
+                <a:solidFill>
+                  <a:schemeClr val="tx1"/>
+                </a:solidFill>
+              </a:rPr>
+              <a:t>'</a:t>
+            </a:r>
+          </a:p>
+          <a:p>
+            <a:pPr algn="ctr"/>
+            <a:r>
+              <a:rPr lang="en-IN" dirty="0">
+                <a:solidFill>
+                  <a:srgbClr val="FF0000"/>
+                </a:solidFill>
+              </a:rPr>
+              <a:t>"""This is a</a:t>
+            </a:r>
+          </a:p>
+          <a:p>
+            <a:pPr algn="ctr"/>
+            <a:r>
+              <a:rPr lang="en-IN" dirty="0">
+                <a:solidFill>
+                  <a:srgbClr val="FF0000"/>
+                </a:solidFill>
+              </a:rPr>
+              <a:t>string that spans</a:t>
+            </a:r>
+          </a:p>
+          <a:p>
+            <a:pPr algn="ctr"/>
+            <a:r>
+              <a:rPr lang="en-IN" dirty="0">
+                <a:solidFill>
+                  <a:srgbClr val="FF0000"/>
+                </a:solidFill>
+              </a:rPr>
+              <a:t>across several lines"""</a:t>
+            </a:r>
+          </a:p>
+          <a:p>
+            <a:pPr algn="ctr"/>
+            <a:r>
+              <a:rPr lang="en-IN" dirty="0">
+                <a:solidFill>
+                  <a:schemeClr val="tx1"/>
+                </a:solidFill>
+              </a:rPr>
+              <a:t>True / False </a:t>
+            </a:r>
+          </a:p>
+        </p:txBody>
+      </p:sp>
+      <p:sp>
+        <p:nvSpPr>
+          <p:cNvPr id="3" name="Rectangle 2">
+            <a:extLst>
+              <a:ext uri="{FF2B5EF4-FFF2-40B4-BE49-F238E27FC236}">
+                <a16:creationId xmlns:a16="http://schemas.microsoft.com/office/drawing/2014/main" id="{5BE91D45-DC26-4CF5-B9A1-4ACA8416737E}"/>
+              </a:ext>
+            </a:extLst>
+          </p:cNvPr>
+          <p:cNvSpPr/>
+          <p:nvPr/>
+        </p:nvSpPr>
+        <p:spPr>
+          <a:xfrm>
+            <a:off x="2979370" y="365417"/>
+            <a:ext cx="5496056" cy="369332"/>
+          </a:xfrm>
+          <a:prstGeom prst="rect">
+            <a:avLst/>
+          </a:prstGeom>
+        </p:spPr>
+        <p:txBody>
+          <a:bodyPr wrap="none">
+            <a:spAutoFit/>
+          </a:bodyPr>
+          <a:lstStyle/>
+          <a:p>
+            <a:r>
+              <a:rPr lang="en-IN" dirty="0">
+                <a:solidFill>
+                  <a:schemeClr val="bg1"/>
+                </a:solidFill>
+              </a:rPr>
+              <a:t>int, float, complex, bool, str, tuple are immutable objects</a:t>
+            </a:r>
+          </a:p>
+        </p:txBody>
+      </p:sp>
+    </p:spTree>
+    <p:extLst>
+      <p:ext uri="{BB962C8B-B14F-4D97-AF65-F5344CB8AC3E}">
+        <p14:creationId xmlns:p14="http://schemas.microsoft.com/office/powerpoint/2010/main" val="1733171730"/>
+      </p:ext>
+    </p:extLst>
+  </p:cSld>
+  <p:clrMapOvr>
+    <a:masterClrMapping/>
+  </p:clrMapOvr>
+  <p:timing>
+    <p:tnLst>
+      <p:par>
+        <p:cTn id="1" dur="indefinite" restart="never" nodeType="tmRoot">
+          <p:childTnLst>
+            <p:seq concurrent="1" nextAc="seek">
+              <p:cTn id="2" dur="indefinite" nodeType="mainSeq">
+                <p:childTnLst>
+                  <p:par>
+                    <p:cTn id="3" fill="hold">
+                      <p:stCondLst>
+                        <p:cond delay="indefinite"/>
+                      </p:stCondLst>
+                      <p:childTnLst>
+                        <p:par>
+                          <p:cTn id="4" fill="hold">
+                            <p:stCondLst>
+                              <p:cond delay="0"/>
+                            </p:stCondLst>
+                            <p:childTnLst>
+                              <p:par>
+                                <p:cTn id="5" presetID="1" presetClass="entr" presetSubtype="0" fill="hold" grpId="0" nodeType="clickEffect">
+                                  <p:stCondLst>
+                                    <p:cond delay="0"/>
+                                  </p:stCondLst>
+                                  <p:childTnLst>
+                                    <p:set>
+                                      <p:cBhvr>
+                                        <p:cTn id="6" dur="1" fill="hold">
+                                          <p:stCondLst>
+                                            <p:cond delay="0"/>
+                                          </p:stCondLst>
+                                        </p:cTn>
+                                        <p:tgtEl>
+                                          <p:spTgt spid="6"/>
+                                        </p:tgtEl>
+                                        <p:attrNameLst>
+                                          <p:attrName>style.visibility</p:attrName>
+                                        </p:attrNameLst>
+                                      </p:cBhvr>
+                                      <p:to>
+                                        <p:strVal val="visible"/>
+                                      </p:to>
+                                    </p:set>
+                                  </p:childTnLst>
+                                </p:cTn>
+                              </p:par>
+                            </p:childTnLst>
+                          </p:cTn>
+                        </p:par>
+                      </p:childTnLst>
+                    </p:cTn>
+                  </p:par>
+                  <p:par>
+                    <p:cTn id="7" fill="hold">
+                      <p:stCondLst>
+                        <p:cond delay="indefinite"/>
+                      </p:stCondLst>
+                      <p:childTnLst>
+                        <p:par>
+                          <p:cTn id="8" fill="hold">
+                            <p:stCondLst>
+                              <p:cond delay="0"/>
+                            </p:stCondLst>
+                            <p:childTnLst>
+                              <p:par>
+                                <p:cTn id="9" presetID="1" presetClass="entr" presetSubtype="0" fill="hold" grpId="0" nodeType="clickEffect">
+                                  <p:stCondLst>
+                                    <p:cond delay="0"/>
+                                  </p:stCondLst>
+                                  <p:childTnLst>
+                                    <p:set>
+                                      <p:cBhvr>
+                                        <p:cTn id="10" dur="1" fill="hold">
+                                          <p:stCondLst>
+                                            <p:cond delay="0"/>
+                                          </p:stCondLst>
+                                        </p:cTn>
+                                        <p:tgtEl>
+                                          <p:spTgt spid="9"/>
+                                        </p:tgtEl>
+                                        <p:attrNameLst>
+                                          <p:attrName>style.visibility</p:attrName>
+                                        </p:attrNameLst>
+                                      </p:cBhvr>
+                                      <p:to>
+                                        <p:strVal val="visible"/>
+                                      </p:to>
+                                    </p:set>
+                                  </p:childTnLst>
+                                </p:cTn>
+                              </p:par>
+                            </p:childTnLst>
+                          </p:cTn>
+                        </p:par>
+                      </p:childTnLst>
+                    </p:cTn>
+                  </p:par>
+                  <p:par>
+                    <p:cTn id="11" fill="hold">
+                      <p:stCondLst>
+                        <p:cond delay="indefinite"/>
+                      </p:stCondLst>
+                      <p:childTnLst>
+                        <p:par>
+                          <p:cTn id="12" fill="hold">
+                            <p:stCondLst>
+                              <p:cond delay="0"/>
+                            </p:stCondLst>
+                            <p:childTnLst>
+                              <p:par>
+                                <p:cTn id="13" presetID="1" presetClass="entr" presetSubtype="0" fill="hold" grpId="0" nodeType="clickEffect">
+                                  <p:stCondLst>
+                                    <p:cond delay="0"/>
+                                  </p:stCondLst>
+                                  <p:childTnLst>
+                                    <p:set>
+                                      <p:cBhvr>
+                                        <p:cTn id="14" dur="1" fill="hold">
+                                          <p:stCondLst>
+                                            <p:cond delay="0"/>
+                                          </p:stCondLst>
+                                        </p:cTn>
+                                        <p:tgtEl>
+                                          <p:spTgt spid="3"/>
+                                        </p:tgtEl>
+                                        <p:attrNameLst>
+                                          <p:attrName>style.visibility</p:attrName>
+                                        </p:attrNameLst>
+                                      </p:cBhvr>
+                                      <p:to>
+                                        <p:strVal val="visible"/>
+                                      </p:to>
+                                    </p:set>
+                                  </p:childTnLst>
+                                </p:cTn>
+                              </p:par>
+                            </p:childTnLst>
+                          </p:cTn>
+                        </p:par>
+                      </p:childTnLst>
+                    </p:cTn>
+                  </p:par>
+                  <p:par>
+                    <p:cTn id="15" fill="hold">
+                      <p:stCondLst>
+                        <p:cond delay="indefinite"/>
+                      </p:stCondLst>
+                      <p:childTnLst>
+                        <p:par>
+                          <p:cTn id="16" fill="hold">
+                            <p:stCondLst>
+                              <p:cond delay="0"/>
+                            </p:stCondLst>
+                            <p:childTnLst>
+                              <p:par>
+                                <p:cTn id="17" presetID="1" presetClass="entr" presetSubtype="0" fill="hold" nodeType="clickEffect">
+                                  <p:stCondLst>
+                                    <p:cond delay="0"/>
+                                  </p:stCondLst>
+                                  <p:childTnLst>
+                                    <p:set>
+                                      <p:cBhvr>
+                                        <p:cTn id="18" dur="1" fill="hold">
+                                          <p:stCondLst>
+                                            <p:cond delay="0"/>
+                                          </p:stCondLst>
+                                        </p:cTn>
+                                        <p:tgtEl>
+                                          <p:spTgt spid="6">
+                                            <p:txEl>
+                                              <p:pRg st="0" end="0"/>
+                                            </p:txEl>
+                                          </p:spTgt>
+                                        </p:tgtEl>
+                                        <p:attrNameLst>
+                                          <p:attrName>style.visibility</p:attrName>
+                                        </p:attrNameLst>
+                                      </p:cBhvr>
+                                      <p:to>
+                                        <p:strVal val="visible"/>
+                                      </p:to>
+                                    </p:set>
+                                  </p:childTnLst>
+                                </p:cTn>
+                              </p:par>
+                            </p:childTnLst>
+                          </p:cTn>
+                        </p:par>
+                      </p:childTnLst>
+                    </p:cTn>
+                  </p:par>
+                  <p:par>
+                    <p:cTn id="19" fill="hold">
+                      <p:stCondLst>
+                        <p:cond delay="indefinite"/>
+                      </p:stCondLst>
+                      <p:childTnLst>
+                        <p:par>
+                          <p:cTn id="20" fill="hold">
+                            <p:stCondLst>
+                              <p:cond delay="0"/>
+                            </p:stCondLst>
+                            <p:childTnLst>
+                              <p:par>
+                                <p:cTn id="21" presetID="1" presetClass="entr" presetSubtype="0" fill="hold" nodeType="clickEffect">
+                                  <p:stCondLst>
+                                    <p:cond delay="0"/>
+                                  </p:stCondLst>
+                                  <p:childTnLst>
+                                    <p:set>
+                                      <p:cBhvr>
+                                        <p:cTn id="22" dur="1" fill="hold">
+                                          <p:stCondLst>
+                                            <p:cond delay="0"/>
+                                          </p:stCondLst>
+                                        </p:cTn>
+                                        <p:tgtEl>
+                                          <p:spTgt spid="6">
+                                            <p:txEl>
+                                              <p:pRg st="1" end="1"/>
+                                            </p:txEl>
+                                          </p:spTgt>
+                                        </p:tgtEl>
+                                        <p:attrNameLst>
+                                          <p:attrName>style.visibility</p:attrName>
+                                        </p:attrNameLst>
+                                      </p:cBhvr>
+                                      <p:to>
+                                        <p:strVal val="visible"/>
+                                      </p:to>
+                                    </p:set>
+                                  </p:childTnLst>
+                                </p:cTn>
+                              </p:par>
+                            </p:childTnLst>
+                          </p:cTn>
+                        </p:par>
+                      </p:childTnLst>
+                    </p:cTn>
+                  </p:par>
+                  <p:par>
+                    <p:cTn id="23" fill="hold">
+                      <p:stCondLst>
+                        <p:cond delay="indefinite"/>
+                      </p:stCondLst>
+                      <p:childTnLst>
+                        <p:par>
+                          <p:cTn id="24" fill="hold">
+                            <p:stCondLst>
+                              <p:cond delay="0"/>
+                            </p:stCondLst>
+                            <p:childTnLst>
+                              <p:par>
+                                <p:cTn id="25" presetID="1" presetClass="entr" presetSubtype="0" fill="hold" nodeType="clickEffect">
+                                  <p:stCondLst>
+                                    <p:cond delay="0"/>
+                                  </p:stCondLst>
+                                  <p:childTnLst>
+                                    <p:set>
+                                      <p:cBhvr>
+                                        <p:cTn id="26" dur="1" fill="hold">
+                                          <p:stCondLst>
+                                            <p:cond delay="0"/>
+                                          </p:stCondLst>
+                                        </p:cTn>
+                                        <p:tgtEl>
+                                          <p:spTgt spid="6">
+                                            <p:txEl>
+                                              <p:pRg st="2" end="2"/>
+                                            </p:txEl>
+                                          </p:spTgt>
+                                        </p:tgtEl>
+                                        <p:attrNameLst>
+                                          <p:attrName>style.visibility</p:attrName>
+                                        </p:attrNameLst>
+                                      </p:cBhvr>
+                                      <p:to>
+                                        <p:strVal val="visible"/>
+                                      </p:to>
+                                    </p:set>
+                                  </p:childTnLst>
+                                </p:cTn>
+                              </p:par>
+                            </p:childTnLst>
+                          </p:cTn>
+                        </p:par>
+                      </p:childTnLst>
+                    </p:cTn>
+                  </p:par>
+                  <p:par>
+                    <p:cTn id="27" fill="hold">
+                      <p:stCondLst>
+                        <p:cond delay="indefinite"/>
+                      </p:stCondLst>
+                      <p:childTnLst>
+                        <p:par>
+                          <p:cTn id="28" fill="hold">
+                            <p:stCondLst>
+                              <p:cond delay="0"/>
+                            </p:stCondLst>
+                            <p:childTnLst>
+                              <p:par>
+                                <p:cTn id="29" presetID="1" presetClass="entr" presetSubtype="0" fill="hold" nodeType="clickEffect">
+                                  <p:stCondLst>
+                                    <p:cond delay="0"/>
+                                  </p:stCondLst>
+                                  <p:childTnLst>
+                                    <p:set>
+                                      <p:cBhvr>
+                                        <p:cTn id="30" dur="1" fill="hold">
+                                          <p:stCondLst>
+                                            <p:cond delay="0"/>
+                                          </p:stCondLst>
+                                        </p:cTn>
+                                        <p:tgtEl>
+                                          <p:spTgt spid="6">
+                                            <p:txEl>
+                                              <p:pRg st="3" end="3"/>
+                                            </p:txEl>
+                                          </p:spTgt>
+                                        </p:tgtEl>
+                                        <p:attrNameLst>
+                                          <p:attrName>style.visibility</p:attrName>
+                                        </p:attrNameLst>
+                                      </p:cBhvr>
+                                      <p:to>
+                                        <p:strVal val="visible"/>
+                                      </p:to>
+                                    </p:set>
+                                  </p:childTnLst>
+                                </p:cTn>
+                              </p:par>
+                            </p:childTnLst>
+                          </p:cTn>
+                        </p:par>
+                      </p:childTnLst>
+                    </p:cTn>
+                  </p:par>
+                  <p:par>
+                    <p:cTn id="31" fill="hold">
+                      <p:stCondLst>
+                        <p:cond delay="indefinite"/>
+                      </p:stCondLst>
+                      <p:childTnLst>
+                        <p:par>
+                          <p:cTn id="32" fill="hold">
+                            <p:stCondLst>
+                              <p:cond delay="0"/>
+                            </p:stCondLst>
+                            <p:childTnLst>
+                              <p:par>
+                                <p:cTn id="33" presetID="1" presetClass="entr" presetSubtype="0" fill="hold" nodeType="clickEffect">
+                                  <p:stCondLst>
+                                    <p:cond delay="0"/>
+                                  </p:stCondLst>
+                                  <p:childTnLst>
+                                    <p:set>
+                                      <p:cBhvr>
+                                        <p:cTn id="34" dur="1" fill="hold">
+                                          <p:stCondLst>
+                                            <p:cond delay="0"/>
+                                          </p:stCondLst>
+                                        </p:cTn>
+                                        <p:tgtEl>
+                                          <p:spTgt spid="6">
+                                            <p:txEl>
+                                              <p:pRg st="4" end="4"/>
+                                            </p:txEl>
+                                          </p:spTgt>
+                                        </p:tgtEl>
+                                        <p:attrNameLst>
+                                          <p:attrName>style.visibility</p:attrName>
+                                        </p:attrNameLst>
+                                      </p:cBhvr>
+                                      <p:to>
+                                        <p:strVal val="visible"/>
+                                      </p:to>
+                                    </p:set>
+                                  </p:childTnLst>
+                                </p:cTn>
+                              </p:par>
+                            </p:childTnLst>
+                          </p:cTn>
+                        </p:par>
+                      </p:childTnLst>
+                    </p:cTn>
+                  </p:par>
+                  <p:par>
+                    <p:cTn id="35" fill="hold">
+                      <p:stCondLst>
+                        <p:cond delay="indefinite"/>
+                      </p:stCondLst>
+                      <p:childTnLst>
+                        <p:par>
+                          <p:cTn id="36" fill="hold">
+                            <p:stCondLst>
+                              <p:cond delay="0"/>
+                            </p:stCondLst>
+                            <p:childTnLst>
+                              <p:par>
+                                <p:cTn id="37" presetID="1" presetClass="entr" presetSubtype="0" fill="hold" nodeType="clickEffect">
+                                  <p:stCondLst>
+                                    <p:cond delay="0"/>
+                                  </p:stCondLst>
+                                  <p:childTnLst>
+                                    <p:set>
+                                      <p:cBhvr>
+                                        <p:cTn id="38" dur="1" fill="hold">
+                                          <p:stCondLst>
+                                            <p:cond delay="0"/>
+                                          </p:stCondLst>
+                                        </p:cTn>
+                                        <p:tgtEl>
+                                          <p:spTgt spid="9">
+                                            <p:txEl>
+                                              <p:pRg st="0" end="0"/>
+                                            </p:txEl>
+                                          </p:spTgt>
+                                        </p:tgtEl>
+                                        <p:attrNameLst>
+                                          <p:attrName>style.visibility</p:attrName>
+                                        </p:attrNameLst>
+                                      </p:cBhvr>
+                                      <p:to>
+                                        <p:strVal val="visible"/>
+                                      </p:to>
+                                    </p:set>
+                                  </p:childTnLst>
+                                </p:cTn>
+                              </p:par>
+                            </p:childTnLst>
+                          </p:cTn>
+                        </p:par>
+                      </p:childTnLst>
+                    </p:cTn>
+                  </p:par>
+                  <p:par>
+                    <p:cTn id="39" fill="hold">
+                      <p:stCondLst>
+                        <p:cond delay="indefinite"/>
+                      </p:stCondLst>
+                      <p:childTnLst>
+                        <p:par>
+                          <p:cTn id="40" fill="hold">
+                            <p:stCondLst>
+                              <p:cond delay="0"/>
+                            </p:stCondLst>
+                            <p:childTnLst>
+                              <p:par>
+                                <p:cTn id="41" presetID="1" presetClass="entr" presetSubtype="0" fill="hold" nodeType="clickEffect">
+                                  <p:stCondLst>
+                                    <p:cond delay="0"/>
+                                  </p:stCondLst>
+                                  <p:childTnLst>
+                                    <p:set>
+                                      <p:cBhvr>
+                                        <p:cTn id="42" dur="1" fill="hold">
+                                          <p:stCondLst>
+                                            <p:cond delay="0"/>
+                                          </p:stCondLst>
+                                        </p:cTn>
+                                        <p:tgtEl>
+                                          <p:spTgt spid="9">
+                                            <p:txEl>
+                                              <p:pRg st="1" end="1"/>
+                                            </p:txEl>
+                                          </p:spTgt>
+                                        </p:tgtEl>
+                                        <p:attrNameLst>
+                                          <p:attrName>style.visibility</p:attrName>
+                                        </p:attrNameLst>
+                                      </p:cBhvr>
+                                      <p:to>
+                                        <p:strVal val="visible"/>
+                                      </p:to>
+                                    </p:set>
+                                  </p:childTnLst>
+                                </p:cTn>
+                              </p:par>
+                            </p:childTnLst>
+                          </p:cTn>
+                        </p:par>
+                      </p:childTnLst>
+                    </p:cTn>
+                  </p:par>
+                  <p:par>
+                    <p:cTn id="43" fill="hold">
+                      <p:stCondLst>
+                        <p:cond delay="indefinite"/>
+                      </p:stCondLst>
+                      <p:childTnLst>
+                        <p:par>
+                          <p:cTn id="44" fill="hold">
+                            <p:stCondLst>
+                              <p:cond delay="0"/>
+                            </p:stCondLst>
+                            <p:childTnLst>
+                              <p:par>
+                                <p:cTn id="45" presetID="1" presetClass="entr" presetSubtype="0" fill="hold" nodeType="clickEffect">
+                                  <p:stCondLst>
+                                    <p:cond delay="0"/>
+                                  </p:stCondLst>
+                                  <p:childTnLst>
+                                    <p:set>
+                                      <p:cBhvr>
+                                        <p:cTn id="46" dur="1" fill="hold">
+                                          <p:stCondLst>
+                                            <p:cond delay="0"/>
+                                          </p:stCondLst>
+                                        </p:cTn>
+                                        <p:tgtEl>
+                                          <p:spTgt spid="9">
+                                            <p:txEl>
+                                              <p:pRg st="2" end="2"/>
+                                            </p:txEl>
+                                          </p:spTgt>
+                                        </p:tgtEl>
+                                        <p:attrNameLst>
+                                          <p:attrName>style.visibility</p:attrName>
+                                        </p:attrNameLst>
+                                      </p:cBhvr>
+                                      <p:to>
+                                        <p:strVal val="visible"/>
+                                      </p:to>
+                                    </p:set>
+                                  </p:childTnLst>
+                                </p:cTn>
+                              </p:par>
+                            </p:childTnLst>
+                          </p:cTn>
+                        </p:par>
+                      </p:childTnLst>
+                    </p:cTn>
+                  </p:par>
+                  <p:par>
+                    <p:cTn id="47" fill="hold">
+                      <p:stCondLst>
+                        <p:cond delay="indefinite"/>
+                      </p:stCondLst>
+                      <p:childTnLst>
+                        <p:par>
+                          <p:cTn id="48" fill="hold">
+                            <p:stCondLst>
+                              <p:cond delay="0"/>
+                            </p:stCondLst>
+                            <p:childTnLst>
+                              <p:par>
+                                <p:cTn id="49" presetID="1" presetClass="entr" presetSubtype="0" fill="hold" nodeType="clickEffect">
+                                  <p:stCondLst>
+                                    <p:cond delay="0"/>
+                                  </p:stCondLst>
+                                  <p:childTnLst>
+                                    <p:set>
+                                      <p:cBhvr>
+                                        <p:cTn id="50" dur="1" fill="hold">
+                                          <p:stCondLst>
+                                            <p:cond delay="0"/>
+                                          </p:stCondLst>
+                                        </p:cTn>
+                                        <p:tgtEl>
+                                          <p:spTgt spid="9">
+                                            <p:txEl>
+                                              <p:pRg st="3" end="3"/>
+                                            </p:txEl>
+                                          </p:spTgt>
+                                        </p:tgtEl>
+                                        <p:attrNameLst>
+                                          <p:attrName>style.visibility</p:attrName>
+                                        </p:attrNameLst>
+                                      </p:cBhvr>
+                                      <p:to>
+                                        <p:strVal val="visible"/>
+                                      </p:to>
+                                    </p:set>
+                                  </p:childTnLst>
+                                </p:cTn>
+                              </p:par>
+                            </p:childTnLst>
+                          </p:cTn>
+                        </p:par>
+                      </p:childTnLst>
+                    </p:cTn>
+                  </p:par>
+                  <p:par>
+                    <p:cTn id="51" fill="hold">
+                      <p:stCondLst>
+                        <p:cond delay="indefinite"/>
+                      </p:stCondLst>
+                      <p:childTnLst>
+                        <p:par>
+                          <p:cTn id="52" fill="hold">
+                            <p:stCondLst>
+                              <p:cond delay="0"/>
+                            </p:stCondLst>
+                            <p:childTnLst>
+                              <p:par>
+                                <p:cTn id="53" presetID="1" presetClass="entr" presetSubtype="0" fill="hold" nodeType="clickEffect">
+                                  <p:stCondLst>
+                                    <p:cond delay="0"/>
+                                  </p:stCondLst>
+                                  <p:childTnLst>
+                                    <p:set>
+                                      <p:cBhvr>
+                                        <p:cTn id="54" dur="1" fill="hold">
+                                          <p:stCondLst>
+                                            <p:cond delay="0"/>
+                                          </p:stCondLst>
+                                        </p:cTn>
+                                        <p:tgtEl>
+                                          <p:spTgt spid="9">
+                                            <p:txEl>
+                                              <p:pRg st="4" end="4"/>
+                                            </p:txEl>
+                                          </p:spTgt>
+                                        </p:tgtEl>
+                                        <p:attrNameLst>
+                                          <p:attrName>style.visibility</p:attrName>
+                                        </p:attrNameLst>
+                                      </p:cBhvr>
+                                      <p:to>
+                                        <p:strVal val="visible"/>
+                                      </p:to>
+                                    </p:set>
+                                  </p:childTnLst>
+                                </p:cTn>
+                              </p:par>
+                            </p:childTnLst>
+                          </p:cTn>
+                        </p:par>
+                      </p:childTnLst>
+                    </p:cTn>
+                  </p:par>
+                  <p:par>
+                    <p:cTn id="55" fill="hold">
+                      <p:stCondLst>
+                        <p:cond delay="indefinite"/>
+                      </p:stCondLst>
+                      <p:childTnLst>
+                        <p:par>
+                          <p:cTn id="56" fill="hold">
+                            <p:stCondLst>
+                              <p:cond delay="0"/>
+                            </p:stCondLst>
+                            <p:childTnLst>
+                              <p:par>
+                                <p:cTn id="57" presetID="1" presetClass="entr" presetSubtype="0" fill="hold" nodeType="clickEffect">
+                                  <p:stCondLst>
+                                    <p:cond delay="0"/>
+                                  </p:stCondLst>
+                                  <p:childTnLst>
+                                    <p:set>
+                                      <p:cBhvr>
+                                        <p:cTn id="58" dur="1" fill="hold">
+                                          <p:stCondLst>
+                                            <p:cond delay="0"/>
+                                          </p:stCondLst>
+                                        </p:cTn>
+                                        <p:tgtEl>
+                                          <p:spTgt spid="9">
+                                            <p:txEl>
+                                              <p:pRg st="5" end="5"/>
+                                            </p:txEl>
+                                          </p:spTgt>
+                                        </p:tgtEl>
+                                        <p:attrNameLst>
+                                          <p:attrName>style.visibility</p:attrName>
+                                        </p:attrNameLst>
+                                      </p:cBhvr>
+                                      <p:to>
+                                        <p:strVal val="visible"/>
+                                      </p:to>
+                                    </p:set>
+                                  </p:childTnLst>
+                                </p:cTn>
+                              </p:par>
+                            </p:childTnLst>
+                          </p:cTn>
+                        </p:par>
+                      </p:childTnLst>
+                    </p:cTn>
+                  </p:par>
+                  <p:par>
+                    <p:cTn id="59" fill="hold">
+                      <p:stCondLst>
+                        <p:cond delay="indefinite"/>
+                      </p:stCondLst>
+                      <p:childTnLst>
+                        <p:par>
+                          <p:cTn id="60" fill="hold">
+                            <p:stCondLst>
+                              <p:cond delay="0"/>
+                            </p:stCondLst>
+                            <p:childTnLst>
+                              <p:par>
+                                <p:cTn id="61" presetID="1" presetClass="entr" presetSubtype="0" fill="hold" nodeType="clickEffect">
+                                  <p:stCondLst>
+                                    <p:cond delay="0"/>
+                                  </p:stCondLst>
+                                  <p:childTnLst>
+                                    <p:set>
+                                      <p:cBhvr>
+                                        <p:cTn id="62" dur="1" fill="hold">
+                                          <p:stCondLst>
+                                            <p:cond delay="0"/>
+                                          </p:stCondLst>
+                                        </p:cTn>
+                                        <p:tgtEl>
+                                          <p:spTgt spid="9">
+                                            <p:txEl>
+                                              <p:pRg st="6" end="6"/>
+                                            </p:txEl>
+                                          </p:spTgt>
+                                        </p:tgtEl>
+                                        <p:attrNameLst>
+                                          <p:attrName>style.visibility</p:attrName>
+                                        </p:attrNameLst>
+                                      </p:cBhvr>
+                                      <p:to>
+                                        <p:strVal val="visible"/>
+                                      </p:to>
+                                    </p:set>
+                                  </p:childTnLst>
+                                </p:cTn>
+                              </p:par>
+                            </p:childTnLst>
+                          </p:cTn>
+                        </p:par>
+                      </p:childTnLst>
+                    </p:cTn>
+                  </p:par>
+                  <p:par>
+                    <p:cTn id="63" fill="hold">
+                      <p:stCondLst>
+                        <p:cond delay="indefinite"/>
+                      </p:stCondLst>
+                      <p:childTnLst>
+                        <p:par>
+                          <p:cTn id="64" fill="hold">
+                            <p:stCondLst>
+                              <p:cond delay="0"/>
+                            </p:stCondLst>
+                            <p:childTnLst>
+                              <p:par>
+                                <p:cTn id="65" presetID="1" presetClass="entr" presetSubtype="0" fill="hold" nodeType="clickEffect">
+                                  <p:stCondLst>
+                                    <p:cond delay="0"/>
+                                  </p:stCondLst>
+                                  <p:childTnLst>
+                                    <p:set>
+                                      <p:cBhvr>
+                                        <p:cTn id="66" dur="1" fill="hold">
+                                          <p:stCondLst>
+                                            <p:cond delay="0"/>
+                                          </p:stCondLst>
+                                        </p:cTn>
+                                        <p:tgtEl>
+                                          <p:spTgt spid="9">
+                                            <p:txEl>
+                                              <p:pRg st="7" end="7"/>
+                                            </p:txEl>
+                                          </p:spTgt>
+                                        </p:tgtEl>
+                                        <p:attrNameLst>
+                                          <p:attrName>style.visibility</p:attrName>
+                                        </p:attrNameLst>
+                                      </p:cBhvr>
+                                      <p:to>
+                                        <p:strVal val="visible"/>
+                                      </p:to>
+                                    </p:set>
+                                  </p:childTnLst>
+                                </p:cTn>
+                              </p:par>
+                            </p:childTnLst>
+                          </p:cTn>
+                        </p:par>
+                      </p:childTnLst>
+                    </p:cTn>
+                  </p:par>
+                  <p:par>
+                    <p:cTn id="67" fill="hold">
+                      <p:stCondLst>
+                        <p:cond delay="indefinite"/>
+                      </p:stCondLst>
+                      <p:childTnLst>
+                        <p:par>
+                          <p:cTn id="68" fill="hold">
+                            <p:stCondLst>
+                              <p:cond delay="0"/>
+                            </p:stCondLst>
+                            <p:childTnLst>
+                              <p:par>
+                                <p:cTn id="69" presetID="1" presetClass="entr" presetSubtype="0" fill="hold" nodeType="clickEffect">
+                                  <p:stCondLst>
+                                    <p:cond delay="0"/>
+                                  </p:stCondLst>
+                                  <p:childTnLst>
+                                    <p:set>
+                                      <p:cBhvr>
+                                        <p:cTn id="70" dur="1" fill="hold">
+                                          <p:stCondLst>
+                                            <p:cond delay="0"/>
+                                          </p:stCondLst>
+                                        </p:cTn>
+                                        <p:tgtEl>
+                                          <p:spTgt spid="9">
+                                            <p:txEl>
+                                              <p:pRg st="8" end="8"/>
+                                            </p:txEl>
+                                          </p:spTgt>
+                                        </p:tgtEl>
+                                        <p:attrNameLst>
+                                          <p:attrName>style.visibility</p:attrName>
+                                        </p:attrNameLst>
+                                      </p:cBhvr>
+                                      <p:to>
+                                        <p:strVal val="visible"/>
+                                      </p:to>
+                                    </p:set>
+                                  </p:childTnLst>
+                                </p:cTn>
+                              </p:par>
+                            </p:childTnLst>
+                          </p:cTn>
+                        </p:par>
+                      </p:childTnLst>
+                    </p:cTn>
+                  </p:par>
+                  <p:par>
+                    <p:cTn id="71" fill="hold">
+                      <p:stCondLst>
+                        <p:cond delay="indefinite"/>
+                      </p:stCondLst>
+                      <p:childTnLst>
+                        <p:par>
+                          <p:cTn id="72" fill="hold">
+                            <p:stCondLst>
+                              <p:cond delay="0"/>
+                            </p:stCondLst>
+                            <p:childTnLst>
+                              <p:par>
+                                <p:cTn id="73" presetID="1" presetClass="entr" presetSubtype="0" fill="hold" nodeType="clickEffect">
+                                  <p:stCondLst>
+                                    <p:cond delay="0"/>
+                                  </p:stCondLst>
+                                  <p:childTnLst>
+                                    <p:set>
+                                      <p:cBhvr>
+                                        <p:cTn id="74" dur="1" fill="hold">
+                                          <p:stCondLst>
+                                            <p:cond delay="0"/>
+                                          </p:stCondLst>
+                                        </p:cTn>
+                                        <p:tgtEl>
+                                          <p:spTgt spid="9">
+                                            <p:txEl>
+                                              <p:pRg st="9" end="9"/>
+                                            </p:txEl>
+                                          </p:spTgt>
+                                        </p:tgtEl>
+                                        <p:attrNameLst>
+                                          <p:attrName>style.visibility</p:attrName>
+                                        </p:attrNameLst>
+                                      </p:cBhvr>
+                                      <p:to>
+                                        <p:strVal val="visible"/>
+                                      </p:to>
+                                    </p:set>
+                                  </p:childTnLst>
+                                </p:cTn>
+                              </p:par>
+                            </p:childTnLst>
+                          </p:cTn>
+                        </p:par>
+                      </p:childTnLst>
+                    </p:cTn>
+                  </p:par>
+                </p:childTnLst>
+              </p:cTn>
+              <p:prevCondLst>
+                <p:cond evt="onPrev" delay="0">
+                  <p:tgtEl>
+                    <p:sldTgt/>
+                  </p:tgtEl>
+                </p:cond>
+              </p:prevCondLst>
+              <p:nextCondLst>
+                <p:cond evt="onNext" delay="0">
+                  <p:tgtEl>
+                    <p:sldTgt/>
+                  </p:tgtEl>
+                </p:cond>
+              </p:nextCondLst>
+            </p:seq>
+          </p:childTnLst>
+        </p:cTn>
+      </p:par>
+    </p:tnLst>
+    <p:bldLst>
+      <p:bldP spid="6" grpId="0" animBg="1"/>
+      <p:bldP spid="9" grpId="0" animBg="1"/>
+      <p:bldP spid="3" grpId="0"/>
+    </p:bldLst>
+  </p:timing>
+</p:sld>
+</file>
+
+<file path=ppt/slides/slide11.xml><?xml version="1.0" encoding="utf-8"?>
+<p:sld xmlns:a="http://schemas.openxmlformats.org/drawingml/2006/main" xmlns:r="http://schemas.openxmlformats.org/officeDocument/2006/relationships" xmlns:p="http://schemas.openxmlformats.org/presentationml/2006/main">
+  <p:cSld>
+    <p:spTree>
+      <p:nvGrpSpPr>
+        <p:cNvPr id="1" name=""/>
+        <p:cNvGrpSpPr/>
+        <p:nvPr/>
+      </p:nvGrpSpPr>
+      <p:grpSpPr>
+        <a:xfrm>
+          <a:off x="0" y="0"/>
+          <a:ext cx="0" cy="0"/>
+          <a:chOff x="0" y="0"/>
+          <a:chExt cx="0" cy="0"/>
+        </a:xfrm>
+      </p:grpSpPr>
+      <p:sp>
+        <p:nvSpPr>
           <p:cNvPr id="5" name="Rectangle: Rounded Corners 4">
             <a:extLst>
               <a:ext uri="{FF2B5EF4-FFF2-40B4-BE49-F238E27FC236}">
@@ -3741,7 +5086,7 @@
 </p:sld>
 </file>
 
-<file path=ppt/slides/slide11.xml><?xml version="1.0" encoding="utf-8"?>
+<file path=ppt/slides/slide12.xml><?xml version="1.0" encoding="utf-8"?>
 <p:sld xmlns:a="http://schemas.openxmlformats.org/drawingml/2006/main" xmlns:r="http://schemas.openxmlformats.org/officeDocument/2006/relationships" xmlns:p="http://schemas.openxmlformats.org/presentationml/2006/main">
   <p:cSld>
     <p:spTree>
@@ -4167,7 +5512,7 @@
         <p:spPr>
           <a:xfrm>
             <a:off x="2798296" y="5041582"/>
-            <a:ext cx="6335517" cy="646331"/>
+            <a:ext cx="6335517" cy="1754326"/>
           </a:xfrm>
           <a:prstGeom prst="rect">
             <a:avLst/>
@@ -4188,6 +5533,20 @@
               </a:rPr>
               <a:t>All Objects are copied by ref only</a:t>
             </a:r>
+          </a:p>
+          <a:p>
+            <a:endParaRPr lang="en-IN" sz="3600" dirty="0">
+              <a:solidFill>
+                <a:schemeClr val="bg1"/>
+              </a:solidFill>
+            </a:endParaRPr>
+          </a:p>
+          <a:p>
+            <a:endParaRPr lang="en-IN" sz="3600" dirty="0">
+              <a:solidFill>
+                <a:schemeClr val="bg1"/>
+              </a:solidFill>
+            </a:endParaRPr>
           </a:p>
         </p:txBody>
       </p:sp>
@@ -4227,6 +5586,45 @@
           </a:prstGeom>
         </p:spPr>
       </p:pic>
+      <p:sp>
+        <p:nvSpPr>
+          <p:cNvPr id="7" name="Rectangle 6">
+            <a:extLst>
+              <a:ext uri="{FF2B5EF4-FFF2-40B4-BE49-F238E27FC236}">
+                <a16:creationId xmlns:a16="http://schemas.microsoft.com/office/drawing/2014/main" id="{2BEFF06A-DFBA-43B3-A62A-F082497921E6}"/>
+              </a:ext>
+            </a:extLst>
+          </p:cNvPr>
+          <p:cNvSpPr/>
+          <p:nvPr/>
+        </p:nvSpPr>
+        <p:spPr>
+          <a:xfrm>
+            <a:off x="3921923" y="5693621"/>
+            <a:ext cx="4681410" cy="461665"/>
+          </a:xfrm>
+          <a:prstGeom prst="rect">
+            <a:avLst/>
+          </a:prstGeom>
+        </p:spPr>
+        <p:txBody>
+          <a:bodyPr wrap="none">
+            <a:spAutoFit/>
+          </a:bodyPr>
+          <a:lstStyle/>
+          <a:p>
+            <a:r>
+              <a:rPr lang="en-IN" sz="2400" dirty="0">
+                <a:solidFill>
+                  <a:schemeClr val="bg1"/>
+                </a:solidFill>
+              </a:rPr>
+              <a:t>Why Objects are copied by ref only?</a:t>
+            </a:r>
+            <a:endParaRPr lang="en-IN" sz="2400" dirty="0"/>
+          </a:p>
+        </p:txBody>
+      </p:sp>
     </p:spTree>
     <p:extLst>
       <p:ext uri="{BB962C8B-B14F-4D97-AF65-F5344CB8AC3E}">
@@ -4760,7 +6158,7 @@
 </p:sld>
 </file>
 
-<file path=ppt/slides/slide12.xml><?xml version="1.0" encoding="utf-8"?>
+<file path=ppt/slides/slide13.xml><?xml version="1.0" encoding="utf-8"?>
 <p:sld xmlns:a="http://schemas.openxmlformats.org/drawingml/2006/main" xmlns:r="http://schemas.openxmlformats.org/officeDocument/2006/relationships" xmlns:p="http://schemas.openxmlformats.org/presentationml/2006/main">
   <p:cSld>
     <p:spTree>
@@ -5035,7 +6433,7 @@
 </p:sld>
 </file>
 
-<file path=ppt/slides/slide13.xml><?xml version="1.0" encoding="utf-8"?>
+<file path=ppt/slides/slide14.xml><?xml version="1.0" encoding="utf-8"?>
 <p:sld xmlns:a="http://schemas.openxmlformats.org/drawingml/2006/main" xmlns:r="http://schemas.openxmlformats.org/officeDocument/2006/relationships" xmlns:p="http://schemas.openxmlformats.org/presentationml/2006/main">
   <p:cSld>
     <p:spTree>
@@ -5087,6 +6485,727 @@
                   <a:schemeClr val="bg1"/>
                 </a:solidFill>
               </a:rPr>
+              <a:t> - Tuple / Strings / List / </a:t>
+            </a:r>
+            <a:r>
+              <a:rPr lang="en-IN" dirty="0" err="1">
+                <a:solidFill>
+                  <a:schemeClr val="bg1"/>
+                </a:solidFill>
+              </a:rPr>
+              <a:t>Dict</a:t>
+            </a:r>
+            <a:endParaRPr lang="en-IN" dirty="0">
+              <a:solidFill>
+                <a:schemeClr val="bg1"/>
+              </a:solidFill>
+            </a:endParaRPr>
+          </a:p>
+        </p:txBody>
+      </p:sp>
+      <p:sp>
+        <p:nvSpPr>
+          <p:cNvPr id="5" name="Content Placeholder 2">
+            <a:extLst>
+              <a:ext uri="{FF2B5EF4-FFF2-40B4-BE49-F238E27FC236}">
+                <a16:creationId xmlns:a16="http://schemas.microsoft.com/office/drawing/2014/main" id="{CBEDDC33-DA34-43B5-A87E-0E404509995A}"/>
+              </a:ext>
+            </a:extLst>
+          </p:cNvPr>
+          <p:cNvSpPr txBox="1">
+            <a:spLocks/>
+          </p:cNvSpPr>
+          <p:nvPr/>
+        </p:nvSpPr>
+        <p:spPr>
+          <a:xfrm>
+            <a:off x="3528322" y="2483538"/>
+            <a:ext cx="7633664" cy="2813676"/>
+          </a:xfrm>
+          <a:prstGeom prst="rect">
+            <a:avLst/>
+          </a:prstGeom>
+        </p:spPr>
+        <p:txBody>
+          <a:bodyPr vert="horz" lIns="91440" tIns="45720" rIns="91440" bIns="45720" rtlCol="0">
+            <a:normAutofit/>
+          </a:bodyPr>
+          <a:lstStyle>
+            <a:lvl1pPr marL="228600" indent="-228600" algn="l" defTabSz="914400" rtl="0" eaLnBrk="1" latinLnBrk="0" hangingPunct="1">
+              <a:lnSpc>
+                <a:spcPct val="90000"/>
+              </a:lnSpc>
+              <a:spcBef>
+                <a:spcPts val="1000"/>
+              </a:spcBef>
+              <a:buFont typeface="Arial" panose="020B0604020202020204" pitchFamily="34" charset="0"/>
+              <a:buChar char="•"/>
+              <a:defRPr sz="2800" kern="1200">
+                <a:solidFill>
+                  <a:schemeClr val="tx1"/>
+                </a:solidFill>
+                <a:latin typeface="+mn-lt"/>
+                <a:ea typeface="+mn-ea"/>
+                <a:cs typeface="+mn-cs"/>
+              </a:defRPr>
+            </a:lvl1pPr>
+            <a:lvl2pPr marL="685800" indent="-228600" algn="l" defTabSz="914400" rtl="0" eaLnBrk="1" latinLnBrk="0" hangingPunct="1">
+              <a:lnSpc>
+                <a:spcPct val="90000"/>
+              </a:lnSpc>
+              <a:spcBef>
+                <a:spcPts val="500"/>
+              </a:spcBef>
+              <a:buFont typeface="Arial" panose="020B0604020202020204" pitchFamily="34" charset="0"/>
+              <a:buChar char="•"/>
+              <a:defRPr sz="2400" kern="1200">
+                <a:solidFill>
+                  <a:schemeClr val="tx1"/>
+                </a:solidFill>
+                <a:latin typeface="+mn-lt"/>
+                <a:ea typeface="+mn-ea"/>
+                <a:cs typeface="+mn-cs"/>
+              </a:defRPr>
+            </a:lvl2pPr>
+            <a:lvl3pPr marL="1143000" indent="-228600" algn="l" defTabSz="914400" rtl="0" eaLnBrk="1" latinLnBrk="0" hangingPunct="1">
+              <a:lnSpc>
+                <a:spcPct val="90000"/>
+              </a:lnSpc>
+              <a:spcBef>
+                <a:spcPts val="500"/>
+              </a:spcBef>
+              <a:buFont typeface="Arial" panose="020B0604020202020204" pitchFamily="34" charset="0"/>
+              <a:buChar char="•"/>
+              <a:defRPr sz="2000" kern="1200">
+                <a:solidFill>
+                  <a:schemeClr val="tx1"/>
+                </a:solidFill>
+                <a:latin typeface="+mn-lt"/>
+                <a:ea typeface="+mn-ea"/>
+                <a:cs typeface="+mn-cs"/>
+              </a:defRPr>
+            </a:lvl3pPr>
+            <a:lvl4pPr marL="1600200" indent="-228600" algn="l" defTabSz="914400" rtl="0" eaLnBrk="1" latinLnBrk="0" hangingPunct="1">
+              <a:lnSpc>
+                <a:spcPct val="90000"/>
+              </a:lnSpc>
+              <a:spcBef>
+                <a:spcPts val="500"/>
+              </a:spcBef>
+              <a:buFont typeface="Arial" panose="020B0604020202020204" pitchFamily="34" charset="0"/>
+              <a:buChar char="•"/>
+              <a:defRPr sz="1800" kern="1200">
+                <a:solidFill>
+                  <a:schemeClr val="tx1"/>
+                </a:solidFill>
+                <a:latin typeface="+mn-lt"/>
+                <a:ea typeface="+mn-ea"/>
+                <a:cs typeface="+mn-cs"/>
+              </a:defRPr>
+            </a:lvl4pPr>
+            <a:lvl5pPr marL="2057400" indent="-228600" algn="l" defTabSz="914400" rtl="0" eaLnBrk="1" latinLnBrk="0" hangingPunct="1">
+              <a:lnSpc>
+                <a:spcPct val="90000"/>
+              </a:lnSpc>
+              <a:spcBef>
+                <a:spcPts val="500"/>
+              </a:spcBef>
+              <a:buFont typeface="Arial" panose="020B0604020202020204" pitchFamily="34" charset="0"/>
+              <a:buChar char="•"/>
+              <a:defRPr sz="1800" kern="1200">
+                <a:solidFill>
+                  <a:schemeClr val="tx1"/>
+                </a:solidFill>
+                <a:latin typeface="+mn-lt"/>
+                <a:ea typeface="+mn-ea"/>
+                <a:cs typeface="+mn-cs"/>
+              </a:defRPr>
+            </a:lvl5pPr>
+            <a:lvl6pPr marL="2514600" indent="-228600" algn="l" defTabSz="914400" rtl="0" eaLnBrk="1" latinLnBrk="0" hangingPunct="1">
+              <a:lnSpc>
+                <a:spcPct val="90000"/>
+              </a:lnSpc>
+              <a:spcBef>
+                <a:spcPts val="500"/>
+              </a:spcBef>
+              <a:buFont typeface="Arial" panose="020B0604020202020204" pitchFamily="34" charset="0"/>
+              <a:buChar char="•"/>
+              <a:defRPr sz="1800" kern="1200">
+                <a:solidFill>
+                  <a:schemeClr val="tx1"/>
+                </a:solidFill>
+                <a:latin typeface="+mn-lt"/>
+                <a:ea typeface="+mn-ea"/>
+                <a:cs typeface="+mn-cs"/>
+              </a:defRPr>
+            </a:lvl6pPr>
+            <a:lvl7pPr marL="2971800" indent="-228600" algn="l" defTabSz="914400" rtl="0" eaLnBrk="1" latinLnBrk="0" hangingPunct="1">
+              <a:lnSpc>
+                <a:spcPct val="90000"/>
+              </a:lnSpc>
+              <a:spcBef>
+                <a:spcPts val="500"/>
+              </a:spcBef>
+              <a:buFont typeface="Arial" panose="020B0604020202020204" pitchFamily="34" charset="0"/>
+              <a:buChar char="•"/>
+              <a:defRPr sz="1800" kern="1200">
+                <a:solidFill>
+                  <a:schemeClr val="tx1"/>
+                </a:solidFill>
+                <a:latin typeface="+mn-lt"/>
+                <a:ea typeface="+mn-ea"/>
+                <a:cs typeface="+mn-cs"/>
+              </a:defRPr>
+            </a:lvl7pPr>
+            <a:lvl8pPr marL="3429000" indent="-228600" algn="l" defTabSz="914400" rtl="0" eaLnBrk="1" latinLnBrk="0" hangingPunct="1">
+              <a:lnSpc>
+                <a:spcPct val="90000"/>
+              </a:lnSpc>
+              <a:spcBef>
+                <a:spcPts val="500"/>
+              </a:spcBef>
+              <a:buFont typeface="Arial" panose="020B0604020202020204" pitchFamily="34" charset="0"/>
+              <a:buChar char="•"/>
+              <a:defRPr sz="1800" kern="1200">
+                <a:solidFill>
+                  <a:schemeClr val="tx1"/>
+                </a:solidFill>
+                <a:latin typeface="+mn-lt"/>
+                <a:ea typeface="+mn-ea"/>
+                <a:cs typeface="+mn-cs"/>
+              </a:defRPr>
+            </a:lvl8pPr>
+            <a:lvl9pPr marL="3886200" indent="-228600" algn="l" defTabSz="914400" rtl="0" eaLnBrk="1" latinLnBrk="0" hangingPunct="1">
+              <a:lnSpc>
+                <a:spcPct val="90000"/>
+              </a:lnSpc>
+              <a:spcBef>
+                <a:spcPts val="500"/>
+              </a:spcBef>
+              <a:buFont typeface="Arial" panose="020B0604020202020204" pitchFamily="34" charset="0"/>
+              <a:buChar char="•"/>
+              <a:defRPr sz="1800" kern="1200">
+                <a:solidFill>
+                  <a:schemeClr val="tx1"/>
+                </a:solidFill>
+                <a:latin typeface="+mn-lt"/>
+                <a:ea typeface="+mn-ea"/>
+                <a:cs typeface="+mn-cs"/>
+              </a:defRPr>
+            </a:lvl9pPr>
+          </a:lstStyle>
+          <a:p>
+            <a:pPr marL="0" indent="0">
+              <a:buNone/>
+            </a:pPr>
+            <a:r>
+              <a:rPr lang="en-IN" dirty="0" err="1">
+                <a:solidFill>
+                  <a:schemeClr val="bg1"/>
+                </a:solidFill>
+              </a:rPr>
+              <a:t>mytuple</a:t>
+            </a:r>
+            <a:r>
+              <a:rPr lang="en-IN" dirty="0">
+                <a:solidFill>
+                  <a:schemeClr val="bg1"/>
+                </a:solidFill>
+              </a:rPr>
+              <a:t> = (1,2, '</a:t>
+            </a:r>
+            <a:r>
+              <a:rPr lang="en-IN" dirty="0" err="1">
+                <a:solidFill>
+                  <a:schemeClr val="bg1"/>
+                </a:solidFill>
+              </a:rPr>
+              <a:t>a',"GUVI</a:t>
+            </a:r>
+            <a:r>
+              <a:rPr lang="en-IN" dirty="0">
+                <a:solidFill>
+                  <a:schemeClr val="bg1"/>
+                </a:solidFill>
+              </a:rPr>
+              <a:t>", 3,4)</a:t>
+            </a:r>
+          </a:p>
+          <a:p>
+            <a:pPr marL="0" indent="0">
+              <a:buNone/>
+            </a:pPr>
+            <a:r>
+              <a:rPr lang="en-IN" dirty="0" err="1">
+                <a:solidFill>
+                  <a:schemeClr val="bg1"/>
+                </a:solidFill>
+              </a:rPr>
+              <a:t>mystring</a:t>
+            </a:r>
+            <a:r>
+              <a:rPr lang="en-IN" dirty="0">
+                <a:solidFill>
+                  <a:schemeClr val="bg1"/>
+                </a:solidFill>
+              </a:rPr>
+              <a:t> = 'hello'</a:t>
+            </a:r>
+          </a:p>
+          <a:p>
+            <a:pPr marL="0" indent="0">
+              <a:buNone/>
+            </a:pPr>
+            <a:endParaRPr lang="en-IN" dirty="0">
+              <a:solidFill>
+                <a:schemeClr val="bg1"/>
+              </a:solidFill>
+            </a:endParaRPr>
+          </a:p>
+          <a:p>
+            <a:pPr marL="0" indent="0">
+              <a:buNone/>
+            </a:pPr>
+            <a:r>
+              <a:rPr lang="en-IN" dirty="0" err="1">
+                <a:solidFill>
+                  <a:schemeClr val="bg1"/>
+                </a:solidFill>
+              </a:rPr>
+              <a:t>mytuple</a:t>
+            </a:r>
+            <a:r>
+              <a:rPr lang="en-IN" dirty="0">
+                <a:solidFill>
+                  <a:schemeClr val="bg1"/>
+                </a:solidFill>
+              </a:rPr>
+              <a:t>[2]</a:t>
+            </a:r>
+          </a:p>
+          <a:p>
+            <a:pPr marL="0" indent="0">
+              <a:buNone/>
+            </a:pPr>
+            <a:r>
+              <a:rPr lang="en-IN" dirty="0" err="1">
+                <a:solidFill>
+                  <a:schemeClr val="bg1"/>
+                </a:solidFill>
+              </a:rPr>
+              <a:t>mystring</a:t>
+            </a:r>
+            <a:r>
+              <a:rPr lang="en-IN" dirty="0">
+                <a:solidFill>
+                  <a:schemeClr val="bg1"/>
+                </a:solidFill>
+              </a:rPr>
+              <a:t>[2]</a:t>
+            </a:r>
+          </a:p>
+          <a:p>
+            <a:pPr marL="0" indent="0">
+              <a:buNone/>
+            </a:pPr>
+            <a:endParaRPr lang="en-IN" dirty="0">
+              <a:solidFill>
+                <a:schemeClr val="bg1"/>
+              </a:solidFill>
+            </a:endParaRPr>
+          </a:p>
+        </p:txBody>
+      </p:sp>
+      <p:sp>
+        <p:nvSpPr>
+          <p:cNvPr id="11" name="Rectangle 10">
+            <a:extLst>
+              <a:ext uri="{FF2B5EF4-FFF2-40B4-BE49-F238E27FC236}">
+                <a16:creationId xmlns:a16="http://schemas.microsoft.com/office/drawing/2014/main" id="{D3797B19-B65E-415E-9E1F-E6B8129B84B0}"/>
+              </a:ext>
+            </a:extLst>
+          </p:cNvPr>
+          <p:cNvSpPr/>
+          <p:nvPr/>
+        </p:nvSpPr>
+        <p:spPr>
+          <a:xfrm>
+            <a:off x="5372102" y="5566844"/>
+            <a:ext cx="367408" cy="954107"/>
+          </a:xfrm>
+          <a:prstGeom prst="rect">
+            <a:avLst/>
+          </a:prstGeom>
+          <a:solidFill>
+            <a:schemeClr val="accent2"/>
+          </a:solidFill>
+        </p:spPr>
+        <p:txBody>
+          <a:bodyPr wrap="none">
+            <a:spAutoFit/>
+          </a:bodyPr>
+          <a:lstStyle/>
+          <a:p>
+            <a:r>
+              <a:rPr lang="en-IN" sz="2800" dirty="0">
+                <a:solidFill>
+                  <a:schemeClr val="bg1"/>
+                </a:solidFill>
+              </a:rPr>
+              <a:t>2</a:t>
+            </a:r>
+          </a:p>
+          <a:p>
+            <a:r>
+              <a:rPr lang="en-IN" sz="2800" dirty="0">
+                <a:solidFill>
+                  <a:schemeClr val="bg1"/>
+                </a:solidFill>
+              </a:rPr>
+              <a:t>l</a:t>
+            </a:r>
+          </a:p>
+        </p:txBody>
+      </p:sp>
+    </p:spTree>
+    <p:extLst>
+      <p:ext uri="{BB962C8B-B14F-4D97-AF65-F5344CB8AC3E}">
+        <p14:creationId xmlns:p14="http://schemas.microsoft.com/office/powerpoint/2010/main" val="1348564876"/>
+      </p:ext>
+    </p:extLst>
+  </p:cSld>
+  <p:clrMapOvr>
+    <a:masterClrMapping/>
+  </p:clrMapOvr>
+  <p:timing>
+    <p:tnLst>
+      <p:par>
+        <p:cTn id="1" dur="indefinite" restart="never" nodeType="tmRoot">
+          <p:childTnLst>
+            <p:seq concurrent="1" nextAc="seek">
+              <p:cTn id="2" dur="indefinite" nodeType="mainSeq">
+                <p:childTnLst>
+                  <p:par>
+                    <p:cTn id="3" fill="hold">
+                      <p:stCondLst>
+                        <p:cond delay="indefinite"/>
+                      </p:stCondLst>
+                      <p:childTnLst>
+                        <p:par>
+                          <p:cTn id="4" fill="hold">
+                            <p:stCondLst>
+                              <p:cond delay="0"/>
+                            </p:stCondLst>
+                            <p:childTnLst>
+                              <p:par>
+                                <p:cTn id="5" presetID="1" presetClass="entr" presetSubtype="0" fill="hold" nodeType="clickEffect">
+                                  <p:stCondLst>
+                                    <p:cond delay="0"/>
+                                  </p:stCondLst>
+                                  <p:childTnLst>
+                                    <p:set>
+                                      <p:cBhvr>
+                                        <p:cTn id="6" dur="1" fill="hold">
+                                          <p:stCondLst>
+                                            <p:cond delay="0"/>
+                                          </p:stCondLst>
+                                        </p:cTn>
+                                        <p:tgtEl>
+                                          <p:spTgt spid="5">
+                                            <p:txEl>
+                                              <p:pRg st="0" end="0"/>
+                                            </p:txEl>
+                                          </p:spTgt>
+                                        </p:tgtEl>
+                                        <p:attrNameLst>
+                                          <p:attrName>style.visibility</p:attrName>
+                                        </p:attrNameLst>
+                                      </p:cBhvr>
+                                      <p:to>
+                                        <p:strVal val="visible"/>
+                                      </p:to>
+                                    </p:set>
+                                  </p:childTnLst>
+                                </p:cTn>
+                              </p:par>
+                            </p:childTnLst>
+                          </p:cTn>
+                        </p:par>
+                      </p:childTnLst>
+                    </p:cTn>
+                  </p:par>
+                  <p:par>
+                    <p:cTn id="7" fill="hold">
+                      <p:stCondLst>
+                        <p:cond delay="indefinite"/>
+                      </p:stCondLst>
+                      <p:childTnLst>
+                        <p:par>
+                          <p:cTn id="8" fill="hold">
+                            <p:stCondLst>
+                              <p:cond delay="0"/>
+                            </p:stCondLst>
+                            <p:childTnLst>
+                              <p:par>
+                                <p:cTn id="9" presetID="1" presetClass="entr" presetSubtype="0" fill="hold" nodeType="clickEffect">
+                                  <p:stCondLst>
+                                    <p:cond delay="0"/>
+                                  </p:stCondLst>
+                                  <p:childTnLst>
+                                    <p:set>
+                                      <p:cBhvr>
+                                        <p:cTn id="10" dur="1" fill="hold">
+                                          <p:stCondLst>
+                                            <p:cond delay="0"/>
+                                          </p:stCondLst>
+                                        </p:cTn>
+                                        <p:tgtEl>
+                                          <p:spTgt spid="5">
+                                            <p:txEl>
+                                              <p:pRg st="1" end="1"/>
+                                            </p:txEl>
+                                          </p:spTgt>
+                                        </p:tgtEl>
+                                        <p:attrNameLst>
+                                          <p:attrName>style.visibility</p:attrName>
+                                        </p:attrNameLst>
+                                      </p:cBhvr>
+                                      <p:to>
+                                        <p:strVal val="visible"/>
+                                      </p:to>
+                                    </p:set>
+                                  </p:childTnLst>
+                                </p:cTn>
+                              </p:par>
+                            </p:childTnLst>
+                          </p:cTn>
+                        </p:par>
+                      </p:childTnLst>
+                    </p:cTn>
+                  </p:par>
+                  <p:par>
+                    <p:cTn id="11" fill="hold">
+                      <p:stCondLst>
+                        <p:cond delay="indefinite"/>
+                      </p:stCondLst>
+                      <p:childTnLst>
+                        <p:par>
+                          <p:cTn id="12" fill="hold">
+                            <p:stCondLst>
+                              <p:cond delay="0"/>
+                            </p:stCondLst>
+                            <p:childTnLst>
+                              <p:par>
+                                <p:cTn id="13" presetID="1" presetClass="entr" presetSubtype="0" fill="hold" nodeType="clickEffect">
+                                  <p:stCondLst>
+                                    <p:cond delay="0"/>
+                                  </p:stCondLst>
+                                  <p:childTnLst>
+                                    <p:set>
+                                      <p:cBhvr>
+                                        <p:cTn id="14" dur="1" fill="hold">
+                                          <p:stCondLst>
+                                            <p:cond delay="0"/>
+                                          </p:stCondLst>
+                                        </p:cTn>
+                                        <p:tgtEl>
+                                          <p:spTgt spid="5">
+                                            <p:txEl>
+                                              <p:pRg st="3" end="3"/>
+                                            </p:txEl>
+                                          </p:spTgt>
+                                        </p:tgtEl>
+                                        <p:attrNameLst>
+                                          <p:attrName>style.visibility</p:attrName>
+                                        </p:attrNameLst>
+                                      </p:cBhvr>
+                                      <p:to>
+                                        <p:strVal val="visible"/>
+                                      </p:to>
+                                    </p:set>
+                                  </p:childTnLst>
+                                </p:cTn>
+                              </p:par>
+                            </p:childTnLst>
+                          </p:cTn>
+                        </p:par>
+                      </p:childTnLst>
+                    </p:cTn>
+                  </p:par>
+                  <p:par>
+                    <p:cTn id="15" fill="hold">
+                      <p:stCondLst>
+                        <p:cond delay="indefinite"/>
+                      </p:stCondLst>
+                      <p:childTnLst>
+                        <p:par>
+                          <p:cTn id="16" fill="hold">
+                            <p:stCondLst>
+                              <p:cond delay="0"/>
+                            </p:stCondLst>
+                            <p:childTnLst>
+                              <p:par>
+                                <p:cTn id="17" presetID="1" presetClass="entr" presetSubtype="0" fill="hold" nodeType="clickEffect">
+                                  <p:stCondLst>
+                                    <p:cond delay="0"/>
+                                  </p:stCondLst>
+                                  <p:childTnLst>
+                                    <p:set>
+                                      <p:cBhvr>
+                                        <p:cTn id="18" dur="1" fill="hold">
+                                          <p:stCondLst>
+                                            <p:cond delay="0"/>
+                                          </p:stCondLst>
+                                        </p:cTn>
+                                        <p:tgtEl>
+                                          <p:spTgt spid="5">
+                                            <p:txEl>
+                                              <p:pRg st="4" end="4"/>
+                                            </p:txEl>
+                                          </p:spTgt>
+                                        </p:tgtEl>
+                                        <p:attrNameLst>
+                                          <p:attrName>style.visibility</p:attrName>
+                                        </p:attrNameLst>
+                                      </p:cBhvr>
+                                      <p:to>
+                                        <p:strVal val="visible"/>
+                                      </p:to>
+                                    </p:set>
+                                  </p:childTnLst>
+                                </p:cTn>
+                              </p:par>
+                            </p:childTnLst>
+                          </p:cTn>
+                        </p:par>
+                      </p:childTnLst>
+                    </p:cTn>
+                  </p:par>
+                  <p:par>
+                    <p:cTn id="19" fill="hold">
+                      <p:stCondLst>
+                        <p:cond delay="indefinite"/>
+                      </p:stCondLst>
+                      <p:childTnLst>
+                        <p:par>
+                          <p:cTn id="20" fill="hold">
+                            <p:stCondLst>
+                              <p:cond delay="0"/>
+                            </p:stCondLst>
+                            <p:childTnLst>
+                              <p:par>
+                                <p:cTn id="21" presetID="1" presetClass="entr" presetSubtype="0" fill="hold" grpId="0" nodeType="clickEffect">
+                                  <p:stCondLst>
+                                    <p:cond delay="0"/>
+                                  </p:stCondLst>
+                                  <p:childTnLst>
+                                    <p:set>
+                                      <p:cBhvr>
+                                        <p:cTn id="22" dur="1" fill="hold">
+                                          <p:stCondLst>
+                                            <p:cond delay="0"/>
+                                          </p:stCondLst>
+                                        </p:cTn>
+                                        <p:tgtEl>
+                                          <p:spTgt spid="11"/>
+                                        </p:tgtEl>
+                                        <p:attrNameLst>
+                                          <p:attrName>style.visibility</p:attrName>
+                                        </p:attrNameLst>
+                                      </p:cBhvr>
+                                      <p:to>
+                                        <p:strVal val="visible"/>
+                                      </p:to>
+                                    </p:set>
+                                  </p:childTnLst>
+                                </p:cTn>
+                              </p:par>
+                            </p:childTnLst>
+                          </p:cTn>
+                        </p:par>
+                      </p:childTnLst>
+                    </p:cTn>
+                  </p:par>
+                </p:childTnLst>
+              </p:cTn>
+              <p:prevCondLst>
+                <p:cond evt="onPrev" delay="0">
+                  <p:tgtEl>
+                    <p:sldTgt/>
+                  </p:tgtEl>
+                </p:cond>
+              </p:prevCondLst>
+              <p:nextCondLst>
+                <p:cond evt="onNext" delay="0">
+                  <p:tgtEl>
+                    <p:sldTgt/>
+                  </p:tgtEl>
+                </p:cond>
+              </p:nextCondLst>
+            </p:seq>
+          </p:childTnLst>
+        </p:cTn>
+      </p:par>
+    </p:tnLst>
+    <p:bldLst>
+      <p:bldP spid="11" grpId="0" animBg="1"/>
+    </p:bldLst>
+  </p:timing>
+</p:sld>
+</file>
+
+<file path=ppt/slides/slide15.xml><?xml version="1.0" encoding="utf-8"?>
+<p:sld xmlns:a="http://schemas.openxmlformats.org/drawingml/2006/main" xmlns:r="http://schemas.openxmlformats.org/officeDocument/2006/relationships" xmlns:p="http://schemas.openxmlformats.org/presentationml/2006/main">
+  <p:cSld>
+    <p:spTree>
+      <p:nvGrpSpPr>
+        <p:cNvPr id="1" name=""/>
+        <p:cNvGrpSpPr/>
+        <p:nvPr/>
+      </p:nvGrpSpPr>
+      <p:grpSpPr>
+        <a:xfrm>
+          <a:off x="0" y="0"/>
+          <a:ext cx="0" cy="0"/>
+          <a:chOff x="0" y="0"/>
+          <a:chExt cx="0" cy="0"/>
+        </a:xfrm>
+      </p:grpSpPr>
+      <p:sp>
+        <p:nvSpPr>
+          <p:cNvPr id="2" name="Title 1">
+            <a:extLst>
+              <a:ext uri="{FF2B5EF4-FFF2-40B4-BE49-F238E27FC236}">
+                <a16:creationId xmlns:a16="http://schemas.microsoft.com/office/drawing/2014/main" id="{52600D64-09D5-4750-AF0F-410D950DF045}"/>
+              </a:ext>
+            </a:extLst>
+          </p:cNvPr>
+          <p:cNvSpPr>
+            <a:spLocks noGrp="1"/>
+          </p:cNvSpPr>
+          <p:nvPr>
+            <p:ph type="title"/>
+          </p:nvPr>
+        </p:nvSpPr>
+        <p:spPr/>
+        <p:txBody>
+          <a:bodyPr/>
+          <a:lstStyle/>
+          <a:p>
+            <a:r>
+              <a:rPr lang="en-IN" strike="dblStrike" dirty="0">
+                <a:solidFill>
+                  <a:schemeClr val="bg1"/>
+                </a:solidFill>
+              </a:rPr>
+              <a:t>Array</a:t>
+            </a:r>
+            <a:r>
+              <a:rPr lang="en-IN" dirty="0">
+                <a:solidFill>
+                  <a:schemeClr val="bg1"/>
+                </a:solidFill>
+              </a:rPr>
               <a:t> - List / Strings / </a:t>
             </a:r>
             <a:r>
@@ -5131,35 +7250,29 @@
           </a:xfrm>
         </p:spPr>
         <p:txBody>
-          <a:bodyPr/>
+          <a:bodyPr>
+            <a:normAutofit fontScale="92500" lnSpcReduction="20000"/>
+          </a:bodyPr>
           <a:lstStyle/>
           <a:p>
             <a:pPr marL="0" indent="0">
               <a:buNone/>
             </a:pPr>
             <a:r>
+              <a:rPr lang="en-IN" dirty="0" err="1">
+                <a:solidFill>
+                  <a:schemeClr val="bg1"/>
+                </a:solidFill>
+              </a:rPr>
+              <a:t>o_my_god</a:t>
+            </a:r>
+            <a:r>
               <a:rPr lang="en-IN" dirty="0">
                 <a:solidFill>
                   <a:schemeClr val="bg1"/>
                 </a:solidFill>
               </a:rPr>
-              <a:t> </a:t>
-            </a:r>
-            <a:r>
-              <a:rPr lang="en-IN" dirty="0" err="1">
-                <a:solidFill>
-                  <a:schemeClr val="bg1"/>
-                </a:solidFill>
-              </a:rPr>
-              <a:t>o_my_god</a:t>
-            </a:r>
-            <a:r>
-              <a:rPr lang="en-IN" dirty="0">
-                <a:solidFill>
-                  <a:schemeClr val="bg1"/>
-                </a:solidFill>
-              </a:rPr>
-              <a:t> = [1,2,44,'a',"GUVI", [143,666]]</a:t>
+              <a:t> = [1,2,44,'a',"GUVI", (143,666)]</a:t>
             </a:r>
           </a:p>
           <a:p>
@@ -5167,14 +7280,6 @@
               <a:buNone/>
             </a:pPr>
             <a:r>
-              <a:rPr lang="en-IN" dirty="0">
-                <a:solidFill>
-                  <a:schemeClr val="bg1"/>
-                </a:solidFill>
-              </a:rPr>
-              <a:t> </a:t>
-            </a:r>
-            <a:r>
               <a:rPr lang="en-IN" dirty="0" err="1">
                 <a:solidFill>
                   <a:schemeClr val="bg1"/>
@@ -5196,14 +7301,6 @@
               <a:buNone/>
             </a:pPr>
             <a:r>
-              <a:rPr lang="en-IN" dirty="0">
-                <a:solidFill>
-                  <a:schemeClr val="bg1"/>
-                </a:solidFill>
-              </a:rPr>
-              <a:t> </a:t>
-            </a:r>
-            <a:r>
               <a:rPr lang="en-IN" dirty="0" err="1">
                 <a:solidFill>
                   <a:schemeClr val="bg1"/>
@@ -5257,13 +7354,26 @@
               <a:buNone/>
             </a:pPr>
             <a:r>
+              <a:rPr lang="en-IN" dirty="0" err="1">
+                <a:solidFill>
+                  <a:schemeClr val="bg1"/>
+                </a:solidFill>
+              </a:rPr>
+              <a:t>o_my_god</a:t>
+            </a:r>
+            <a:r>
               <a:rPr lang="en-IN" dirty="0">
                 <a:solidFill>
                   <a:schemeClr val="bg1"/>
                 </a:solidFill>
               </a:rPr>
-              <a:t> </a:t>
-            </a:r>
+              <a:t>[4][0]</a:t>
+            </a:r>
+          </a:p>
+          <a:p>
+            <a:pPr marL="0" indent="0">
+              <a:buNone/>
+            </a:pPr>
             <a:r>
               <a:rPr lang="en-IN" dirty="0" err="1">
                 <a:solidFill>
@@ -5278,8 +7388,18 @@
                   <a:schemeClr val="bg1"/>
                 </a:solidFill>
               </a:rPr>
-              <a:t>[4][0]</a:t>
-            </a:r>
+              <a:t>[5][1]</a:t>
+            </a:r>
+          </a:p>
+          <a:p>
+            <a:pPr marL="0" indent="0">
+              <a:buNone/>
+            </a:pPr>
+            <a:endParaRPr lang="en-IN" dirty="0">
+              <a:solidFill>
+                <a:schemeClr val="bg1"/>
+              </a:solidFill>
+            </a:endParaRPr>
           </a:p>
         </p:txBody>
       </p:sp>
@@ -5308,7 +7428,7 @@
         </p:spPr>
         <p:txBody>
           <a:bodyPr vert="horz" lIns="91440" tIns="45720" rIns="91440" bIns="45720" rtlCol="0">
-            <a:normAutofit/>
+            <a:normAutofit fontScale="92500" lnSpcReduction="10000"/>
           </a:bodyPr>
           <a:lstStyle>
             <a:lvl1pPr marL="228600" indent="-228600" algn="l" defTabSz="914400" rtl="0" eaLnBrk="1" latinLnBrk="0" hangingPunct="1">
@@ -5510,7 +7630,7 @@
                   <a:schemeClr val="bg1"/>
                 </a:solidFill>
               </a:rPr>
-              <a:t>print(cool)</a:t>
+              <a:t>cool[33.2] = 35</a:t>
             </a:r>
           </a:p>
           <a:p>
@@ -5523,263 +7643,132 @@
                   <a:schemeClr val="bg1"/>
                 </a:solidFill>
               </a:rPr>
-              <a:t>{1: 'one', 'two': 2, 33.2: 33}</a:t>
+              <a:t>cool["33.2"] = 8</a:t>
+            </a:r>
+          </a:p>
+          <a:p>
+            <a:pPr marL="0" indent="0">
+              <a:buNone/>
+            </a:pPr>
+            <a:r>
+              <a:rPr lang="en-IN" dirty="0">
+                <a:solidFill>
+                  <a:schemeClr val="bg1"/>
+                </a:solidFill>
+              </a:rPr>
+              <a:t>print(cool)</a:t>
             </a:r>
           </a:p>
         </p:txBody>
       </p:sp>
       <p:sp>
         <p:nvSpPr>
-          <p:cNvPr id="5" name="Content Placeholder 2">
+          <p:cNvPr id="6" name="Rectangle 5">
             <a:extLst>
               <a:ext uri="{FF2B5EF4-FFF2-40B4-BE49-F238E27FC236}">
-                <a16:creationId xmlns:a16="http://schemas.microsoft.com/office/drawing/2014/main" id="{CBEDDC33-DA34-43B5-A87E-0E404509995A}"/>
+                <a16:creationId xmlns:a16="http://schemas.microsoft.com/office/drawing/2014/main" id="{D9DD2E09-4A34-4157-950C-CE7A056AD533}"/>
               </a:ext>
             </a:extLst>
           </p:cNvPr>
-          <p:cNvSpPr txBox="1">
-            <a:spLocks/>
-          </p:cNvSpPr>
+          <p:cNvSpPr/>
           <p:nvPr/>
         </p:nvSpPr>
         <p:spPr>
           <a:xfrm>
-            <a:off x="4853940" y="4644232"/>
-            <a:ext cx="6385560" cy="2068988"/>
+            <a:off x="6515100" y="4938360"/>
+            <a:ext cx="5418343" cy="523220"/>
           </a:xfrm>
           <a:prstGeom prst="rect">
             <a:avLst/>
           </a:prstGeom>
+          <a:solidFill>
+            <a:schemeClr val="accent2"/>
+          </a:solidFill>
         </p:spPr>
         <p:txBody>
-          <a:bodyPr vert="horz" lIns="91440" tIns="45720" rIns="91440" bIns="45720" rtlCol="0">
-            <a:normAutofit/>
+          <a:bodyPr wrap="none">
+            <a:spAutoFit/>
           </a:bodyPr>
-          <a:lstStyle>
-            <a:lvl1pPr marL="228600" indent="-228600" algn="l" defTabSz="914400" rtl="0" eaLnBrk="1" latinLnBrk="0" hangingPunct="1">
-              <a:lnSpc>
-                <a:spcPct val="90000"/>
-              </a:lnSpc>
-              <a:spcBef>
-                <a:spcPts val="1000"/>
-              </a:spcBef>
-              <a:buFont typeface="Arial" panose="020B0604020202020204" pitchFamily="34" charset="0"/>
-              <a:buChar char="•"/>
-              <a:defRPr sz="2800" kern="1200">
-                <a:solidFill>
-                  <a:schemeClr val="tx1"/>
-                </a:solidFill>
-                <a:latin typeface="+mn-lt"/>
-                <a:ea typeface="+mn-ea"/>
-                <a:cs typeface="+mn-cs"/>
-              </a:defRPr>
-            </a:lvl1pPr>
-            <a:lvl2pPr marL="685800" indent="-228600" algn="l" defTabSz="914400" rtl="0" eaLnBrk="1" latinLnBrk="0" hangingPunct="1">
-              <a:lnSpc>
-                <a:spcPct val="90000"/>
-              </a:lnSpc>
-              <a:spcBef>
-                <a:spcPts val="500"/>
-              </a:spcBef>
-              <a:buFont typeface="Arial" panose="020B0604020202020204" pitchFamily="34" charset="0"/>
-              <a:buChar char="•"/>
-              <a:defRPr sz="2400" kern="1200">
-                <a:solidFill>
-                  <a:schemeClr val="tx1"/>
-                </a:solidFill>
-                <a:latin typeface="+mn-lt"/>
-                <a:ea typeface="+mn-ea"/>
-                <a:cs typeface="+mn-cs"/>
-              </a:defRPr>
-            </a:lvl2pPr>
-            <a:lvl3pPr marL="1143000" indent="-228600" algn="l" defTabSz="914400" rtl="0" eaLnBrk="1" latinLnBrk="0" hangingPunct="1">
-              <a:lnSpc>
-                <a:spcPct val="90000"/>
-              </a:lnSpc>
-              <a:spcBef>
-                <a:spcPts val="500"/>
-              </a:spcBef>
-              <a:buFont typeface="Arial" panose="020B0604020202020204" pitchFamily="34" charset="0"/>
-              <a:buChar char="•"/>
-              <a:defRPr sz="2000" kern="1200">
-                <a:solidFill>
-                  <a:schemeClr val="tx1"/>
-                </a:solidFill>
-                <a:latin typeface="+mn-lt"/>
-                <a:ea typeface="+mn-ea"/>
-                <a:cs typeface="+mn-cs"/>
-              </a:defRPr>
-            </a:lvl3pPr>
-            <a:lvl4pPr marL="1600200" indent="-228600" algn="l" defTabSz="914400" rtl="0" eaLnBrk="1" latinLnBrk="0" hangingPunct="1">
-              <a:lnSpc>
-                <a:spcPct val="90000"/>
-              </a:lnSpc>
-              <a:spcBef>
-                <a:spcPts val="500"/>
-              </a:spcBef>
-              <a:buFont typeface="Arial" panose="020B0604020202020204" pitchFamily="34" charset="0"/>
-              <a:buChar char="•"/>
-              <a:defRPr sz="1800" kern="1200">
-                <a:solidFill>
-                  <a:schemeClr val="tx1"/>
-                </a:solidFill>
-                <a:latin typeface="+mn-lt"/>
-                <a:ea typeface="+mn-ea"/>
-                <a:cs typeface="+mn-cs"/>
-              </a:defRPr>
-            </a:lvl4pPr>
-            <a:lvl5pPr marL="2057400" indent="-228600" algn="l" defTabSz="914400" rtl="0" eaLnBrk="1" latinLnBrk="0" hangingPunct="1">
-              <a:lnSpc>
-                <a:spcPct val="90000"/>
-              </a:lnSpc>
-              <a:spcBef>
-                <a:spcPts val="500"/>
-              </a:spcBef>
-              <a:buFont typeface="Arial" panose="020B0604020202020204" pitchFamily="34" charset="0"/>
-              <a:buChar char="•"/>
-              <a:defRPr sz="1800" kern="1200">
-                <a:solidFill>
-                  <a:schemeClr val="tx1"/>
-                </a:solidFill>
-                <a:latin typeface="+mn-lt"/>
-                <a:ea typeface="+mn-ea"/>
-                <a:cs typeface="+mn-cs"/>
-              </a:defRPr>
-            </a:lvl5pPr>
-            <a:lvl6pPr marL="2514600" indent="-228600" algn="l" defTabSz="914400" rtl="0" eaLnBrk="1" latinLnBrk="0" hangingPunct="1">
-              <a:lnSpc>
-                <a:spcPct val="90000"/>
-              </a:lnSpc>
-              <a:spcBef>
-                <a:spcPts val="500"/>
-              </a:spcBef>
-              <a:buFont typeface="Arial" panose="020B0604020202020204" pitchFamily="34" charset="0"/>
-              <a:buChar char="•"/>
-              <a:defRPr sz="1800" kern="1200">
-                <a:solidFill>
-                  <a:schemeClr val="tx1"/>
-                </a:solidFill>
-                <a:latin typeface="+mn-lt"/>
-                <a:ea typeface="+mn-ea"/>
-                <a:cs typeface="+mn-cs"/>
-              </a:defRPr>
-            </a:lvl6pPr>
-            <a:lvl7pPr marL="2971800" indent="-228600" algn="l" defTabSz="914400" rtl="0" eaLnBrk="1" latinLnBrk="0" hangingPunct="1">
-              <a:lnSpc>
-                <a:spcPct val="90000"/>
-              </a:lnSpc>
-              <a:spcBef>
-                <a:spcPts val="500"/>
-              </a:spcBef>
-              <a:buFont typeface="Arial" panose="020B0604020202020204" pitchFamily="34" charset="0"/>
-              <a:buChar char="•"/>
-              <a:defRPr sz="1800" kern="1200">
-                <a:solidFill>
-                  <a:schemeClr val="tx1"/>
-                </a:solidFill>
-                <a:latin typeface="+mn-lt"/>
-                <a:ea typeface="+mn-ea"/>
-                <a:cs typeface="+mn-cs"/>
-              </a:defRPr>
-            </a:lvl7pPr>
-            <a:lvl8pPr marL="3429000" indent="-228600" algn="l" defTabSz="914400" rtl="0" eaLnBrk="1" latinLnBrk="0" hangingPunct="1">
-              <a:lnSpc>
-                <a:spcPct val="90000"/>
-              </a:lnSpc>
-              <a:spcBef>
-                <a:spcPts val="500"/>
-              </a:spcBef>
-              <a:buFont typeface="Arial" panose="020B0604020202020204" pitchFamily="34" charset="0"/>
-              <a:buChar char="•"/>
-              <a:defRPr sz="1800" kern="1200">
-                <a:solidFill>
-                  <a:schemeClr val="tx1"/>
-                </a:solidFill>
-                <a:latin typeface="+mn-lt"/>
-                <a:ea typeface="+mn-ea"/>
-                <a:cs typeface="+mn-cs"/>
-              </a:defRPr>
-            </a:lvl8pPr>
-            <a:lvl9pPr marL="3886200" indent="-228600" algn="l" defTabSz="914400" rtl="0" eaLnBrk="1" latinLnBrk="0" hangingPunct="1">
-              <a:lnSpc>
-                <a:spcPct val="90000"/>
-              </a:lnSpc>
-              <a:spcBef>
-                <a:spcPts val="500"/>
-              </a:spcBef>
-              <a:buFont typeface="Arial" panose="020B0604020202020204" pitchFamily="34" charset="0"/>
-              <a:buChar char="•"/>
-              <a:defRPr sz="1800" kern="1200">
-                <a:solidFill>
-                  <a:schemeClr val="tx1"/>
-                </a:solidFill>
-                <a:latin typeface="+mn-lt"/>
-                <a:ea typeface="+mn-ea"/>
-                <a:cs typeface="+mn-cs"/>
-              </a:defRPr>
-            </a:lvl9pPr>
-          </a:lstStyle>
-          <a:p>
-            <a:pPr marL="0" indent="0">
-              <a:buNone/>
-            </a:pPr>
-            <a:r>
-              <a:rPr lang="en-IN" dirty="0" err="1">
+          <a:lstStyle/>
+          <a:p>
+            <a:r>
+              <a:rPr lang="en-IN" sz="2800" dirty="0">
                 <a:solidFill>
                   <a:schemeClr val="bg1"/>
                 </a:solidFill>
               </a:rPr>
-              <a:t>myset</a:t>
-            </a:r>
-            <a:r>
-              <a:rPr lang="en-IN" dirty="0">
+              <a:t>{1: 'one', 'two': 2, 33.2: 35, '33.2': 8}</a:t>
+            </a:r>
+          </a:p>
+        </p:txBody>
+      </p:sp>
+      <p:sp>
+        <p:nvSpPr>
+          <p:cNvPr id="7" name="Rectangle 6">
+            <a:extLst>
+              <a:ext uri="{FF2B5EF4-FFF2-40B4-BE49-F238E27FC236}">
+                <a16:creationId xmlns:a16="http://schemas.microsoft.com/office/drawing/2014/main" id="{10E85353-229C-434B-AF5B-6CC3FE7F3DFE}"/>
+              </a:ext>
+            </a:extLst>
+          </p:cNvPr>
+          <p:cNvSpPr/>
+          <p:nvPr/>
+        </p:nvSpPr>
+        <p:spPr>
+          <a:xfrm>
+            <a:off x="707568" y="4485577"/>
+            <a:ext cx="1670650" cy="1815882"/>
+          </a:xfrm>
+          <a:prstGeom prst="rect">
+            <a:avLst/>
+          </a:prstGeom>
+          <a:solidFill>
+            <a:schemeClr val="accent2"/>
+          </a:solidFill>
+        </p:spPr>
+        <p:txBody>
+          <a:bodyPr wrap="none">
+            <a:spAutoFit/>
+          </a:bodyPr>
+          <a:lstStyle/>
+          <a:p>
+            <a:r>
+              <a:rPr lang="en-IN" sz="2800" dirty="0">
                 <a:solidFill>
                   <a:schemeClr val="bg1"/>
                 </a:solidFill>
               </a:rPr>
-              <a:t> = {1,2,3,3}</a:t>
-            </a:r>
-          </a:p>
-          <a:p>
-            <a:pPr marL="0" indent="0">
-              <a:buNone/>
-            </a:pPr>
-            <a:r>
-              <a:rPr lang="en-IN" dirty="0" err="1">
+              <a:t>1</a:t>
+            </a:r>
+          </a:p>
+          <a:p>
+            <a:r>
+              <a:rPr lang="en-IN" sz="2800" dirty="0">
                 <a:solidFill>
                   <a:schemeClr val="bg1"/>
                 </a:solidFill>
               </a:rPr>
-              <a:t>mytuple</a:t>
-            </a:r>
-            <a:r>
-              <a:rPr lang="en-IN" dirty="0">
+              <a:t>(143, 666)</a:t>
+            </a:r>
+          </a:p>
+          <a:p>
+            <a:r>
+              <a:rPr lang="en-IN" sz="2800" dirty="0">
                 <a:solidFill>
                   <a:schemeClr val="bg1"/>
                 </a:solidFill>
               </a:rPr>
-              <a:t> = (1,2,3,4)</a:t>
-            </a:r>
-          </a:p>
-          <a:p>
-            <a:pPr marL="0" indent="0">
-              <a:buNone/>
-            </a:pPr>
-            <a:r>
-              <a:rPr lang="en-IN" dirty="0" err="1">
+              <a:t>'G’</a:t>
+            </a:r>
+          </a:p>
+          <a:p>
+            <a:r>
+              <a:rPr lang="en-IN" sz="2800" dirty="0">
                 <a:solidFill>
                   <a:schemeClr val="bg1"/>
                 </a:solidFill>
               </a:rPr>
-              <a:t>mystring</a:t>
-            </a:r>
-            <a:r>
-              <a:rPr lang="en-IN" dirty="0">
-                <a:solidFill>
-                  <a:schemeClr val="bg1"/>
-                </a:solidFill>
-              </a:rPr>
-              <a:t> = 'hello'</a:t>
+              <a:t>666</a:t>
             </a:r>
           </a:p>
         </p:txBody>
@@ -5787,7 +7776,7 @@
     </p:spTree>
     <p:extLst>
       <p:ext uri="{BB962C8B-B14F-4D97-AF65-F5344CB8AC3E}">
-        <p14:creationId xmlns:p14="http://schemas.microsoft.com/office/powerpoint/2010/main" val="1348564876"/>
+        <p14:creationId xmlns:p14="http://schemas.microsoft.com/office/powerpoint/2010/main" val="2792188627"/>
       </p:ext>
     </p:extLst>
   </p:cSld>
@@ -6024,9 +8013,9 @@
                                           </p:stCondLst>
                                         </p:cTn>
                                         <p:tgtEl>
-                                          <p:spTgt spid="4">
+                                          <p:spTgt spid="3">
                                             <p:txEl>
-                                              <p:pRg st="0" end="0"/>
+                                              <p:pRg st="4" end="4"/>
                                             </p:txEl>
                                           </p:spTgt>
                                         </p:tgtEl>
@@ -6075,7 +8064,7 @@
                                         <p:tgtEl>
                                           <p:spTgt spid="4">
                                             <p:txEl>
-                                              <p:pRg st="1" end="1"/>
+                                              <p:pRg st="0" end="0"/>
                                             </p:txEl>
                                           </p:spTgt>
                                         </p:tgtEl>
@@ -6124,7 +8113,7 @@
                                         <p:tgtEl>
                                           <p:spTgt spid="4">
                                             <p:txEl>
-                                              <p:pRg st="2" end="2"/>
+                                              <p:pRg st="1" end="1"/>
                                             </p:txEl>
                                           </p:spTgt>
                                         </p:tgtEl>
@@ -6173,7 +8162,7 @@
                                         <p:tgtEl>
                                           <p:spTgt spid="4">
                                             <p:txEl>
-                                              <p:pRg st="3" end="3"/>
+                                              <p:pRg st="2" end="2"/>
                                             </p:txEl>
                                           </p:spTgt>
                                         </p:tgtEl>
@@ -6220,9 +8209,9 @@
                                           </p:stCondLst>
                                         </p:cTn>
                                         <p:tgtEl>
-                                          <p:spTgt spid="5">
+                                          <p:spTgt spid="4">
                                             <p:txEl>
-                                              <p:pRg st="0" end="0"/>
+                                              <p:pRg st="3" end="3"/>
                                             </p:txEl>
                                           </p:spTgt>
                                         </p:tgtEl>
@@ -6269,9 +8258,9 @@
                                           </p:stCondLst>
                                         </p:cTn>
                                         <p:tgtEl>
-                                          <p:spTgt spid="5">
+                                          <p:spTgt spid="4">
                                             <p:txEl>
-                                              <p:pRg st="1" end="1"/>
+                                              <p:pRg st="4" end="4"/>
                                             </p:txEl>
                                           </p:spTgt>
                                         </p:tgtEl>
@@ -6305,7 +8294,7 @@
                             </p:stCondLst>
                             <p:childTnLst>
                               <p:par>
-                                <p:cTn id="45" presetID="1" presetClass="entr" presetSubtype="0" fill="hold" nodeType="clickEffect">
+                                <p:cTn id="45" presetID="1" presetClass="entr" presetSubtype="0" fill="hold" grpId="0" nodeType="clickEffect">
                                   <p:stCondLst>
                                     <p:cond delay="0"/>
                                   </p:stCondLst>
@@ -6318,11 +8307,52 @@
                                           </p:stCondLst>
                                         </p:cTn>
                                         <p:tgtEl>
-                                          <p:spTgt spid="5">
-                                            <p:txEl>
-                                              <p:pRg st="2" end="2"/>
-                                            </p:txEl>
-                                          </p:spTgt>
+                                          <p:spTgt spid="7"/>
+                                        </p:tgtEl>
+                                        <p:attrNameLst>
+                                          <p:attrName>style.visibility</p:attrName>
+                                        </p:attrNameLst>
+                                      </p:cBhvr>
+                                      <p:to>
+                                        <p:strVal val="visible"/>
+                                      </p:to>
+                                    </p:set>
+                                  </p:childTnLst>
+                                </p:cTn>
+                              </p:par>
+                            </p:childTnLst>
+                          </p:cTn>
+                        </p:par>
+                      </p:childTnLst>
+                    </p:cTn>
+                  </p:par>
+                  <p:par>
+                    <p:cTn id="47" fill="hold">
+                      <p:stCondLst>
+                        <p:cond delay="indefinite"/>
+                      </p:stCondLst>
+                      <p:childTnLst>
+                        <p:par>
+                          <p:cTn id="48" fill="hold">
+                            <p:stCondLst>
+                              <p:cond delay="0"/>
+                            </p:stCondLst>
+                            <p:childTnLst>
+                              <p:par>
+                                <p:cTn id="49" presetID="1" presetClass="entr" presetSubtype="0" fill="hold" grpId="0" nodeType="clickEffect">
+                                  <p:stCondLst>
+                                    <p:cond delay="0"/>
+                                  </p:stCondLst>
+                                  <p:childTnLst>
+                                    <p:set>
+                                      <p:cBhvr>
+                                        <p:cTn id="50" dur="1" fill="hold">
+                                          <p:stCondLst>
+                                            <p:cond delay="0"/>
+                                          </p:stCondLst>
+                                        </p:cTn>
+                                        <p:tgtEl>
+                                          <p:spTgt spid="6"/>
                                         </p:tgtEl>
                                         <p:attrNameLst>
                                           <p:attrName>style.visibility</p:attrName>
@@ -6362,11 +8392,15 @@
         </p:cTn>
       </p:par>
     </p:tnLst>
+    <p:bldLst>
+      <p:bldP spid="6" grpId="0" animBg="1"/>
+      <p:bldP spid="7" grpId="0" animBg="1"/>
+    </p:bldLst>
   </p:timing>
 </p:sld>
 </file>
 
-<file path=ppt/slides/slide14.xml><?xml version="1.0" encoding="utf-8"?>
+<file path=ppt/slides/slide16.xml><?xml version="1.0" encoding="utf-8"?>
 <p:sld xmlns:a="http://schemas.openxmlformats.org/drawingml/2006/main" xmlns:r="http://schemas.openxmlformats.org/officeDocument/2006/relationships" xmlns:p="http://schemas.openxmlformats.org/presentationml/2006/main">
   <p:cSld>
     <p:spTree>
@@ -6450,7 +8484,20 @@
                   <a:schemeClr val="bg1"/>
                 </a:solidFill>
               </a:rPr>
-              <a:t>a = print('Hello!')</a:t>
+              <a:t>a = print('Hello!’)</a:t>
+            </a:r>
+          </a:p>
+          <a:p>
+            <a:pPr marL="0" indent="0">
+              <a:buNone/>
+            </a:pPr>
+            <a:r>
+              <a:rPr lang="en-IN" dirty="0">
+                <a:solidFill>
+                  <a:schemeClr val="bg1"/>
+                </a:solidFill>
+              </a:rPr>
+              <a:t>print(a)</a:t>
             </a:r>
           </a:p>
           <a:p>
@@ -7022,7 +9069,7 @@
                                         <p:tgtEl>
                                           <p:spTgt spid="3">
                                             <p:txEl>
-                                              <p:pRg st="2" end="2"/>
+                                              <p:pRg st="1" end="1"/>
                                             </p:txEl>
                                           </p:spTgt>
                                         </p:tgtEl>
@@ -7167,6 +9214,55 @@
                                           </p:stCondLst>
                                         </p:cTn>
                                         <p:tgtEl>
+                                          <p:spTgt spid="3">
+                                            <p:txEl>
+                                              <p:pRg st="5" end="5"/>
+                                            </p:txEl>
+                                          </p:spTgt>
+                                        </p:tgtEl>
+                                        <p:attrNameLst>
+                                          <p:attrName>style.visibility</p:attrName>
+                                        </p:attrNameLst>
+                                      </p:cBhvr>
+                                      <p:to>
+                                        <p:strVal val="visible"/>
+                                      </p:to>
+                                    </p:set>
+                                  </p:childTnLst>
+                                </p:cTn>
+                              </p:par>
+                            </p:childTnLst>
+                          </p:cTn>
+                        </p:par>
+                      </p:childTnLst>
+                    </p:cTn>
+                  </p:par>
+                  <p:par>
+                    <p:cTn id="23" fill="hold">
+                      <p:stCondLst>
+                        <p:cond delay="indefinite"/>
+                      </p:stCondLst>
+                      <p:childTnLst>
+                        <p:par>
+                          <p:cTn id="24" fill="hold">
+                            <p:stCondLst>
+                              <p:cond delay="0"/>
+                            </p:stCondLst>
+                            <p:childTnLst>
+                              <p:par>
+                                <p:cTn id="25" presetID="1" presetClass="entr" presetSubtype="0" fill="hold" nodeType="clickEffect">
+                                  <p:stCondLst>
+                                    <p:cond delay="0"/>
+                                  </p:stCondLst>
+                                  <p:childTnLst>
+                                    <p:set>
+                                      <p:cBhvr>
+                                        <p:cTn id="26" dur="1" fill="hold">
+                                          <p:stCondLst>
+                                            <p:cond delay="0"/>
+                                          </p:stCondLst>
+                                        </p:cTn>
+                                        <p:tgtEl>
                                           <p:spTgt spid="4">
                                             <p:txEl>
                                               <p:pRg st="0" end="0"/>
@@ -7185,14 +9281,14 @@
                                 </p:cTn>
                               </p:par>
                               <p:par>
-                                <p:cTn id="23" presetID="1" presetClass="entr" presetSubtype="0" fill="hold" nodeType="withEffect">
+                                <p:cTn id="27" presetID="1" presetClass="entr" presetSubtype="0" fill="hold" nodeType="withEffect">
                                   <p:stCondLst>
                                     <p:cond delay="0"/>
                                   </p:stCondLst>
                                   <p:childTnLst>
                                     <p:set>
                                       <p:cBhvr>
-                                        <p:cTn id="24" dur="1" fill="hold">
+                                        <p:cTn id="28" dur="1" fill="hold">
                                           <p:stCondLst>
                                             <p:cond delay="0"/>
                                           </p:stCondLst>
@@ -7216,56 +9312,7 @@
                                 </p:cTn>
                               </p:par>
                               <p:par>
-                                <p:cTn id="25" presetID="1" presetClass="entr" presetSubtype="0" fill="hold" nodeType="withEffect">
-                                  <p:stCondLst>
-                                    <p:cond delay="0"/>
-                                  </p:stCondLst>
-                                  <p:childTnLst>
-                                    <p:set>
-                                      <p:cBhvr>
-                                        <p:cTn id="26" dur="1" fill="hold">
-                                          <p:stCondLst>
-                                            <p:cond delay="0"/>
-                                          </p:stCondLst>
-                                        </p:cTn>
-                                        <p:tgtEl>
-                                          <p:spTgt spid="4">
-                                            <p:txEl>
-                                              <p:pRg st="2" end="2"/>
-                                            </p:txEl>
-                                          </p:spTgt>
-                                        </p:tgtEl>
-                                        <p:attrNameLst>
-                                          <p:attrName>style.visibility</p:attrName>
-                                        </p:attrNameLst>
-                                      </p:cBhvr>
-                                      <p:to>
-                                        <p:strVal val="visible"/>
-                                      </p:to>
-                                    </p:set>
-                                  </p:childTnLst>
-                                </p:cTn>
-                              </p:par>
-                            </p:childTnLst>
-                          </p:cTn>
-                        </p:par>
-                      </p:childTnLst>
-                    </p:cTn>
-                  </p:par>
-                  <p:par>
-                    <p:cTn id="27" fill="hold">
-                      <p:stCondLst>
-                        <p:cond delay="indefinite"/>
-                      </p:stCondLst>
-                      <p:childTnLst>
-                        <p:par>
-                          <p:cTn id="28" fill="hold">
-                            <p:stCondLst>
-                              <p:cond delay="0"/>
-                            </p:stCondLst>
-                            <p:childTnLst>
-                              <p:par>
-                                <p:cTn id="29" presetID="1" presetClass="entr" presetSubtype="0" fill="hold" nodeType="clickEffect">
+                                <p:cTn id="29" presetID="1" presetClass="entr" presetSubtype="0" fill="hold" nodeType="withEffect">
                                   <p:stCondLst>
                                     <p:cond delay="0"/>
                                   </p:stCondLst>
@@ -7280,7 +9327,7 @@
                                         <p:tgtEl>
                                           <p:spTgt spid="4">
                                             <p:txEl>
-                                              <p:pRg st="4" end="4"/>
+                                              <p:pRg st="2" end="2"/>
                                             </p:txEl>
                                           </p:spTgt>
                                         </p:tgtEl>
@@ -7327,6 +9374,55 @@
                                           </p:stCondLst>
                                         </p:cTn>
                                         <p:tgtEl>
+                                          <p:spTgt spid="4">
+                                            <p:txEl>
+                                              <p:pRg st="4" end="4"/>
+                                            </p:txEl>
+                                          </p:spTgt>
+                                        </p:tgtEl>
+                                        <p:attrNameLst>
+                                          <p:attrName>style.visibility</p:attrName>
+                                        </p:attrNameLst>
+                                      </p:cBhvr>
+                                      <p:to>
+                                        <p:strVal val="visible"/>
+                                      </p:to>
+                                    </p:set>
+                                  </p:childTnLst>
+                                </p:cTn>
+                              </p:par>
+                            </p:childTnLst>
+                          </p:cTn>
+                        </p:par>
+                      </p:childTnLst>
+                    </p:cTn>
+                  </p:par>
+                  <p:par>
+                    <p:cTn id="35" fill="hold">
+                      <p:stCondLst>
+                        <p:cond delay="indefinite"/>
+                      </p:stCondLst>
+                      <p:childTnLst>
+                        <p:par>
+                          <p:cTn id="36" fill="hold">
+                            <p:stCondLst>
+                              <p:cond delay="0"/>
+                            </p:stCondLst>
+                            <p:childTnLst>
+                              <p:par>
+                                <p:cTn id="37" presetID="1" presetClass="entr" presetSubtype="0" fill="hold" nodeType="clickEffect">
+                                  <p:stCondLst>
+                                    <p:cond delay="0"/>
+                                  </p:stCondLst>
+                                  <p:childTnLst>
+                                    <p:set>
+                                      <p:cBhvr>
+                                        <p:cTn id="38" dur="1" fill="hold">
+                                          <p:stCondLst>
+                                            <p:cond delay="0"/>
+                                          </p:stCondLst>
+                                        </p:cTn>
+                                        <p:tgtEl>
                                           <p:spTgt spid="5">
                                             <p:txEl>
                                               <p:pRg st="0" end="0"/>
@@ -7345,14 +9441,14 @@
                                 </p:cTn>
                               </p:par>
                               <p:par>
-                                <p:cTn id="35" presetID="1" presetClass="entr" presetSubtype="0" fill="hold" nodeType="withEffect">
+                                <p:cTn id="39" presetID="1" presetClass="entr" presetSubtype="0" fill="hold" nodeType="withEffect">
                                   <p:stCondLst>
                                     <p:cond delay="0"/>
                                   </p:stCondLst>
                                   <p:childTnLst>
                                     <p:set>
                                       <p:cBhvr>
-                                        <p:cTn id="36" dur="1" fill="hold">
+                                        <p:cTn id="40" dur="1" fill="hold">
                                           <p:stCondLst>
                                             <p:cond delay="0"/>
                                           </p:stCondLst>
@@ -7376,14 +9472,14 @@
                                 </p:cTn>
                               </p:par>
                               <p:par>
-                                <p:cTn id="37" presetID="1" presetClass="entr" presetSubtype="0" fill="hold" nodeType="withEffect">
+                                <p:cTn id="41" presetID="1" presetClass="entr" presetSubtype="0" fill="hold" nodeType="withEffect">
                                   <p:stCondLst>
                                     <p:cond delay="0"/>
                                   </p:stCondLst>
                                   <p:childTnLst>
                                     <p:set>
                                       <p:cBhvr>
-                                        <p:cTn id="38" dur="1" fill="hold">
+                                        <p:cTn id="42" dur="1" fill="hold">
                                           <p:stCondLst>
                                             <p:cond delay="0"/>
                                           </p:stCondLst>
@@ -7437,7 +9533,7 @@
 </p:sld>
 </file>
 
-<file path=ppt/slides/slide15.xml><?xml version="1.0" encoding="utf-8"?>
+<file path=ppt/slides/slide17.xml><?xml version="1.0" encoding="utf-8"?>
 <p:sld xmlns:a="http://schemas.openxmlformats.org/drawingml/2006/main" xmlns:r="http://schemas.openxmlformats.org/officeDocument/2006/relationships" xmlns:p="http://schemas.openxmlformats.org/presentationml/2006/main">
   <p:cSld>
     <p:spTree>
@@ -7925,7 +10021,7 @@
 </p:sld>
 </file>
 
-<file path=ppt/slides/slide16.xml><?xml version="1.0" encoding="utf-8"?>
+<file path=ppt/slides/slide18.xml><?xml version="1.0" encoding="utf-8"?>
 <p:sld xmlns:a="http://schemas.openxmlformats.org/drawingml/2006/main" xmlns:r="http://schemas.openxmlformats.org/officeDocument/2006/relationships" xmlns:p="http://schemas.openxmlformats.org/presentationml/2006/main">
   <p:cSld>
     <p:spTree>
@@ -7993,7 +10089,7 @@
 </p:sld>
 </file>
 
-<file path=ppt/slides/slide17.xml><?xml version="1.0" encoding="utf-8"?>
+<file path=ppt/slides/slide19.xml><?xml version="1.0" encoding="utf-8"?>
 <p:sld xmlns:a="http://schemas.openxmlformats.org/drawingml/2006/main" xmlns:r="http://schemas.openxmlformats.org/officeDocument/2006/relationships" xmlns:p="http://schemas.openxmlformats.org/presentationml/2006/main">
   <p:cSld>
     <p:spTree>
@@ -8068,13 +10164,13 @@
         </p:nvSpPr>
         <p:spPr>
           <a:xfrm>
-            <a:off x="605790" y="1832292"/>
+            <a:off x="605790" y="2137090"/>
             <a:ext cx="3436620" cy="4351338"/>
           </a:xfrm>
         </p:spPr>
         <p:txBody>
           <a:bodyPr>
-            <a:normAutofit fontScale="92500"/>
+            <a:normAutofit fontScale="92500" lnSpcReduction="10000"/>
           </a:bodyPr>
           <a:lstStyle/>
           <a:p>
@@ -8088,7 +10184,7 @@
                   <a:schemeClr val="bg1"/>
                 </a:solidFill>
               </a:rPr>
-              <a:t>Uber Billing      </a:t>
+              <a:t>Loop until Q</a:t>
             </a:r>
           </a:p>
           <a:p>
@@ -8102,7 +10198,7 @@
                   <a:schemeClr val="bg1"/>
                 </a:solidFill>
               </a:rPr>
-              <a:t>Number Guessing Game</a:t>
+              <a:t>Uber Billing      </a:t>
             </a:r>
           </a:p>
           <a:p>
@@ -8116,8 +10212,27 @@
                   <a:schemeClr val="bg1"/>
                 </a:solidFill>
               </a:rPr>
-              <a:t>Loop until Q</a:t>
-            </a:r>
+              <a:t>Number Guessing Game</a:t>
+            </a:r>
+          </a:p>
+          <a:p>
+            <a:pPr marL="514350" indent="-514350">
+              <a:buFont typeface="+mj-lt"/>
+              <a:buAutoNum type="arabicPeriod"/>
+            </a:pPr>
+            <a:r>
+              <a:rPr lang="en-IN">
+                <a:solidFill>
+                  <a:schemeClr val="bg1"/>
+                </a:solidFill>
+              </a:rPr>
+              <a:t>Number series</a:t>
+            </a:r>
+            <a:endParaRPr lang="en-IN" dirty="0">
+              <a:solidFill>
+                <a:schemeClr val="bg1"/>
+              </a:solidFill>
+            </a:endParaRPr>
           </a:p>
           <a:p>
             <a:pPr marL="514350" indent="-514350">
@@ -8228,7 +10343,7 @@
         </p:nvSpPr>
         <p:spPr>
           <a:xfrm>
-            <a:off x="6648450" y="1832292"/>
+            <a:off x="6648450" y="2137090"/>
             <a:ext cx="3436620" cy="4351338"/>
           </a:xfrm>
           <a:prstGeom prst="rect">
@@ -8237,7 +10352,7 @@
         </p:spPr>
         <p:txBody>
           <a:bodyPr vert="horz" lIns="91440" tIns="45720" rIns="91440" bIns="45720" rtlCol="0">
-            <a:normAutofit fontScale="92500" lnSpcReduction="20000"/>
+            <a:normAutofit fontScale="92500" lnSpcReduction="10000"/>
           </a:bodyPr>
           <a:lstStyle>
             <a:lvl1pPr marL="228600" indent="-228600" algn="l" defTabSz="914400" rtl="0" eaLnBrk="1" latinLnBrk="0" hangingPunct="1">
@@ -8418,39 +10533,25 @@
             </a:r>
           </a:p>
           <a:p>
-            <a:pPr marL="971550" lvl="1" indent="-514350">
-              <a:buFont typeface="+mj-lt"/>
-              <a:buAutoNum type="arabicPeriod"/>
-            </a:pPr>
-            <a:r>
-              <a:rPr lang="en-IN" dirty="0" err="1">
-                <a:solidFill>
-                  <a:schemeClr val="bg1"/>
-                </a:solidFill>
-              </a:rPr>
-              <a:t>Todo</a:t>
-            </a:r>
-            <a:r>
-              <a:rPr lang="en-IN" dirty="0">
-                <a:solidFill>
-                  <a:schemeClr val="bg1"/>
-                </a:solidFill>
-              </a:rPr>
-              <a:t> List</a:t>
-            </a:r>
-          </a:p>
-          <a:p>
             <a:pPr marL="514350" indent="-514350">
               <a:buFont typeface="+mj-lt"/>
               <a:buAutoNum type="arabicPeriod"/>
             </a:pPr>
             <a:r>
+              <a:rPr lang="en-IN" dirty="0" err="1">
+                <a:solidFill>
+                  <a:schemeClr val="bg1"/>
+                </a:solidFill>
+              </a:rPr>
+              <a:t>Todo</a:t>
+            </a:r>
+            <a:r>
               <a:rPr lang="en-IN" dirty="0">
                 <a:solidFill>
                   <a:schemeClr val="bg1"/>
                 </a:solidFill>
               </a:rPr>
-              <a:t>Chat App </a:t>
+              <a:t> List</a:t>
             </a:r>
           </a:p>
           <a:p>
@@ -8464,7 +10565,7 @@
                   <a:schemeClr val="bg1"/>
                 </a:solidFill>
               </a:rPr>
-              <a:t>Web API using Flask – requests</a:t>
+              <a:t>Chat App </a:t>
             </a:r>
           </a:p>
           <a:p>
@@ -8473,20 +10574,12 @@
               <a:buAutoNum type="arabicPeriod"/>
             </a:pPr>
             <a:r>
-              <a:rPr lang="en-IN" dirty="0" err="1">
+              <a:rPr lang="en-IN" dirty="0">
                 <a:solidFill>
                   <a:schemeClr val="bg1"/>
                 </a:solidFill>
               </a:rPr>
-              <a:t>WebScrapper</a:t>
-            </a:r>
-            <a:r>
-              <a:rPr lang="en-IN" dirty="0">
-                <a:solidFill>
-                  <a:schemeClr val="bg1"/>
-                </a:solidFill>
-              </a:rPr>
-              <a:t>   </a:t>
+              <a:t>Web API using Flask – requests</a:t>
             </a:r>
           </a:p>
           <a:p>
@@ -8495,54 +10588,62 @@
               <a:buAutoNum type="arabicPeriod"/>
             </a:pPr>
             <a:r>
+              <a:rPr lang="en-IN" dirty="0" err="1">
+                <a:solidFill>
+                  <a:schemeClr val="bg1"/>
+                </a:solidFill>
+              </a:rPr>
+              <a:t>WebScrapper</a:t>
+            </a:r>
+            <a:r>
               <a:rPr lang="en-IN" dirty="0">
                 <a:solidFill>
                   <a:schemeClr val="bg1"/>
                 </a:solidFill>
               </a:rPr>
-              <a:t>Calculator - OOPS</a:t>
-            </a:r>
-          </a:p>
-          <a:p>
-            <a:pPr marL="514350" indent="-514350">
-              <a:buFont typeface="+mj-lt"/>
-              <a:buAutoNum type="arabicPeriod"/>
-            </a:pPr>
-            <a:r>
-              <a:rPr lang="en-IN" dirty="0">
+              <a:t>- </a:t>
+            </a:r>
+            <a:r>
+              <a:rPr lang="en-IN" dirty="0" err="1">
                 <a:solidFill>
                   <a:schemeClr val="bg1"/>
                 </a:solidFill>
               </a:rPr>
-              <a:t>Folder Sorter </a:t>
-            </a:r>
-          </a:p>
-          <a:p>
-            <a:pPr marL="514350" indent="-514350">
-              <a:buFont typeface="+mj-lt"/>
-              <a:buAutoNum type="arabicPeriod"/>
-            </a:pPr>
-            <a:r>
-              <a:rPr lang="en-IN" dirty="0">
-                <a:solidFill>
-                  <a:schemeClr val="bg1"/>
-                </a:solidFill>
-              </a:rPr>
-              <a:t>Turtle race – </a:t>
-            </a:r>
-            <a:r>
-              <a:rPr lang="en-IN" dirty="0" err="1">
-                <a:solidFill>
-                  <a:schemeClr val="bg1"/>
-                </a:solidFill>
-              </a:rPr>
-              <a:t>pygame</a:t>
+              <a:t>BeautifulSoup</a:t>
             </a:r>
             <a:endParaRPr lang="en-IN" dirty="0">
               <a:solidFill>
                 <a:schemeClr val="bg1"/>
               </a:solidFill>
             </a:endParaRPr>
+          </a:p>
+          <a:p>
+            <a:pPr marL="514350" indent="-514350">
+              <a:buFont typeface="+mj-lt"/>
+              <a:buAutoNum type="arabicPeriod"/>
+            </a:pPr>
+            <a:r>
+              <a:rPr lang="en-IN" dirty="0">
+                <a:solidFill>
+                  <a:schemeClr val="bg1"/>
+                </a:solidFill>
+              </a:rPr>
+              <a:t>Calculator - OOPS</a:t>
+            </a:r>
+          </a:p>
+          <a:p>
+            <a:pPr marL="514350" indent="-514350">
+              <a:buFont typeface="+mj-lt"/>
+              <a:buAutoNum type="arabicPeriod"/>
+            </a:pPr>
+            <a:r>
+              <a:rPr lang="en-IN" dirty="0">
+                <a:solidFill>
+                  <a:schemeClr val="bg1"/>
+                </a:solidFill>
+              </a:rPr>
+              <a:t>Folder Sorter </a:t>
+            </a:r>
           </a:p>
           <a:p>
             <a:pPr marL="514350" indent="-514350">
@@ -8568,6 +10669,90 @@
                 <a:schemeClr val="bg1"/>
               </a:solidFill>
             </a:endParaRPr>
+          </a:p>
+        </p:txBody>
+      </p:sp>
+      <p:sp>
+        <p:nvSpPr>
+          <p:cNvPr id="5" name="Rectangle 4">
+            <a:extLst>
+              <a:ext uri="{FF2B5EF4-FFF2-40B4-BE49-F238E27FC236}">
+                <a16:creationId xmlns:a16="http://schemas.microsoft.com/office/drawing/2014/main" id="{26D616A0-44B2-4FFA-BE8E-1809952FF8B5}"/>
+              </a:ext>
+            </a:extLst>
+          </p:cNvPr>
+          <p:cNvSpPr/>
+          <p:nvPr/>
+        </p:nvSpPr>
+        <p:spPr>
+          <a:xfrm>
+            <a:off x="1245943" y="1499616"/>
+            <a:ext cx="2592761" cy="461665"/>
+          </a:xfrm>
+          <a:prstGeom prst="rect">
+            <a:avLst/>
+          </a:prstGeom>
+          <a:solidFill>
+            <a:schemeClr val="accent2"/>
+          </a:solidFill>
+        </p:spPr>
+        <p:txBody>
+          <a:bodyPr wrap="none">
+            <a:spAutoFit/>
+          </a:bodyPr>
+          <a:lstStyle/>
+          <a:p>
+            <a:r>
+              <a:rPr lang="en-IN" sz="2400" b="1" dirty="0">
+                <a:solidFill>
+                  <a:schemeClr val="bg1"/>
+                </a:solidFill>
+              </a:rPr>
+              <a:t>Learning Concepts </a:t>
+            </a:r>
+            <a:endParaRPr lang="en-IN" sz="2400" dirty="0"/>
+          </a:p>
+        </p:txBody>
+      </p:sp>
+      <p:sp>
+        <p:nvSpPr>
+          <p:cNvPr id="6" name="Rectangle 5">
+            <a:extLst>
+              <a:ext uri="{FF2B5EF4-FFF2-40B4-BE49-F238E27FC236}">
+                <a16:creationId xmlns:a16="http://schemas.microsoft.com/office/drawing/2014/main" id="{1F103443-4C55-48F2-B398-3F955B7F4114}"/>
+              </a:ext>
+            </a:extLst>
+          </p:cNvPr>
+          <p:cNvSpPr/>
+          <p:nvPr/>
+        </p:nvSpPr>
+        <p:spPr>
+          <a:xfrm>
+            <a:off x="7500473" y="1583705"/>
+            <a:ext cx="2618409" cy="461665"/>
+          </a:xfrm>
+          <a:prstGeom prst="rect">
+            <a:avLst/>
+          </a:prstGeom>
+          <a:solidFill>
+            <a:schemeClr val="accent2"/>
+          </a:solidFill>
+        </p:spPr>
+        <p:txBody>
+          <a:bodyPr wrap="none">
+            <a:spAutoFit/>
+          </a:bodyPr>
+          <a:lstStyle/>
+          <a:p>
+            <a:r>
+              <a:rPr lang="en-IN" sz="2400" b="1" dirty="0">
+                <a:solidFill>
+                  <a:schemeClr val="bg1"/>
+                </a:solidFill>
+              </a:rPr>
+              <a:t>Applying Concepts </a:t>
+            </a:r>
+            <a:endParaRPr lang="en-IN" sz="2400" dirty="0"/>
           </a:p>
         </p:txBody>
       </p:sp>
@@ -9007,7 +11192,11 @@
                                           </p:stCondLst>
                                         </p:cTn>
                                         <p:tgtEl>
-                                          <p:spTgt spid="4"/>
+                                          <p:spTgt spid="3">
+                                            <p:txEl>
+                                              <p:pRg st="8" end="8"/>
+                                            </p:txEl>
+                                          </p:spTgt>
                                         </p:tgtEl>
                                         <p:attrNameLst>
                                           <p:attrName>style.visibility</p:attrName>
@@ -9039,7 +11228,7 @@
                             </p:stCondLst>
                             <p:childTnLst>
                               <p:par>
-                                <p:cTn id="41" presetID="1" presetClass="entr" presetSubtype="0" fill="hold" nodeType="clickEffect">
+                                <p:cTn id="41" presetID="1" presetClass="entr" presetSubtype="0" fill="hold" grpId="0" nodeType="clickEffect">
                                   <p:stCondLst>
                                     <p:cond delay="0"/>
                                   </p:stCondLst>
@@ -9052,11 +11241,7 @@
                                           </p:stCondLst>
                                         </p:cTn>
                                         <p:tgtEl>
-                                          <p:spTgt spid="4">
-                                            <p:txEl>
-                                              <p:pRg st="0" end="0"/>
-                                            </p:txEl>
-                                          </p:spTgt>
+                                          <p:spTgt spid="4"/>
                                         </p:tgtEl>
                                         <p:attrNameLst>
                                           <p:attrName>style.visibility</p:attrName>
@@ -9103,7 +11288,7 @@
                                         <p:tgtEl>
                                           <p:spTgt spid="4">
                                             <p:txEl>
-                                              <p:pRg st="1" end="1"/>
+                                              <p:pRg st="0" end="0"/>
                                             </p:txEl>
                                           </p:spTgt>
                                         </p:tgtEl>
@@ -9152,7 +11337,7 @@
                                         <p:tgtEl>
                                           <p:spTgt spid="4">
                                             <p:txEl>
-                                              <p:pRg st="2" end="2"/>
+                                              <p:pRg st="1" end="1"/>
                                             </p:txEl>
                                           </p:spTgt>
                                         </p:tgtEl>
@@ -9201,7 +11386,7 @@
                                         <p:tgtEl>
                                           <p:spTgt spid="4">
                                             <p:txEl>
-                                              <p:pRg st="3" end="3"/>
+                                              <p:pRg st="2" end="2"/>
                                             </p:txEl>
                                           </p:spTgt>
                                         </p:tgtEl>
@@ -9250,7 +11435,7 @@
                                         <p:tgtEl>
                                           <p:spTgt spid="4">
                                             <p:txEl>
-                                              <p:pRg st="4" end="4"/>
+                                              <p:pRg st="3" end="3"/>
                                             </p:txEl>
                                           </p:spTgt>
                                         </p:tgtEl>
@@ -9299,7 +11484,7 @@
                                         <p:tgtEl>
                                           <p:spTgt spid="4">
                                             <p:txEl>
-                                              <p:pRg st="5" end="5"/>
+                                              <p:pRg st="4" end="4"/>
                                             </p:txEl>
                                           </p:spTgt>
                                         </p:tgtEl>
@@ -9348,7 +11533,7 @@
                                         <p:tgtEl>
                                           <p:spTgt spid="4">
                                             <p:txEl>
-                                              <p:pRg st="6" end="6"/>
+                                              <p:pRg st="5" end="5"/>
                                             </p:txEl>
                                           </p:spTgt>
                                         </p:tgtEl>
@@ -9397,7 +11582,7 @@
                                         <p:tgtEl>
                                           <p:spTgt spid="4">
                                             <p:txEl>
-                                              <p:pRg st="7" end="7"/>
+                                              <p:pRg st="6" end="6"/>
                                             </p:txEl>
                                           </p:spTgt>
                                         </p:tgtEl>
@@ -9446,7 +11631,7 @@
                                         <p:tgtEl>
                                           <p:spTgt spid="4">
                                             <p:txEl>
-                                              <p:pRg st="8" end="8"/>
+                                              <p:pRg st="7" end="7"/>
                                             </p:txEl>
                                           </p:spTgt>
                                         </p:tgtEl>
@@ -9496,7 +11681,390 @@
 </p:sld>
 </file>
 
-<file path=ppt/slides/slide18.xml><?xml version="1.0" encoding="utf-8"?>
+<file path=ppt/slides/slide2.xml><?xml version="1.0" encoding="utf-8"?>
+<p:sld xmlns:a="http://schemas.openxmlformats.org/drawingml/2006/main" xmlns:r="http://schemas.openxmlformats.org/officeDocument/2006/relationships" xmlns:p="http://schemas.openxmlformats.org/presentationml/2006/main">
+  <p:cSld>
+    <p:spTree>
+      <p:nvGrpSpPr>
+        <p:cNvPr id="1" name=""/>
+        <p:cNvGrpSpPr/>
+        <p:nvPr/>
+      </p:nvGrpSpPr>
+      <p:grpSpPr>
+        <a:xfrm>
+          <a:off x="0" y="0"/>
+          <a:ext cx="0" cy="0"/>
+          <a:chOff x="0" y="0"/>
+          <a:chExt cx="0" cy="0"/>
+        </a:xfrm>
+      </p:grpSpPr>
+      <p:pic>
+        <p:nvPicPr>
+          <p:cNvPr id="9" name="Picture 8">
+            <a:extLst>
+              <a:ext uri="{FF2B5EF4-FFF2-40B4-BE49-F238E27FC236}">
+                <a16:creationId xmlns:a16="http://schemas.microsoft.com/office/drawing/2014/main" id="{455BA8D9-9553-4280-BE35-60579810085E}"/>
+              </a:ext>
+            </a:extLst>
+          </p:cNvPr>
+          <p:cNvPicPr>
+            <a:picLocks noChangeAspect="1"/>
+          </p:cNvPicPr>
+          <p:nvPr/>
+        </p:nvPicPr>
+        <p:blipFill>
+          <a:blip r:embed="rId2">
+            <a:extLst>
+              <a:ext uri="{28A0092B-C50C-407E-A947-70E740481C1C}">
+                <a14:useLocalDpi xmlns:a14="http://schemas.microsoft.com/office/drawing/2010/main" val="0"/>
+              </a:ext>
+            </a:extLst>
+          </a:blip>
+          <a:stretch>
+            <a:fillRect/>
+          </a:stretch>
+        </p:blipFill>
+        <p:spPr>
+          <a:xfrm>
+            <a:off x="5135527" y="610336"/>
+            <a:ext cx="3063946" cy="3063946"/>
+          </a:xfrm>
+          <a:prstGeom prst="rect">
+            <a:avLst/>
+          </a:prstGeom>
+        </p:spPr>
+      </p:pic>
+      <p:sp>
+        <p:nvSpPr>
+          <p:cNvPr id="10" name="Rectangle: Rounded Corners 9">
+            <a:extLst>
+              <a:ext uri="{FF2B5EF4-FFF2-40B4-BE49-F238E27FC236}">
+                <a16:creationId xmlns:a16="http://schemas.microsoft.com/office/drawing/2014/main" id="{973A54DA-DDEE-4843-913E-226C2637FECF}"/>
+              </a:ext>
+            </a:extLst>
+          </p:cNvPr>
+          <p:cNvSpPr/>
+          <p:nvPr/>
+        </p:nvSpPr>
+        <p:spPr>
+          <a:xfrm>
+            <a:off x="4276056" y="2696545"/>
+            <a:ext cx="758454" cy="834656"/>
+          </a:xfrm>
+          <a:prstGeom prst="roundRect">
+            <a:avLst/>
+          </a:prstGeom>
+          <a:solidFill>
+            <a:schemeClr val="bg1"/>
+          </a:solidFill>
+          <a:ln>
+            <a:noFill/>
+          </a:ln>
+        </p:spPr>
+        <p:style>
+          <a:lnRef idx="2">
+            <a:schemeClr val="accent1">
+              <a:shade val="50000"/>
+            </a:schemeClr>
+          </a:lnRef>
+          <a:fillRef idx="1">
+            <a:schemeClr val="accent1"/>
+          </a:fillRef>
+          <a:effectRef idx="0">
+            <a:schemeClr val="accent1"/>
+          </a:effectRef>
+          <a:fontRef idx="minor">
+            <a:schemeClr val="lt1"/>
+          </a:fontRef>
+        </p:style>
+        <p:txBody>
+          <a:bodyPr rtlCol="0" anchor="ctr"/>
+          <a:lstStyle/>
+          <a:p>
+            <a:pPr algn="ctr"/>
+            <a:r>
+              <a:rPr lang="en-IN" sz="4800" dirty="0">
+                <a:solidFill>
+                  <a:srgbClr val="005097"/>
+                </a:solidFill>
+              </a:rPr>
+              <a:t>A</a:t>
+            </a:r>
+          </a:p>
+        </p:txBody>
+      </p:sp>
+      <p:sp>
+        <p:nvSpPr>
+          <p:cNvPr id="11" name="Rectangle: Rounded Corners 10">
+            <a:extLst>
+              <a:ext uri="{FF2B5EF4-FFF2-40B4-BE49-F238E27FC236}">
+                <a16:creationId xmlns:a16="http://schemas.microsoft.com/office/drawing/2014/main" id="{E04ECE5C-AE90-486F-B196-A56AA61178A4}"/>
+              </a:ext>
+            </a:extLst>
+          </p:cNvPr>
+          <p:cNvSpPr/>
+          <p:nvPr/>
+        </p:nvSpPr>
+        <p:spPr>
+          <a:xfrm>
+            <a:off x="347640" y="3998119"/>
+            <a:ext cx="5982281" cy="2709224"/>
+          </a:xfrm>
+          <a:prstGeom prst="roundRect">
+            <a:avLst/>
+          </a:prstGeom>
+          <a:solidFill>
+            <a:schemeClr val="bg1"/>
+          </a:solidFill>
+          <a:ln>
+            <a:noFill/>
+          </a:ln>
+        </p:spPr>
+        <p:style>
+          <a:lnRef idx="2">
+            <a:schemeClr val="accent1">
+              <a:shade val="50000"/>
+            </a:schemeClr>
+          </a:lnRef>
+          <a:fillRef idx="1">
+            <a:schemeClr val="accent1"/>
+          </a:fillRef>
+          <a:effectRef idx="0">
+            <a:schemeClr val="accent1"/>
+          </a:effectRef>
+          <a:fontRef idx="minor">
+            <a:schemeClr val="lt1"/>
+          </a:fontRef>
+        </p:style>
+        <p:txBody>
+          <a:bodyPr rtlCol="0" anchor="ctr"/>
+          <a:lstStyle/>
+          <a:p>
+            <a:pPr marL="457200" indent="-457200">
+              <a:buFont typeface="Arial" panose="020B0604020202020204" pitchFamily="34" charset="0"/>
+              <a:buChar char="•"/>
+            </a:pPr>
+            <a:r>
+              <a:rPr lang="en-IN" sz="2800" dirty="0">
+                <a:solidFill>
+                  <a:srgbClr val="005097"/>
+                </a:solidFill>
+              </a:rPr>
+              <a:t>Balancing </a:t>
+            </a:r>
+          </a:p>
+          <a:p>
+            <a:pPr marL="457200" indent="-457200">
+              <a:buFont typeface="Arial" panose="020B0604020202020204" pitchFamily="34" charset="0"/>
+              <a:buChar char="•"/>
+            </a:pPr>
+            <a:r>
+              <a:rPr lang="en-IN" sz="2800" dirty="0">
+                <a:solidFill>
+                  <a:srgbClr val="005097"/>
+                </a:solidFill>
+              </a:rPr>
+              <a:t>Basic Mechanics – Gear pattern</a:t>
+            </a:r>
+          </a:p>
+          <a:p>
+            <a:pPr marL="457200" indent="-457200">
+              <a:buFont typeface="Arial" panose="020B0604020202020204" pitchFamily="34" charset="0"/>
+              <a:buChar char="•"/>
+            </a:pPr>
+            <a:r>
+              <a:rPr lang="en-IN" sz="2800" dirty="0">
+                <a:solidFill>
+                  <a:srgbClr val="005097"/>
+                </a:solidFill>
+              </a:rPr>
+              <a:t>Bike Expert - internals</a:t>
+            </a:r>
+          </a:p>
+          <a:p>
+            <a:pPr marL="457200" indent="-457200">
+              <a:buFont typeface="Arial" panose="020B0604020202020204" pitchFamily="34" charset="0"/>
+              <a:buChar char="•"/>
+            </a:pPr>
+            <a:r>
+              <a:rPr lang="en-IN" sz="2800" dirty="0">
+                <a:solidFill>
+                  <a:srgbClr val="005097"/>
+                </a:solidFill>
+              </a:rPr>
+              <a:t>Reaching Destination</a:t>
+            </a:r>
+          </a:p>
+        </p:txBody>
+      </p:sp>
+      <p:sp>
+        <p:nvSpPr>
+          <p:cNvPr id="13" name="Rectangle: Rounded Corners 12">
+            <a:extLst>
+              <a:ext uri="{FF2B5EF4-FFF2-40B4-BE49-F238E27FC236}">
+                <a16:creationId xmlns:a16="http://schemas.microsoft.com/office/drawing/2014/main" id="{FCFCEC7D-D894-4A21-BAD7-80F7399681F1}"/>
+              </a:ext>
+            </a:extLst>
+          </p:cNvPr>
+          <p:cNvSpPr/>
+          <p:nvPr/>
+        </p:nvSpPr>
+        <p:spPr>
+          <a:xfrm>
+            <a:off x="8199473" y="123163"/>
+            <a:ext cx="758454" cy="834656"/>
+          </a:xfrm>
+          <a:prstGeom prst="roundRect">
+            <a:avLst/>
+          </a:prstGeom>
+          <a:solidFill>
+            <a:schemeClr val="bg1"/>
+          </a:solidFill>
+          <a:ln>
+            <a:noFill/>
+          </a:ln>
+        </p:spPr>
+        <p:style>
+          <a:lnRef idx="2">
+            <a:schemeClr val="accent1">
+              <a:shade val="50000"/>
+            </a:schemeClr>
+          </a:lnRef>
+          <a:fillRef idx="1">
+            <a:schemeClr val="accent1"/>
+          </a:fillRef>
+          <a:effectRef idx="0">
+            <a:schemeClr val="accent1"/>
+          </a:effectRef>
+          <a:fontRef idx="minor">
+            <a:schemeClr val="lt1"/>
+          </a:fontRef>
+        </p:style>
+        <p:txBody>
+          <a:bodyPr rtlCol="0" anchor="ctr"/>
+          <a:lstStyle/>
+          <a:p>
+            <a:pPr algn="ctr"/>
+            <a:r>
+              <a:rPr lang="en-IN" sz="4800" dirty="0">
+                <a:solidFill>
+                  <a:srgbClr val="005097"/>
+                </a:solidFill>
+              </a:rPr>
+              <a:t>B</a:t>
+            </a:r>
+          </a:p>
+        </p:txBody>
+      </p:sp>
+      <p:sp>
+        <p:nvSpPr>
+          <p:cNvPr id="14" name="Rectangle: Rounded Corners 13">
+            <a:extLst>
+              <a:ext uri="{FF2B5EF4-FFF2-40B4-BE49-F238E27FC236}">
+                <a16:creationId xmlns:a16="http://schemas.microsoft.com/office/drawing/2014/main" id="{D1CA0673-911B-461E-9948-C4BD2DEE915A}"/>
+              </a:ext>
+            </a:extLst>
+          </p:cNvPr>
+          <p:cNvSpPr/>
+          <p:nvPr/>
+        </p:nvSpPr>
+        <p:spPr>
+          <a:xfrm>
+            <a:off x="7425954" y="4433777"/>
+            <a:ext cx="3063946" cy="1526808"/>
+          </a:xfrm>
+          <a:prstGeom prst="roundRect">
+            <a:avLst/>
+          </a:prstGeom>
+          <a:solidFill>
+            <a:srgbClr val="FDB535"/>
+          </a:solidFill>
+          <a:ln>
+            <a:noFill/>
+          </a:ln>
+        </p:spPr>
+        <p:style>
+          <a:lnRef idx="2">
+            <a:schemeClr val="accent1">
+              <a:shade val="50000"/>
+            </a:schemeClr>
+          </a:lnRef>
+          <a:fillRef idx="1">
+            <a:schemeClr val="accent1"/>
+          </a:fillRef>
+          <a:effectRef idx="0">
+            <a:schemeClr val="accent1"/>
+          </a:effectRef>
+          <a:fontRef idx="minor">
+            <a:schemeClr val="lt1"/>
+          </a:fontRef>
+        </p:style>
+        <p:txBody>
+          <a:bodyPr rtlCol="0" anchor="ctr"/>
+          <a:lstStyle/>
+          <a:p>
+            <a:pPr algn="ctr"/>
+            <a:r>
+              <a:rPr lang="en-IN" sz="4800" dirty="0">
+                <a:solidFill>
+                  <a:schemeClr val="bg1"/>
+                </a:solidFill>
+              </a:rPr>
+              <a:t>Pick only 3</a:t>
+            </a:r>
+          </a:p>
+        </p:txBody>
+      </p:sp>
+      <p:pic>
+        <p:nvPicPr>
+          <p:cNvPr id="7" name="Picture 6">
+            <a:extLst>
+              <a:ext uri="{FF2B5EF4-FFF2-40B4-BE49-F238E27FC236}">
+                <a16:creationId xmlns:a16="http://schemas.microsoft.com/office/drawing/2014/main" id="{29F0CD2F-72EF-4D07-B061-19D615C51E7C}"/>
+              </a:ext>
+            </a:extLst>
+          </p:cNvPr>
+          <p:cNvPicPr>
+            <a:picLocks noChangeAspect="1"/>
+          </p:cNvPicPr>
+          <p:nvPr/>
+        </p:nvPicPr>
+        <p:blipFill>
+          <a:blip r:embed="rId3">
+            <a:extLst>
+              <a:ext uri="{28A0092B-C50C-407E-A947-70E740481C1C}">
+                <a14:useLocalDpi xmlns:a14="http://schemas.microsoft.com/office/drawing/2010/main" val="0"/>
+              </a:ext>
+            </a:extLst>
+          </a:blip>
+          <a:stretch>
+            <a:fillRect/>
+          </a:stretch>
+        </p:blipFill>
+        <p:spPr>
+          <a:xfrm>
+            <a:off x="4796238" y="5352731"/>
+            <a:ext cx="1189045" cy="1189045"/>
+          </a:xfrm>
+          <a:prstGeom prst="rect">
+            <a:avLst/>
+          </a:prstGeom>
+        </p:spPr>
+      </p:pic>
+    </p:spTree>
+    <p:extLst>
+      <p:ext uri="{BB962C8B-B14F-4D97-AF65-F5344CB8AC3E}">
+        <p14:creationId xmlns:p14="http://schemas.microsoft.com/office/powerpoint/2010/main" val="475621050"/>
+      </p:ext>
+    </p:extLst>
+  </p:cSld>
+  <p:clrMapOvr>
+    <a:masterClrMapping/>
+  </p:clrMapOvr>
+</p:sld>
+</file>
+
+<file path=ppt/slides/slide20.xml><?xml version="1.0" encoding="utf-8"?>
 <p:sld xmlns:a="http://schemas.openxmlformats.org/drawingml/2006/main" xmlns:r="http://schemas.openxmlformats.org/officeDocument/2006/relationships" xmlns:p="http://schemas.openxmlformats.org/presentationml/2006/main">
   <p:cSld>
     <p:spTree>
@@ -9854,7 +12422,7 @@
 </p:sld>
 </file>
 
-<file path=ppt/slides/slide19.xml><?xml version="1.0" encoding="utf-8"?>
+<file path=ppt/slides/slide21.xml><?xml version="1.0" encoding="utf-8"?>
 <p:sld xmlns:a="http://schemas.openxmlformats.org/drawingml/2006/main" xmlns:r="http://schemas.openxmlformats.org/officeDocument/2006/relationships" xmlns:p="http://schemas.openxmlformats.org/presentationml/2006/main">
   <p:cSld>
     <p:spTree>
@@ -9912,389 +12480,6 @@
     <p:extLst>
       <p:ext uri="{BB962C8B-B14F-4D97-AF65-F5344CB8AC3E}">
         <p14:creationId xmlns:p14="http://schemas.microsoft.com/office/powerpoint/2010/main" val="677714588"/>
-      </p:ext>
-    </p:extLst>
-  </p:cSld>
-  <p:clrMapOvr>
-    <a:masterClrMapping/>
-  </p:clrMapOvr>
-</p:sld>
-</file>
-
-<file path=ppt/slides/slide2.xml><?xml version="1.0" encoding="utf-8"?>
-<p:sld xmlns:a="http://schemas.openxmlformats.org/drawingml/2006/main" xmlns:r="http://schemas.openxmlformats.org/officeDocument/2006/relationships" xmlns:p="http://schemas.openxmlformats.org/presentationml/2006/main">
-  <p:cSld>
-    <p:spTree>
-      <p:nvGrpSpPr>
-        <p:cNvPr id="1" name=""/>
-        <p:cNvGrpSpPr/>
-        <p:nvPr/>
-      </p:nvGrpSpPr>
-      <p:grpSpPr>
-        <a:xfrm>
-          <a:off x="0" y="0"/>
-          <a:ext cx="0" cy="0"/>
-          <a:chOff x="0" y="0"/>
-          <a:chExt cx="0" cy="0"/>
-        </a:xfrm>
-      </p:grpSpPr>
-      <p:pic>
-        <p:nvPicPr>
-          <p:cNvPr id="9" name="Picture 8">
-            <a:extLst>
-              <a:ext uri="{FF2B5EF4-FFF2-40B4-BE49-F238E27FC236}">
-                <a16:creationId xmlns:a16="http://schemas.microsoft.com/office/drawing/2014/main" id="{455BA8D9-9553-4280-BE35-60579810085E}"/>
-              </a:ext>
-            </a:extLst>
-          </p:cNvPr>
-          <p:cNvPicPr>
-            <a:picLocks noChangeAspect="1"/>
-          </p:cNvPicPr>
-          <p:nvPr/>
-        </p:nvPicPr>
-        <p:blipFill>
-          <a:blip r:embed="rId2">
-            <a:extLst>
-              <a:ext uri="{28A0092B-C50C-407E-A947-70E740481C1C}">
-                <a14:useLocalDpi xmlns:a14="http://schemas.microsoft.com/office/drawing/2010/main" val="0"/>
-              </a:ext>
-            </a:extLst>
-          </a:blip>
-          <a:stretch>
-            <a:fillRect/>
-          </a:stretch>
-        </p:blipFill>
-        <p:spPr>
-          <a:xfrm>
-            <a:off x="5135527" y="610336"/>
-            <a:ext cx="3063946" cy="3063946"/>
-          </a:xfrm>
-          <a:prstGeom prst="rect">
-            <a:avLst/>
-          </a:prstGeom>
-        </p:spPr>
-      </p:pic>
-      <p:sp>
-        <p:nvSpPr>
-          <p:cNvPr id="10" name="Rectangle: Rounded Corners 9">
-            <a:extLst>
-              <a:ext uri="{FF2B5EF4-FFF2-40B4-BE49-F238E27FC236}">
-                <a16:creationId xmlns:a16="http://schemas.microsoft.com/office/drawing/2014/main" id="{973A54DA-DDEE-4843-913E-226C2637FECF}"/>
-              </a:ext>
-            </a:extLst>
-          </p:cNvPr>
-          <p:cNvSpPr/>
-          <p:nvPr/>
-        </p:nvSpPr>
-        <p:spPr>
-          <a:xfrm>
-            <a:off x="4276056" y="2696545"/>
-            <a:ext cx="758454" cy="834656"/>
-          </a:xfrm>
-          <a:prstGeom prst="roundRect">
-            <a:avLst/>
-          </a:prstGeom>
-          <a:solidFill>
-            <a:schemeClr val="bg1"/>
-          </a:solidFill>
-          <a:ln>
-            <a:noFill/>
-          </a:ln>
-        </p:spPr>
-        <p:style>
-          <a:lnRef idx="2">
-            <a:schemeClr val="accent1">
-              <a:shade val="50000"/>
-            </a:schemeClr>
-          </a:lnRef>
-          <a:fillRef idx="1">
-            <a:schemeClr val="accent1"/>
-          </a:fillRef>
-          <a:effectRef idx="0">
-            <a:schemeClr val="accent1"/>
-          </a:effectRef>
-          <a:fontRef idx="minor">
-            <a:schemeClr val="lt1"/>
-          </a:fontRef>
-        </p:style>
-        <p:txBody>
-          <a:bodyPr rtlCol="0" anchor="ctr"/>
-          <a:lstStyle/>
-          <a:p>
-            <a:pPr algn="ctr"/>
-            <a:r>
-              <a:rPr lang="en-IN" sz="4800" dirty="0">
-                <a:solidFill>
-                  <a:srgbClr val="005097"/>
-                </a:solidFill>
-              </a:rPr>
-              <a:t>A</a:t>
-            </a:r>
-          </a:p>
-        </p:txBody>
-      </p:sp>
-      <p:sp>
-        <p:nvSpPr>
-          <p:cNvPr id="11" name="Rectangle: Rounded Corners 10">
-            <a:extLst>
-              <a:ext uri="{FF2B5EF4-FFF2-40B4-BE49-F238E27FC236}">
-                <a16:creationId xmlns:a16="http://schemas.microsoft.com/office/drawing/2014/main" id="{E04ECE5C-AE90-486F-B196-A56AA61178A4}"/>
-              </a:ext>
-            </a:extLst>
-          </p:cNvPr>
-          <p:cNvSpPr/>
-          <p:nvPr/>
-        </p:nvSpPr>
-        <p:spPr>
-          <a:xfrm>
-            <a:off x="347640" y="3998119"/>
-            <a:ext cx="5982281" cy="2709224"/>
-          </a:xfrm>
-          <a:prstGeom prst="roundRect">
-            <a:avLst/>
-          </a:prstGeom>
-          <a:solidFill>
-            <a:schemeClr val="bg1"/>
-          </a:solidFill>
-          <a:ln>
-            <a:noFill/>
-          </a:ln>
-        </p:spPr>
-        <p:style>
-          <a:lnRef idx="2">
-            <a:schemeClr val="accent1">
-              <a:shade val="50000"/>
-            </a:schemeClr>
-          </a:lnRef>
-          <a:fillRef idx="1">
-            <a:schemeClr val="accent1"/>
-          </a:fillRef>
-          <a:effectRef idx="0">
-            <a:schemeClr val="accent1"/>
-          </a:effectRef>
-          <a:fontRef idx="minor">
-            <a:schemeClr val="lt1"/>
-          </a:fontRef>
-        </p:style>
-        <p:txBody>
-          <a:bodyPr rtlCol="0" anchor="ctr"/>
-          <a:lstStyle/>
-          <a:p>
-            <a:pPr marL="457200" indent="-457200">
-              <a:buFont typeface="Arial" panose="020B0604020202020204" pitchFamily="34" charset="0"/>
-              <a:buChar char="•"/>
-            </a:pPr>
-            <a:r>
-              <a:rPr lang="en-IN" sz="2800" dirty="0">
-                <a:solidFill>
-                  <a:srgbClr val="005097"/>
-                </a:solidFill>
-              </a:rPr>
-              <a:t>Balancing </a:t>
-            </a:r>
-          </a:p>
-          <a:p>
-            <a:pPr marL="457200" indent="-457200">
-              <a:buFont typeface="Arial" panose="020B0604020202020204" pitchFamily="34" charset="0"/>
-              <a:buChar char="•"/>
-            </a:pPr>
-            <a:r>
-              <a:rPr lang="en-IN" sz="2800" dirty="0">
-                <a:solidFill>
-                  <a:srgbClr val="005097"/>
-                </a:solidFill>
-              </a:rPr>
-              <a:t>Basic Mechanics – Gear pattern</a:t>
-            </a:r>
-          </a:p>
-          <a:p>
-            <a:pPr marL="457200" indent="-457200">
-              <a:buFont typeface="Arial" panose="020B0604020202020204" pitchFamily="34" charset="0"/>
-              <a:buChar char="•"/>
-            </a:pPr>
-            <a:r>
-              <a:rPr lang="en-IN" sz="2800" dirty="0">
-                <a:solidFill>
-                  <a:srgbClr val="005097"/>
-                </a:solidFill>
-              </a:rPr>
-              <a:t>Bike Expert - internals</a:t>
-            </a:r>
-          </a:p>
-          <a:p>
-            <a:pPr marL="457200" indent="-457200">
-              <a:buFont typeface="Arial" panose="020B0604020202020204" pitchFamily="34" charset="0"/>
-              <a:buChar char="•"/>
-            </a:pPr>
-            <a:r>
-              <a:rPr lang="en-IN" sz="2800" dirty="0">
-                <a:solidFill>
-                  <a:srgbClr val="005097"/>
-                </a:solidFill>
-              </a:rPr>
-              <a:t>Reaching Destination</a:t>
-            </a:r>
-          </a:p>
-        </p:txBody>
-      </p:sp>
-      <p:sp>
-        <p:nvSpPr>
-          <p:cNvPr id="13" name="Rectangle: Rounded Corners 12">
-            <a:extLst>
-              <a:ext uri="{FF2B5EF4-FFF2-40B4-BE49-F238E27FC236}">
-                <a16:creationId xmlns:a16="http://schemas.microsoft.com/office/drawing/2014/main" id="{FCFCEC7D-D894-4A21-BAD7-80F7399681F1}"/>
-              </a:ext>
-            </a:extLst>
-          </p:cNvPr>
-          <p:cNvSpPr/>
-          <p:nvPr/>
-        </p:nvSpPr>
-        <p:spPr>
-          <a:xfrm>
-            <a:off x="8199473" y="123163"/>
-            <a:ext cx="758454" cy="834656"/>
-          </a:xfrm>
-          <a:prstGeom prst="roundRect">
-            <a:avLst/>
-          </a:prstGeom>
-          <a:solidFill>
-            <a:schemeClr val="bg1"/>
-          </a:solidFill>
-          <a:ln>
-            <a:noFill/>
-          </a:ln>
-        </p:spPr>
-        <p:style>
-          <a:lnRef idx="2">
-            <a:schemeClr val="accent1">
-              <a:shade val="50000"/>
-            </a:schemeClr>
-          </a:lnRef>
-          <a:fillRef idx="1">
-            <a:schemeClr val="accent1"/>
-          </a:fillRef>
-          <a:effectRef idx="0">
-            <a:schemeClr val="accent1"/>
-          </a:effectRef>
-          <a:fontRef idx="minor">
-            <a:schemeClr val="lt1"/>
-          </a:fontRef>
-        </p:style>
-        <p:txBody>
-          <a:bodyPr rtlCol="0" anchor="ctr"/>
-          <a:lstStyle/>
-          <a:p>
-            <a:pPr algn="ctr"/>
-            <a:r>
-              <a:rPr lang="en-IN" sz="4800" dirty="0">
-                <a:solidFill>
-                  <a:srgbClr val="005097"/>
-                </a:solidFill>
-              </a:rPr>
-              <a:t>B</a:t>
-            </a:r>
-          </a:p>
-        </p:txBody>
-      </p:sp>
-      <p:sp>
-        <p:nvSpPr>
-          <p:cNvPr id="14" name="Rectangle: Rounded Corners 13">
-            <a:extLst>
-              <a:ext uri="{FF2B5EF4-FFF2-40B4-BE49-F238E27FC236}">
-                <a16:creationId xmlns:a16="http://schemas.microsoft.com/office/drawing/2014/main" id="{D1CA0673-911B-461E-9948-C4BD2DEE915A}"/>
-              </a:ext>
-            </a:extLst>
-          </p:cNvPr>
-          <p:cNvSpPr/>
-          <p:nvPr/>
-        </p:nvSpPr>
-        <p:spPr>
-          <a:xfrm>
-            <a:off x="7425954" y="4433777"/>
-            <a:ext cx="3063946" cy="1526808"/>
-          </a:xfrm>
-          <a:prstGeom prst="roundRect">
-            <a:avLst/>
-          </a:prstGeom>
-          <a:solidFill>
-            <a:srgbClr val="FDB535"/>
-          </a:solidFill>
-          <a:ln>
-            <a:noFill/>
-          </a:ln>
-        </p:spPr>
-        <p:style>
-          <a:lnRef idx="2">
-            <a:schemeClr val="accent1">
-              <a:shade val="50000"/>
-            </a:schemeClr>
-          </a:lnRef>
-          <a:fillRef idx="1">
-            <a:schemeClr val="accent1"/>
-          </a:fillRef>
-          <a:effectRef idx="0">
-            <a:schemeClr val="accent1"/>
-          </a:effectRef>
-          <a:fontRef idx="minor">
-            <a:schemeClr val="lt1"/>
-          </a:fontRef>
-        </p:style>
-        <p:txBody>
-          <a:bodyPr rtlCol="0" anchor="ctr"/>
-          <a:lstStyle/>
-          <a:p>
-            <a:pPr algn="ctr"/>
-            <a:r>
-              <a:rPr lang="en-IN" sz="4800" dirty="0">
-                <a:solidFill>
-                  <a:schemeClr val="bg1"/>
-                </a:solidFill>
-              </a:rPr>
-              <a:t>Pick only 3</a:t>
-            </a:r>
-          </a:p>
-        </p:txBody>
-      </p:sp>
-      <p:pic>
-        <p:nvPicPr>
-          <p:cNvPr id="7" name="Picture 6">
-            <a:extLst>
-              <a:ext uri="{FF2B5EF4-FFF2-40B4-BE49-F238E27FC236}">
-                <a16:creationId xmlns:a16="http://schemas.microsoft.com/office/drawing/2014/main" id="{29F0CD2F-72EF-4D07-B061-19D615C51E7C}"/>
-              </a:ext>
-            </a:extLst>
-          </p:cNvPr>
-          <p:cNvPicPr>
-            <a:picLocks noChangeAspect="1"/>
-          </p:cNvPicPr>
-          <p:nvPr/>
-        </p:nvPicPr>
-        <p:blipFill>
-          <a:blip r:embed="rId3">
-            <a:extLst>
-              <a:ext uri="{28A0092B-C50C-407E-A947-70E740481C1C}">
-                <a14:useLocalDpi xmlns:a14="http://schemas.microsoft.com/office/drawing/2010/main" val="0"/>
-              </a:ext>
-            </a:extLst>
-          </a:blip>
-          <a:stretch>
-            <a:fillRect/>
-          </a:stretch>
-        </p:blipFill>
-        <p:spPr>
-          <a:xfrm>
-            <a:off x="4796238" y="5352731"/>
-            <a:ext cx="1189045" cy="1189045"/>
-          </a:xfrm>
-          <a:prstGeom prst="rect">
-            <a:avLst/>
-          </a:prstGeom>
-        </p:spPr>
-      </p:pic>
-    </p:spTree>
-    <p:extLst>
-      <p:ext uri="{BB962C8B-B14F-4D97-AF65-F5344CB8AC3E}">
-        <p14:creationId xmlns:p14="http://schemas.microsoft.com/office/powerpoint/2010/main" val="475621050"/>
       </p:ext>
     </p:extLst>
   </p:cSld>
@@ -13037,12 +15222,20 @@
           <a:p>
             <a:pPr algn="ctr"/>
             <a:r>
+              <a:rPr lang="en-IN" sz="4800" b="1" dirty="0">
+                <a:solidFill>
+                  <a:srgbClr val="005097"/>
+                </a:solidFill>
+              </a:rPr>
+              <a:t>Tracing</a:t>
+            </a:r>
+            <a:r>
               <a:rPr lang="en-IN" sz="4800" dirty="0">
                 <a:solidFill>
                   <a:srgbClr val="005097"/>
                 </a:solidFill>
               </a:rPr>
-              <a:t>Tracing/Debugging</a:t>
+              <a:t>/Debugging</a:t>
             </a:r>
           </a:p>
         </p:txBody>
@@ -13313,416 +15506,518 @@
       </p:grpSpPr>
       <p:sp>
         <p:nvSpPr>
-          <p:cNvPr id="4" name="Rectangle: Rounded Corners 3">
+          <p:cNvPr id="2" name="Title 1">
             <a:extLst>
               <a:ext uri="{FF2B5EF4-FFF2-40B4-BE49-F238E27FC236}">
-                <a16:creationId xmlns:a16="http://schemas.microsoft.com/office/drawing/2014/main" id="{F14D53BA-510B-4026-8529-24FB957F324B}"/>
+                <a16:creationId xmlns:a16="http://schemas.microsoft.com/office/drawing/2014/main" id="{A093AC33-1055-49FA-A62D-92EB265E825A}"/>
               </a:ext>
             </a:extLst>
           </p:cNvPr>
-          <p:cNvSpPr/>
+          <p:cNvSpPr>
+            <a:spLocks noGrp="1"/>
+          </p:cNvSpPr>
+          <p:nvPr>
+            <p:ph type="title"/>
+          </p:nvPr>
+        </p:nvSpPr>
+        <p:spPr/>
+        <p:txBody>
+          <a:bodyPr/>
+          <a:lstStyle/>
+          <a:p>
+            <a:r>
+              <a:rPr lang="en-IN" dirty="0">
+                <a:solidFill>
+                  <a:schemeClr val="bg1"/>
+                </a:solidFill>
+              </a:rPr>
+              <a:t>Variables &amp; Operators</a:t>
+            </a:r>
+          </a:p>
+        </p:txBody>
+      </p:sp>
+      <p:sp>
+        <p:nvSpPr>
+          <p:cNvPr id="3" name="Content Placeholder 2">
+            <a:extLst>
+              <a:ext uri="{FF2B5EF4-FFF2-40B4-BE49-F238E27FC236}">
+                <a16:creationId xmlns:a16="http://schemas.microsoft.com/office/drawing/2014/main" id="{D84CE72E-F259-4167-AB3B-298022BE0563}"/>
+              </a:ext>
+            </a:extLst>
+          </p:cNvPr>
+          <p:cNvSpPr>
+            <a:spLocks noGrp="1"/>
+          </p:cNvSpPr>
+          <p:nvPr>
+            <p:ph idx="1"/>
+          </p:nvPr>
+        </p:nvSpPr>
+        <p:spPr>
+          <a:xfrm>
+            <a:off x="6356131" y="1615418"/>
+            <a:ext cx="4185745" cy="4351338"/>
+          </a:xfrm>
+        </p:spPr>
+        <p:txBody>
+          <a:bodyPr>
+            <a:normAutofit/>
+          </a:bodyPr>
+          <a:lstStyle/>
+          <a:p>
+            <a:pPr marL="0" indent="0">
+              <a:buNone/>
+            </a:pPr>
+            <a:r>
+              <a:rPr lang="en-IN" u="sng" dirty="0">
+                <a:solidFill>
+                  <a:schemeClr val="bg1"/>
+                </a:solidFill>
+              </a:rPr>
+              <a:t>Operators:</a:t>
+            </a:r>
+          </a:p>
+          <a:p>
+            <a:pPr marL="0" indent="0">
+              <a:buNone/>
+            </a:pPr>
+            <a:endParaRPr lang="en-IN" dirty="0">
+              <a:solidFill>
+                <a:schemeClr val="bg1"/>
+              </a:solidFill>
+            </a:endParaRPr>
+          </a:p>
+          <a:p>
+            <a:pPr marL="0" indent="0">
+              <a:buNone/>
+            </a:pPr>
+            <a:r>
+              <a:rPr lang="en-IN" dirty="0">
+                <a:solidFill>
+                  <a:schemeClr val="bg1"/>
+                </a:solidFill>
+              </a:rPr>
+              <a:t>%</a:t>
+            </a:r>
+          </a:p>
+          <a:p>
+            <a:pPr marL="0" indent="0">
+              <a:buNone/>
+            </a:pPr>
+            <a:r>
+              <a:rPr lang="en-IN" dirty="0">
+                <a:solidFill>
+                  <a:schemeClr val="bg1"/>
+                </a:solidFill>
+              </a:rPr>
+              <a:t>//</a:t>
+            </a:r>
+          </a:p>
+          <a:p>
+            <a:pPr marL="0" indent="0">
+              <a:buNone/>
+            </a:pPr>
+            <a:r>
+              <a:rPr lang="en-IN" dirty="0">
+                <a:solidFill>
+                  <a:schemeClr val="bg1"/>
+                </a:solidFill>
+              </a:rPr>
+              <a:t>+=</a:t>
+            </a:r>
+          </a:p>
+          <a:p>
+            <a:pPr marL="0" indent="0">
+              <a:buNone/>
+            </a:pPr>
+            <a:r>
+              <a:rPr lang="en-IN" dirty="0">
+                <a:solidFill>
+                  <a:schemeClr val="bg1"/>
+                </a:solidFill>
+              </a:rPr>
+              <a:t>Bitwise Operators</a:t>
+            </a:r>
+          </a:p>
+          <a:p>
+            <a:pPr marL="0" indent="0">
+              <a:buNone/>
+            </a:pPr>
+            <a:r>
+              <a:rPr lang="en-IN" dirty="0">
+                <a:solidFill>
+                  <a:schemeClr val="bg1"/>
+                </a:solidFill>
+              </a:rPr>
+              <a:t>in </a:t>
+            </a:r>
+          </a:p>
+        </p:txBody>
+      </p:sp>
+      <p:sp>
+        <p:nvSpPr>
+          <p:cNvPr id="4" name="Content Placeholder 2">
+            <a:extLst>
+              <a:ext uri="{FF2B5EF4-FFF2-40B4-BE49-F238E27FC236}">
+                <a16:creationId xmlns:a16="http://schemas.microsoft.com/office/drawing/2014/main" id="{202C70DB-4B3B-448B-8ECD-DE516CD94C98}"/>
+              </a:ext>
+            </a:extLst>
+          </p:cNvPr>
+          <p:cNvSpPr txBox="1">
+            <a:spLocks/>
+          </p:cNvSpPr>
           <p:nvPr/>
         </p:nvSpPr>
         <p:spPr>
           <a:xfrm>
-            <a:off x="3506972" y="753505"/>
-            <a:ext cx="5178056" cy="1945758"/>
-          </a:xfrm>
-          <a:prstGeom prst="roundRect">
-            <a:avLst/>
-          </a:prstGeom>
-          <a:solidFill>
-            <a:schemeClr val="bg1"/>
-          </a:solidFill>
-          <a:ln>
-            <a:noFill/>
-          </a:ln>
-        </p:spPr>
-        <p:style>
-          <a:lnRef idx="2">
-            <a:schemeClr val="accent1">
-              <a:shade val="50000"/>
-            </a:schemeClr>
-          </a:lnRef>
-          <a:fillRef idx="1">
-            <a:schemeClr val="accent1"/>
-          </a:fillRef>
-          <a:effectRef idx="0">
-            <a:schemeClr val="accent1"/>
-          </a:effectRef>
-          <a:fontRef idx="minor">
-            <a:schemeClr val="lt1"/>
-          </a:fontRef>
-        </p:style>
-        <p:txBody>
-          <a:bodyPr rtlCol="0" anchor="ctr"/>
-          <a:lstStyle/>
-          <a:p>
-            <a:pPr algn="ctr"/>
-            <a:r>
-              <a:rPr lang="en-IN" sz="4800" b="1" dirty="0">
-                <a:solidFill>
-                  <a:srgbClr val="005097"/>
-                </a:solidFill>
-              </a:rPr>
-              <a:t>built-in types</a:t>
-            </a:r>
-          </a:p>
-          <a:p>
-            <a:pPr algn="ctr"/>
-            <a:r>
-              <a:rPr lang="en-IN" sz="4000" dirty="0">
-                <a:solidFill>
-                  <a:srgbClr val="005097"/>
-                </a:solidFill>
-              </a:rPr>
-              <a:t>immutable</a:t>
-            </a:r>
-            <a:endParaRPr lang="en-IN" sz="4800" dirty="0">
-              <a:solidFill>
-                <a:srgbClr val="005097"/>
-              </a:solidFill>
-            </a:endParaRPr>
-          </a:p>
-        </p:txBody>
-      </p:sp>
-      <p:sp>
-        <p:nvSpPr>
-          <p:cNvPr id="6" name="Rectangle 5">
-            <a:extLst>
-              <a:ext uri="{FF2B5EF4-FFF2-40B4-BE49-F238E27FC236}">
-                <a16:creationId xmlns:a16="http://schemas.microsoft.com/office/drawing/2014/main" id="{951F4075-53CE-4CEC-B933-1F7FCE738979}"/>
-              </a:ext>
-            </a:extLst>
-          </p:cNvPr>
-          <p:cNvSpPr/>
-          <p:nvPr/>
-        </p:nvSpPr>
-        <p:spPr>
-          <a:xfrm>
-            <a:off x="549342" y="2902684"/>
-            <a:ext cx="5178056" cy="3354571"/>
-          </a:xfrm>
-          <a:prstGeom prst="rect">
-            <a:avLst/>
-          </a:prstGeom>
-          <a:solidFill>
-            <a:srgbClr val="FFC000"/>
-          </a:solidFill>
-        </p:spPr>
-        <p:style>
-          <a:lnRef idx="2">
-            <a:schemeClr val="accent1">
-              <a:shade val="50000"/>
-            </a:schemeClr>
-          </a:lnRef>
-          <a:fillRef idx="1">
-            <a:schemeClr val="accent1"/>
-          </a:fillRef>
-          <a:effectRef idx="0">
-            <a:schemeClr val="accent1"/>
-          </a:effectRef>
-          <a:fontRef idx="minor">
-            <a:schemeClr val="lt1"/>
-          </a:fontRef>
-        </p:style>
-        <p:txBody>
-          <a:bodyPr rtlCol="0" anchor="ctr"/>
-          <a:lstStyle/>
-          <a:p>
-            <a:pPr algn="ctr"/>
-            <a:r>
-              <a:rPr lang="en-IN" dirty="0">
-                <a:solidFill>
-                  <a:schemeClr val="tx1"/>
-                </a:solidFill>
-              </a:rPr>
-              <a:t>123123123123123123123123123123123123123123123124</a:t>
-            </a:r>
-          </a:p>
-          <a:p>
-            <a:pPr algn="ctr"/>
-            <a:r>
-              <a:rPr lang="en-IN" dirty="0">
-                <a:solidFill>
-                  <a:schemeClr val="tx1"/>
-                </a:solidFill>
-              </a:rPr>
-              <a:t>4.2</a:t>
-            </a:r>
-          </a:p>
-          <a:p>
-            <a:pPr algn="ctr"/>
-            <a:r>
-              <a:rPr lang="en-IN" dirty="0">
-                <a:solidFill>
-                  <a:schemeClr val="tx1"/>
-                </a:solidFill>
-              </a:rPr>
-              <a:t>1.79e+308 -&gt; 1.8*10^308</a:t>
-            </a:r>
-          </a:p>
-          <a:p>
-            <a:pPr algn="ctr"/>
-            <a:r>
-              <a:rPr lang="en-IN" dirty="0">
-                <a:solidFill>
-                  <a:schemeClr val="tx1"/>
-                </a:solidFill>
-              </a:rPr>
-              <a:t>1.8e308 -&gt; inf</a:t>
-            </a:r>
-          </a:p>
-          <a:p>
-            <a:pPr algn="ctr"/>
-            <a:r>
-              <a:rPr lang="en-IN" dirty="0">
-                <a:solidFill>
-                  <a:schemeClr val="tx1"/>
-                </a:solidFill>
-              </a:rPr>
-              <a:t>2+3j</a:t>
-            </a:r>
-          </a:p>
-        </p:txBody>
-      </p:sp>
-      <p:sp>
-        <p:nvSpPr>
-          <p:cNvPr id="9" name="Rectangle 8">
-            <a:extLst>
-              <a:ext uri="{FF2B5EF4-FFF2-40B4-BE49-F238E27FC236}">
-                <a16:creationId xmlns:a16="http://schemas.microsoft.com/office/drawing/2014/main" id="{C86FCE4A-D918-4B00-AA94-7CE020EBB70C}"/>
-              </a:ext>
-            </a:extLst>
-          </p:cNvPr>
-          <p:cNvSpPr/>
-          <p:nvPr/>
-        </p:nvSpPr>
-        <p:spPr>
-          <a:xfrm>
-            <a:off x="5879797" y="2902685"/>
-            <a:ext cx="5961322" cy="3354572"/>
-          </a:xfrm>
-          <a:prstGeom prst="rect">
-            <a:avLst/>
-          </a:prstGeom>
-          <a:solidFill>
-            <a:srgbClr val="FFC000"/>
-          </a:solidFill>
-        </p:spPr>
-        <p:style>
-          <a:lnRef idx="2">
-            <a:schemeClr val="accent1">
-              <a:shade val="50000"/>
-            </a:schemeClr>
-          </a:lnRef>
-          <a:fillRef idx="1">
-            <a:schemeClr val="accent1"/>
-          </a:fillRef>
-          <a:effectRef idx="0">
-            <a:schemeClr val="accent1"/>
-          </a:effectRef>
-          <a:fontRef idx="minor">
-            <a:schemeClr val="lt1"/>
-          </a:fontRef>
-        </p:style>
-        <p:txBody>
-          <a:bodyPr rtlCol="0" anchor="ctr"/>
-          <a:lstStyle/>
-          <a:p>
-            <a:pPr algn="ctr"/>
-            <a:r>
-              <a:rPr lang="en-IN" dirty="0">
-                <a:solidFill>
-                  <a:schemeClr val="tx1"/>
-                </a:solidFill>
-              </a:rPr>
-              <a:t>"I am a string"</a:t>
-            </a:r>
-          </a:p>
-          <a:p>
-            <a:pPr algn="ctr"/>
-            <a:r>
-              <a:rPr lang="en-IN" dirty="0">
-                <a:solidFill>
-                  <a:schemeClr val="tx1"/>
-                </a:solidFill>
-              </a:rPr>
-              <a:t>'I am string too'</a:t>
-            </a:r>
-          </a:p>
-          <a:p>
-            <a:pPr algn="ctr"/>
-            <a:r>
-              <a:rPr lang="en-IN" dirty="0">
-                <a:solidFill>
-                  <a:schemeClr val="tx1"/>
-                </a:solidFill>
-              </a:rPr>
-              <a:t>''</a:t>
-            </a:r>
-          </a:p>
-          <a:p>
-            <a:pPr algn="ctr"/>
-            <a:r>
-              <a:rPr lang="en-IN" dirty="0">
-                <a:solidFill>
-                  <a:schemeClr val="tx1"/>
-                </a:solidFill>
-              </a:rPr>
-              <a:t>'\u2192 </a:t>
-            </a:r>
-            <a:r>
-              <a:rPr lang="en-IN" dirty="0" err="1">
-                <a:solidFill>
-                  <a:schemeClr val="tx1"/>
-                </a:solidFill>
-              </a:rPr>
-              <a:t>unicode</a:t>
-            </a:r>
-            <a:r>
-              <a:rPr lang="en-IN" dirty="0">
-                <a:solidFill>
-                  <a:schemeClr val="tx1"/>
-                </a:solidFill>
-              </a:rPr>
-              <a:t> String'</a:t>
-            </a:r>
-          </a:p>
-          <a:p>
-            <a:pPr algn="ctr"/>
-            <a:r>
-              <a:rPr lang="en-IN" dirty="0">
-                <a:solidFill>
-                  <a:schemeClr val="tx1"/>
-                </a:solidFill>
-              </a:rPr>
-              <a:t>'\U2192 \N{rightwards arrow}'</a:t>
-            </a:r>
-          </a:p>
-          <a:p>
-            <a:pPr algn="ctr"/>
-            <a:r>
-              <a:rPr lang="en-IN" dirty="0" err="1">
-                <a:solidFill>
-                  <a:schemeClr val="tx1"/>
-                </a:solidFill>
-              </a:rPr>
-              <a:t>r'foo</a:t>
-            </a:r>
-            <a:r>
-              <a:rPr lang="en-IN" dirty="0">
-                <a:solidFill>
-                  <a:schemeClr val="tx1"/>
-                </a:solidFill>
-              </a:rPr>
-              <a:t>\</a:t>
-            </a:r>
-            <a:r>
-              <a:rPr lang="en-IN" dirty="0" err="1">
-                <a:solidFill>
-                  <a:schemeClr val="tx1"/>
-                </a:solidFill>
-              </a:rPr>
-              <a:t>nbar</a:t>
-            </a:r>
-            <a:r>
-              <a:rPr lang="en-IN" dirty="0">
-                <a:solidFill>
-                  <a:schemeClr val="tx1"/>
-                </a:solidFill>
-              </a:rPr>
-              <a:t>'</a:t>
-            </a:r>
-          </a:p>
-          <a:p>
-            <a:pPr algn="ctr"/>
-            <a:r>
-              <a:rPr lang="en-IN" dirty="0">
-                <a:solidFill>
-                  <a:schemeClr val="tx1"/>
-                </a:solidFill>
-              </a:rPr>
-              <a:t>"""This is a</a:t>
-            </a:r>
-          </a:p>
-          <a:p>
-            <a:pPr algn="ctr"/>
-            <a:r>
-              <a:rPr lang="en-IN" dirty="0">
-                <a:solidFill>
-                  <a:schemeClr val="tx1"/>
-                </a:solidFill>
-              </a:rPr>
-              <a:t>string that spans</a:t>
-            </a:r>
-          </a:p>
-          <a:p>
-            <a:pPr algn="ctr"/>
-            <a:r>
-              <a:rPr lang="en-IN" dirty="0">
-                <a:solidFill>
-                  <a:schemeClr val="tx1"/>
-                </a:solidFill>
-              </a:rPr>
-              <a:t>across several lines"""</a:t>
-            </a:r>
-          </a:p>
-          <a:p>
-            <a:pPr algn="ctr"/>
-            <a:r>
-              <a:rPr lang="en-IN" dirty="0">
-                <a:solidFill>
-                  <a:schemeClr val="tx1"/>
-                </a:solidFill>
-              </a:rPr>
-              <a:t>True / False </a:t>
-            </a:r>
-          </a:p>
-        </p:txBody>
-      </p:sp>
-      <p:sp>
-        <p:nvSpPr>
-          <p:cNvPr id="3" name="Rectangle 2">
-            <a:extLst>
-              <a:ext uri="{FF2B5EF4-FFF2-40B4-BE49-F238E27FC236}">
-                <a16:creationId xmlns:a16="http://schemas.microsoft.com/office/drawing/2014/main" id="{5BE91D45-DC26-4CF5-B9A1-4ACA8416737E}"/>
-              </a:ext>
-            </a:extLst>
-          </p:cNvPr>
-          <p:cNvSpPr/>
-          <p:nvPr/>
-        </p:nvSpPr>
-        <p:spPr>
-          <a:xfrm>
-            <a:off x="2979370" y="6276010"/>
-            <a:ext cx="5496056" cy="369332"/>
+            <a:off x="990600" y="1715270"/>
+            <a:ext cx="4185745" cy="4351338"/>
           </a:xfrm>
           <a:prstGeom prst="rect">
             <a:avLst/>
           </a:prstGeom>
         </p:spPr>
         <p:txBody>
-          <a:bodyPr wrap="none">
-            <a:spAutoFit/>
+          <a:bodyPr vert="horz" lIns="91440" tIns="45720" rIns="91440" bIns="45720" rtlCol="0">
+            <a:normAutofit fontScale="92500" lnSpcReduction="20000"/>
           </a:bodyPr>
-          <a:lstStyle/>
-          <a:p>
+          <a:lstStyle>
+            <a:lvl1pPr marL="228600" indent="-228600" algn="l" defTabSz="914400" rtl="0" eaLnBrk="1" latinLnBrk="0" hangingPunct="1">
+              <a:lnSpc>
+                <a:spcPct val="90000"/>
+              </a:lnSpc>
+              <a:spcBef>
+                <a:spcPts val="1000"/>
+              </a:spcBef>
+              <a:buFont typeface="Arial" panose="020B0604020202020204" pitchFamily="34" charset="0"/>
+              <a:buChar char="•"/>
+              <a:defRPr sz="2800" kern="1200">
+                <a:solidFill>
+                  <a:schemeClr val="tx1"/>
+                </a:solidFill>
+                <a:latin typeface="+mn-lt"/>
+                <a:ea typeface="+mn-ea"/>
+                <a:cs typeface="+mn-cs"/>
+              </a:defRPr>
+            </a:lvl1pPr>
+            <a:lvl2pPr marL="685800" indent="-228600" algn="l" defTabSz="914400" rtl="0" eaLnBrk="1" latinLnBrk="0" hangingPunct="1">
+              <a:lnSpc>
+                <a:spcPct val="90000"/>
+              </a:lnSpc>
+              <a:spcBef>
+                <a:spcPts val="500"/>
+              </a:spcBef>
+              <a:buFont typeface="Arial" panose="020B0604020202020204" pitchFamily="34" charset="0"/>
+              <a:buChar char="•"/>
+              <a:defRPr sz="2400" kern="1200">
+                <a:solidFill>
+                  <a:schemeClr val="tx1"/>
+                </a:solidFill>
+                <a:latin typeface="+mn-lt"/>
+                <a:ea typeface="+mn-ea"/>
+                <a:cs typeface="+mn-cs"/>
+              </a:defRPr>
+            </a:lvl2pPr>
+            <a:lvl3pPr marL="1143000" indent="-228600" algn="l" defTabSz="914400" rtl="0" eaLnBrk="1" latinLnBrk="0" hangingPunct="1">
+              <a:lnSpc>
+                <a:spcPct val="90000"/>
+              </a:lnSpc>
+              <a:spcBef>
+                <a:spcPts val="500"/>
+              </a:spcBef>
+              <a:buFont typeface="Arial" panose="020B0604020202020204" pitchFamily="34" charset="0"/>
+              <a:buChar char="•"/>
+              <a:defRPr sz="2000" kern="1200">
+                <a:solidFill>
+                  <a:schemeClr val="tx1"/>
+                </a:solidFill>
+                <a:latin typeface="+mn-lt"/>
+                <a:ea typeface="+mn-ea"/>
+                <a:cs typeface="+mn-cs"/>
+              </a:defRPr>
+            </a:lvl3pPr>
+            <a:lvl4pPr marL="1600200" indent="-228600" algn="l" defTabSz="914400" rtl="0" eaLnBrk="1" latinLnBrk="0" hangingPunct="1">
+              <a:lnSpc>
+                <a:spcPct val="90000"/>
+              </a:lnSpc>
+              <a:spcBef>
+                <a:spcPts val="500"/>
+              </a:spcBef>
+              <a:buFont typeface="Arial" panose="020B0604020202020204" pitchFamily="34" charset="0"/>
+              <a:buChar char="•"/>
+              <a:defRPr sz="1800" kern="1200">
+                <a:solidFill>
+                  <a:schemeClr val="tx1"/>
+                </a:solidFill>
+                <a:latin typeface="+mn-lt"/>
+                <a:ea typeface="+mn-ea"/>
+                <a:cs typeface="+mn-cs"/>
+              </a:defRPr>
+            </a:lvl4pPr>
+            <a:lvl5pPr marL="2057400" indent="-228600" algn="l" defTabSz="914400" rtl="0" eaLnBrk="1" latinLnBrk="0" hangingPunct="1">
+              <a:lnSpc>
+                <a:spcPct val="90000"/>
+              </a:lnSpc>
+              <a:spcBef>
+                <a:spcPts val="500"/>
+              </a:spcBef>
+              <a:buFont typeface="Arial" panose="020B0604020202020204" pitchFamily="34" charset="0"/>
+              <a:buChar char="•"/>
+              <a:defRPr sz="1800" kern="1200">
+                <a:solidFill>
+                  <a:schemeClr val="tx1"/>
+                </a:solidFill>
+                <a:latin typeface="+mn-lt"/>
+                <a:ea typeface="+mn-ea"/>
+                <a:cs typeface="+mn-cs"/>
+              </a:defRPr>
+            </a:lvl5pPr>
+            <a:lvl6pPr marL="2514600" indent="-228600" algn="l" defTabSz="914400" rtl="0" eaLnBrk="1" latinLnBrk="0" hangingPunct="1">
+              <a:lnSpc>
+                <a:spcPct val="90000"/>
+              </a:lnSpc>
+              <a:spcBef>
+                <a:spcPts val="500"/>
+              </a:spcBef>
+              <a:buFont typeface="Arial" panose="020B0604020202020204" pitchFamily="34" charset="0"/>
+              <a:buChar char="•"/>
+              <a:defRPr sz="1800" kern="1200">
+                <a:solidFill>
+                  <a:schemeClr val="tx1"/>
+                </a:solidFill>
+                <a:latin typeface="+mn-lt"/>
+                <a:ea typeface="+mn-ea"/>
+                <a:cs typeface="+mn-cs"/>
+              </a:defRPr>
+            </a:lvl6pPr>
+            <a:lvl7pPr marL="2971800" indent="-228600" algn="l" defTabSz="914400" rtl="0" eaLnBrk="1" latinLnBrk="0" hangingPunct="1">
+              <a:lnSpc>
+                <a:spcPct val="90000"/>
+              </a:lnSpc>
+              <a:spcBef>
+                <a:spcPts val="500"/>
+              </a:spcBef>
+              <a:buFont typeface="Arial" panose="020B0604020202020204" pitchFamily="34" charset="0"/>
+              <a:buChar char="•"/>
+              <a:defRPr sz="1800" kern="1200">
+                <a:solidFill>
+                  <a:schemeClr val="tx1"/>
+                </a:solidFill>
+                <a:latin typeface="+mn-lt"/>
+                <a:ea typeface="+mn-ea"/>
+                <a:cs typeface="+mn-cs"/>
+              </a:defRPr>
+            </a:lvl7pPr>
+            <a:lvl8pPr marL="3429000" indent="-228600" algn="l" defTabSz="914400" rtl="0" eaLnBrk="1" latinLnBrk="0" hangingPunct="1">
+              <a:lnSpc>
+                <a:spcPct val="90000"/>
+              </a:lnSpc>
+              <a:spcBef>
+                <a:spcPts val="500"/>
+              </a:spcBef>
+              <a:buFont typeface="Arial" panose="020B0604020202020204" pitchFamily="34" charset="0"/>
+              <a:buChar char="•"/>
+              <a:defRPr sz="1800" kern="1200">
+                <a:solidFill>
+                  <a:schemeClr val="tx1"/>
+                </a:solidFill>
+                <a:latin typeface="+mn-lt"/>
+                <a:ea typeface="+mn-ea"/>
+                <a:cs typeface="+mn-cs"/>
+              </a:defRPr>
+            </a:lvl8pPr>
+            <a:lvl9pPr marL="3886200" indent="-228600" algn="l" defTabSz="914400" rtl="0" eaLnBrk="1" latinLnBrk="0" hangingPunct="1">
+              <a:lnSpc>
+                <a:spcPct val="90000"/>
+              </a:lnSpc>
+              <a:spcBef>
+                <a:spcPts val="500"/>
+              </a:spcBef>
+              <a:buFont typeface="Arial" panose="020B0604020202020204" pitchFamily="34" charset="0"/>
+              <a:buChar char="•"/>
+              <a:defRPr sz="1800" kern="1200">
+                <a:solidFill>
+                  <a:schemeClr val="tx1"/>
+                </a:solidFill>
+                <a:latin typeface="+mn-lt"/>
+                <a:ea typeface="+mn-ea"/>
+                <a:cs typeface="+mn-cs"/>
+              </a:defRPr>
+            </a:lvl9pPr>
+          </a:lstStyle>
+          <a:p>
+            <a:pPr marL="0" indent="0">
+              <a:buFont typeface="Arial" panose="020B0604020202020204" pitchFamily="34" charset="0"/>
+              <a:buNone/>
+            </a:pPr>
+            <a:r>
+              <a:rPr lang="en-IN" b="1" u="sng" dirty="0">
+                <a:solidFill>
+                  <a:schemeClr val="bg1"/>
+                </a:solidFill>
+              </a:rPr>
+              <a:t>Naming &amp; Case-</a:t>
+            </a:r>
+            <a:r>
+              <a:rPr lang="en-IN" b="1" u="sng" dirty="0" err="1">
+                <a:solidFill>
+                  <a:schemeClr val="bg1"/>
+                </a:solidFill>
+              </a:rPr>
+              <a:t>senstive</a:t>
+            </a:r>
+            <a:endParaRPr lang="en-IN" b="1" u="sng" dirty="0">
+              <a:solidFill>
+                <a:schemeClr val="bg1"/>
+              </a:solidFill>
+            </a:endParaRPr>
+          </a:p>
+          <a:p>
+            <a:pPr marL="0" indent="0">
+              <a:buFont typeface="Arial" panose="020B0604020202020204" pitchFamily="34" charset="0"/>
+              <a:buNone/>
+            </a:pPr>
             <a:r>
               <a:rPr lang="en-IN" dirty="0">
                 <a:solidFill>
                   <a:schemeClr val="bg1"/>
                 </a:solidFill>
               </a:rPr>
-              <a:t>int, float, complex, bool, str, tuple are immutable objects</a:t>
-            </a:r>
+              <a:t>a = 10</a:t>
+            </a:r>
+          </a:p>
+          <a:p>
+            <a:pPr marL="0" indent="0">
+              <a:buFont typeface="Arial" panose="020B0604020202020204" pitchFamily="34" charset="0"/>
+              <a:buNone/>
+            </a:pPr>
+            <a:r>
+              <a:rPr lang="en-IN" dirty="0">
+                <a:solidFill>
+                  <a:schemeClr val="bg1"/>
+                </a:solidFill>
+              </a:rPr>
+              <a:t>a = 20 </a:t>
+            </a:r>
+          </a:p>
+          <a:p>
+            <a:pPr marL="0" indent="0">
+              <a:buFont typeface="Arial" panose="020B0604020202020204" pitchFamily="34" charset="0"/>
+              <a:buNone/>
+            </a:pPr>
+            <a:r>
+              <a:rPr lang="en-IN" dirty="0">
+                <a:solidFill>
+                  <a:schemeClr val="bg1"/>
+                </a:solidFill>
+              </a:rPr>
+              <a:t>print( a )</a:t>
+            </a:r>
+          </a:p>
+          <a:p>
+            <a:pPr marL="0" indent="0">
+              <a:buNone/>
+            </a:pPr>
+            <a:r>
+              <a:rPr lang="en-IN" dirty="0">
+                <a:solidFill>
+                  <a:schemeClr val="bg1"/>
+                </a:solidFill>
+              </a:rPr>
+              <a:t>print( A )  #err</a:t>
+            </a:r>
+          </a:p>
+          <a:p>
+            <a:pPr marL="0" indent="0">
+              <a:buFont typeface="Arial" panose="020B0604020202020204" pitchFamily="34" charset="0"/>
+              <a:buNone/>
+            </a:pPr>
+            <a:endParaRPr lang="en-IN" dirty="0">
+              <a:solidFill>
+                <a:schemeClr val="bg1"/>
+              </a:solidFill>
+            </a:endParaRPr>
+          </a:p>
+          <a:p>
+            <a:pPr marL="0" indent="0">
+              <a:buFont typeface="Arial" panose="020B0604020202020204" pitchFamily="34" charset="0"/>
+              <a:buNone/>
+            </a:pPr>
+            <a:r>
+              <a:rPr lang="en-IN" dirty="0">
+                <a:solidFill>
+                  <a:schemeClr val="bg1"/>
+                </a:solidFill>
+              </a:rPr>
+              <a:t>Latest value only Survives</a:t>
+            </a:r>
+          </a:p>
+          <a:p>
+            <a:pPr marL="0" indent="0">
+              <a:buFont typeface="Arial" panose="020B0604020202020204" pitchFamily="34" charset="0"/>
+              <a:buNone/>
+            </a:pPr>
+            <a:endParaRPr lang="en-IN" dirty="0">
+              <a:solidFill>
+                <a:schemeClr val="bg1"/>
+              </a:solidFill>
+            </a:endParaRPr>
+          </a:p>
+          <a:p>
+            <a:pPr marL="0" indent="0">
+              <a:buFont typeface="Arial" panose="020B0604020202020204" pitchFamily="34" charset="0"/>
+              <a:buNone/>
+            </a:pPr>
+            <a:r>
+              <a:rPr lang="en-IN" u="sng" dirty="0">
+                <a:solidFill>
+                  <a:schemeClr val="bg1"/>
+                </a:solidFill>
+              </a:rPr>
+              <a:t>R-Value – L-Value – Error </a:t>
+            </a:r>
+          </a:p>
+          <a:p>
+            <a:pPr marL="0" indent="0">
+              <a:buFont typeface="Arial" panose="020B0604020202020204" pitchFamily="34" charset="0"/>
+              <a:buNone/>
+            </a:pPr>
+            <a:r>
+              <a:rPr lang="en-IN" dirty="0">
+                <a:solidFill>
+                  <a:schemeClr val="bg1"/>
+                </a:solidFill>
+              </a:rPr>
+              <a:t>20 = a </a:t>
+            </a:r>
+          </a:p>
+          <a:p>
+            <a:pPr marL="0" indent="0">
+              <a:buFont typeface="Arial" panose="020B0604020202020204" pitchFamily="34" charset="0"/>
+              <a:buNone/>
+            </a:pPr>
+            <a:endParaRPr lang="en-IN" dirty="0">
+              <a:solidFill>
+                <a:schemeClr val="bg1"/>
+              </a:solidFill>
+            </a:endParaRPr>
+          </a:p>
+          <a:p>
+            <a:pPr marL="0" indent="0">
+              <a:buFont typeface="Arial" panose="020B0604020202020204" pitchFamily="34" charset="0"/>
+              <a:buNone/>
+            </a:pPr>
+            <a:endParaRPr lang="en-IN" dirty="0">
+              <a:solidFill>
+                <a:schemeClr val="bg1"/>
+              </a:solidFill>
+            </a:endParaRPr>
           </a:p>
         </p:txBody>
       </p:sp>
     </p:spTree>
     <p:extLst>
       <p:ext uri="{BB962C8B-B14F-4D97-AF65-F5344CB8AC3E}">
-        <p14:creationId xmlns:p14="http://schemas.microsoft.com/office/powerpoint/2010/main" val="1733171730"/>
+        <p14:creationId xmlns:p14="http://schemas.microsoft.com/office/powerpoint/2010/main" val="2571624917"/>
       </p:ext>
     </p:extLst>
   </p:cSld>
@@ -13750,7 +16045,7 @@
                             </p:stCondLst>
                             <p:childTnLst>
                               <p:par>
-                                <p:cTn id="5" presetID="1" presetClass="entr" presetSubtype="0" fill="hold" grpId="0" nodeType="clickEffect">
+                                <p:cTn id="5" presetID="1" presetClass="entr" presetSubtype="0" fill="hold" nodeType="clickEffect">
                                   <p:stCondLst>
                                     <p:cond delay="0"/>
                                   </p:stCondLst>
@@ -13763,7 +16058,11 @@
                                           </p:stCondLst>
                                         </p:cTn>
                                         <p:tgtEl>
-                                          <p:spTgt spid="6"/>
+                                          <p:spTgt spid="4">
+                                            <p:txEl>
+                                              <p:pRg st="0" end="0"/>
+                                            </p:txEl>
+                                          </p:spTgt>
                                         </p:tgtEl>
                                         <p:attrNameLst>
                                           <p:attrName>style.visibility</p:attrName>
@@ -13795,7 +16094,7 @@
                             </p:stCondLst>
                             <p:childTnLst>
                               <p:par>
-                                <p:cTn id="9" presetID="1" presetClass="entr" presetSubtype="0" fill="hold" grpId="0" nodeType="clickEffect">
+                                <p:cTn id="9" presetID="1" presetClass="entr" presetSubtype="0" fill="hold" nodeType="clickEffect">
                                   <p:stCondLst>
                                     <p:cond delay="0"/>
                                   </p:stCondLst>
@@ -13808,7 +16107,11 @@
                                           </p:stCondLst>
                                         </p:cTn>
                                         <p:tgtEl>
-                                          <p:spTgt spid="9"/>
+                                          <p:spTgt spid="4">
+                                            <p:txEl>
+                                              <p:pRg st="1" end="1"/>
+                                            </p:txEl>
+                                          </p:spTgt>
                                         </p:tgtEl>
                                         <p:attrNameLst>
                                           <p:attrName>style.visibility</p:attrName>
@@ -13840,7 +16143,7 @@
                             </p:stCondLst>
                             <p:childTnLst>
                               <p:par>
-                                <p:cTn id="13" presetID="1" presetClass="entr" presetSubtype="0" fill="hold" grpId="0" nodeType="clickEffect">
+                                <p:cTn id="13" presetID="1" presetClass="entr" presetSubtype="0" fill="hold" nodeType="clickEffect">
                                   <p:stCondLst>
                                     <p:cond delay="0"/>
                                   </p:stCondLst>
@@ -13853,7 +16156,11 @@
                                           </p:stCondLst>
                                         </p:cTn>
                                         <p:tgtEl>
-                                          <p:spTgt spid="3"/>
+                                          <p:spTgt spid="4">
+                                            <p:txEl>
+                                              <p:pRg st="2" end="2"/>
+                                            </p:txEl>
+                                          </p:spTgt>
                                         </p:tgtEl>
                                         <p:attrNameLst>
                                           <p:attrName>style.visibility</p:attrName>
@@ -13898,9 +16205,9 @@
                                           </p:stCondLst>
                                         </p:cTn>
                                         <p:tgtEl>
-                                          <p:spTgt spid="6">
+                                          <p:spTgt spid="4">
                                             <p:txEl>
-                                              <p:pRg st="0" end="0"/>
+                                              <p:pRg st="3" end="3"/>
                                             </p:txEl>
                                           </p:spTgt>
                                         </p:tgtEl>
@@ -13947,9 +16254,9 @@
                                           </p:stCondLst>
                                         </p:cTn>
                                         <p:tgtEl>
-                                          <p:spTgt spid="6">
+                                          <p:spTgt spid="4">
                                             <p:txEl>
-                                              <p:pRg st="1" end="1"/>
+                                              <p:pRg st="4" end="4"/>
                                             </p:txEl>
                                           </p:spTgt>
                                         </p:tgtEl>
@@ -13996,9 +16303,9 @@
                                           </p:stCondLst>
                                         </p:cTn>
                                         <p:tgtEl>
-                                          <p:spTgt spid="6">
+                                          <p:spTgt spid="4">
                                             <p:txEl>
-                                              <p:pRg st="2" end="2"/>
+                                              <p:pRg st="6" end="6"/>
                                             </p:txEl>
                                           </p:spTgt>
                                         </p:tgtEl>
@@ -14045,9 +16352,9 @@
                                           </p:stCondLst>
                                         </p:cTn>
                                         <p:tgtEl>
-                                          <p:spTgt spid="6">
+                                          <p:spTgt spid="4">
                                             <p:txEl>
-                                              <p:pRg st="3" end="3"/>
+                                              <p:pRg st="8" end="8"/>
                                             </p:txEl>
                                           </p:spTgt>
                                         </p:tgtEl>
@@ -14094,9 +16401,9 @@
                                           </p:stCondLst>
                                         </p:cTn>
                                         <p:tgtEl>
-                                          <p:spTgt spid="6">
+                                          <p:spTgt spid="4">
                                             <p:txEl>
-                                              <p:pRg st="4" end="4"/>
+                                              <p:pRg st="9" end="9"/>
                                             </p:txEl>
                                           </p:spTgt>
                                         </p:tgtEl>
@@ -14143,7 +16450,7 @@
                                           </p:stCondLst>
                                         </p:cTn>
                                         <p:tgtEl>
-                                          <p:spTgt spid="9">
+                                          <p:spTgt spid="3">
                                             <p:txEl>
                                               <p:pRg st="0" end="0"/>
                                             </p:txEl>
@@ -14160,88 +16467,21 @@
                                   </p:childTnLst>
                                 </p:cTn>
                               </p:par>
-                            </p:childTnLst>
-                          </p:cTn>
-                        </p:par>
-                      </p:childTnLst>
-                    </p:cTn>
-                  </p:par>
-                  <p:par>
-                    <p:cTn id="39" fill="hold">
-                      <p:stCondLst>
-                        <p:cond delay="indefinite"/>
-                      </p:stCondLst>
-                      <p:childTnLst>
-                        <p:par>
-                          <p:cTn id="40" fill="hold">
-                            <p:stCondLst>
-                              <p:cond delay="0"/>
-                            </p:stCondLst>
-                            <p:childTnLst>
                               <p:par>
-                                <p:cTn id="41" presetID="1" presetClass="entr" presetSubtype="0" fill="hold" nodeType="clickEffect">
+                                <p:cTn id="39" presetID="1" presetClass="entr" presetSubtype="0" fill="hold" nodeType="withEffect">
                                   <p:stCondLst>
                                     <p:cond delay="0"/>
                                   </p:stCondLst>
                                   <p:childTnLst>
                                     <p:set>
                                       <p:cBhvr>
-                                        <p:cTn id="42" dur="1" fill="hold">
+                                        <p:cTn id="40" dur="1" fill="hold">
                                           <p:stCondLst>
                                             <p:cond delay="0"/>
                                           </p:stCondLst>
                                         </p:cTn>
                                         <p:tgtEl>
-                                          <p:spTgt spid="9">
-                                            <p:txEl>
-                                              <p:pRg st="1" end="1"/>
-                                            </p:txEl>
-                                          </p:spTgt>
-                                        </p:tgtEl>
-                                        <p:attrNameLst>
-                                          <p:attrName>style.visibility</p:attrName>
-                                        </p:attrNameLst>
-                                      </p:cBhvr>
-                                      <p:to>
-                                        <p:strVal val="visible"/>
-                                      </p:to>
-                                    </p:set>
-                                  </p:childTnLst>
-                                </p:cTn>
-                              </p:par>
-                            </p:childTnLst>
-                          </p:cTn>
-                        </p:par>
-                      </p:childTnLst>
-                    </p:cTn>
-                  </p:par>
-                  <p:par>
-                    <p:cTn id="43" fill="hold">
-                      <p:stCondLst>
-                        <p:cond delay="indefinite"/>
-                      </p:stCondLst>
-                      <p:childTnLst>
-                        <p:par>
-                          <p:cTn id="44" fill="hold">
-                            <p:stCondLst>
-                              <p:cond delay="0"/>
-                            </p:stCondLst>
-                            <p:childTnLst>
-                              <p:par>
-                                <p:cTn id="45" presetID="1" presetClass="entr" presetSubtype="0" fill="hold" nodeType="clickEffect">
-                                  <p:stCondLst>
-                                    <p:cond delay="0"/>
-                                  </p:stCondLst>
-                                  <p:childTnLst>
-                                    <p:set>
-                                      <p:cBhvr>
-                                        <p:cTn id="46" dur="1" fill="hold">
-                                          <p:stCondLst>
-                                            <p:cond delay="0"/>
-                                          </p:stCondLst>
-                                        </p:cTn>
-                                        <p:tgtEl>
-                                          <p:spTgt spid="9">
+                                          <p:spTgt spid="3">
                                             <p:txEl>
                                               <p:pRg st="2" end="2"/>
                                             </p:txEl>
@@ -14258,39 +16498,21 @@
                                   </p:childTnLst>
                                 </p:cTn>
                               </p:par>
-                            </p:childTnLst>
-                          </p:cTn>
-                        </p:par>
-                      </p:childTnLst>
-                    </p:cTn>
-                  </p:par>
-                  <p:par>
-                    <p:cTn id="47" fill="hold">
-                      <p:stCondLst>
-                        <p:cond delay="indefinite"/>
-                      </p:stCondLst>
-                      <p:childTnLst>
-                        <p:par>
-                          <p:cTn id="48" fill="hold">
-                            <p:stCondLst>
-                              <p:cond delay="0"/>
-                            </p:stCondLst>
-                            <p:childTnLst>
                               <p:par>
-                                <p:cTn id="49" presetID="1" presetClass="entr" presetSubtype="0" fill="hold" nodeType="clickEffect">
+                                <p:cTn id="41" presetID="1" presetClass="entr" presetSubtype="0" fill="hold" nodeType="withEffect">
                                   <p:stCondLst>
                                     <p:cond delay="0"/>
                                   </p:stCondLst>
                                   <p:childTnLst>
                                     <p:set>
                                       <p:cBhvr>
-                                        <p:cTn id="50" dur="1" fill="hold">
+                                        <p:cTn id="42" dur="1" fill="hold">
                                           <p:stCondLst>
                                             <p:cond delay="0"/>
                                           </p:stCondLst>
                                         </p:cTn>
                                         <p:tgtEl>
-                                          <p:spTgt spid="9">
+                                          <p:spTgt spid="3">
                                             <p:txEl>
                                               <p:pRg st="3" end="3"/>
                                             </p:txEl>
@@ -14307,39 +16529,21 @@
                                   </p:childTnLst>
                                 </p:cTn>
                               </p:par>
-                            </p:childTnLst>
-                          </p:cTn>
-                        </p:par>
-                      </p:childTnLst>
-                    </p:cTn>
-                  </p:par>
-                  <p:par>
-                    <p:cTn id="51" fill="hold">
-                      <p:stCondLst>
-                        <p:cond delay="indefinite"/>
-                      </p:stCondLst>
-                      <p:childTnLst>
-                        <p:par>
-                          <p:cTn id="52" fill="hold">
-                            <p:stCondLst>
-                              <p:cond delay="0"/>
-                            </p:stCondLst>
-                            <p:childTnLst>
                               <p:par>
-                                <p:cTn id="53" presetID="1" presetClass="entr" presetSubtype="0" fill="hold" nodeType="clickEffect">
+                                <p:cTn id="43" presetID="1" presetClass="entr" presetSubtype="0" fill="hold" nodeType="withEffect">
                                   <p:stCondLst>
                                     <p:cond delay="0"/>
                                   </p:stCondLst>
                                   <p:childTnLst>
                                     <p:set>
                                       <p:cBhvr>
-                                        <p:cTn id="54" dur="1" fill="hold">
+                                        <p:cTn id="44" dur="1" fill="hold">
                                           <p:stCondLst>
                                             <p:cond delay="0"/>
                                           </p:stCondLst>
                                         </p:cTn>
                                         <p:tgtEl>
-                                          <p:spTgt spid="9">
+                                          <p:spTgt spid="3">
                                             <p:txEl>
                                               <p:pRg st="4" end="4"/>
                                             </p:txEl>
@@ -14356,39 +16560,21 @@
                                   </p:childTnLst>
                                 </p:cTn>
                               </p:par>
-                            </p:childTnLst>
-                          </p:cTn>
-                        </p:par>
-                      </p:childTnLst>
-                    </p:cTn>
-                  </p:par>
-                  <p:par>
-                    <p:cTn id="55" fill="hold">
-                      <p:stCondLst>
-                        <p:cond delay="indefinite"/>
-                      </p:stCondLst>
-                      <p:childTnLst>
-                        <p:par>
-                          <p:cTn id="56" fill="hold">
-                            <p:stCondLst>
-                              <p:cond delay="0"/>
-                            </p:stCondLst>
-                            <p:childTnLst>
                               <p:par>
-                                <p:cTn id="57" presetID="1" presetClass="entr" presetSubtype="0" fill="hold" nodeType="clickEffect">
+                                <p:cTn id="45" presetID="1" presetClass="entr" presetSubtype="0" fill="hold" nodeType="withEffect">
                                   <p:stCondLst>
                                     <p:cond delay="0"/>
                                   </p:stCondLst>
                                   <p:childTnLst>
                                     <p:set>
                                       <p:cBhvr>
-                                        <p:cTn id="58" dur="1" fill="hold">
+                                        <p:cTn id="46" dur="1" fill="hold">
                                           <p:stCondLst>
                                             <p:cond delay="0"/>
                                           </p:stCondLst>
                                         </p:cTn>
                                         <p:tgtEl>
-                                          <p:spTgt spid="9">
+                                          <p:spTgt spid="3">
                                             <p:txEl>
                                               <p:pRg st="5" end="5"/>
                                             </p:txEl>
@@ -14405,188 +16591,23 @@
                                   </p:childTnLst>
                                 </p:cTn>
                               </p:par>
-                            </p:childTnLst>
-                          </p:cTn>
-                        </p:par>
-                      </p:childTnLst>
-                    </p:cTn>
-                  </p:par>
-                  <p:par>
-                    <p:cTn id="59" fill="hold">
-                      <p:stCondLst>
-                        <p:cond delay="indefinite"/>
-                      </p:stCondLst>
-                      <p:childTnLst>
-                        <p:par>
-                          <p:cTn id="60" fill="hold">
-                            <p:stCondLst>
-                              <p:cond delay="0"/>
-                            </p:stCondLst>
-                            <p:childTnLst>
                               <p:par>
-                                <p:cTn id="61" presetID="1" presetClass="entr" presetSubtype="0" fill="hold" nodeType="clickEffect">
+                                <p:cTn id="47" presetID="1" presetClass="entr" presetSubtype="0" fill="hold" nodeType="withEffect">
                                   <p:stCondLst>
                                     <p:cond delay="0"/>
                                   </p:stCondLst>
                                   <p:childTnLst>
                                     <p:set>
                                       <p:cBhvr>
-                                        <p:cTn id="62" dur="1" fill="hold">
+                                        <p:cTn id="48" dur="1" fill="hold">
                                           <p:stCondLst>
                                             <p:cond delay="0"/>
                                           </p:stCondLst>
                                         </p:cTn>
                                         <p:tgtEl>
-                                          <p:spTgt spid="9">
+                                          <p:spTgt spid="3">
                                             <p:txEl>
                                               <p:pRg st="6" end="6"/>
-                                            </p:txEl>
-                                          </p:spTgt>
-                                        </p:tgtEl>
-                                        <p:attrNameLst>
-                                          <p:attrName>style.visibility</p:attrName>
-                                        </p:attrNameLst>
-                                      </p:cBhvr>
-                                      <p:to>
-                                        <p:strVal val="visible"/>
-                                      </p:to>
-                                    </p:set>
-                                  </p:childTnLst>
-                                </p:cTn>
-                              </p:par>
-                            </p:childTnLst>
-                          </p:cTn>
-                        </p:par>
-                      </p:childTnLst>
-                    </p:cTn>
-                  </p:par>
-                  <p:par>
-                    <p:cTn id="63" fill="hold">
-                      <p:stCondLst>
-                        <p:cond delay="indefinite"/>
-                      </p:stCondLst>
-                      <p:childTnLst>
-                        <p:par>
-                          <p:cTn id="64" fill="hold">
-                            <p:stCondLst>
-                              <p:cond delay="0"/>
-                            </p:stCondLst>
-                            <p:childTnLst>
-                              <p:par>
-                                <p:cTn id="65" presetID="1" presetClass="entr" presetSubtype="0" fill="hold" nodeType="clickEffect">
-                                  <p:stCondLst>
-                                    <p:cond delay="0"/>
-                                  </p:stCondLst>
-                                  <p:childTnLst>
-                                    <p:set>
-                                      <p:cBhvr>
-                                        <p:cTn id="66" dur="1" fill="hold">
-                                          <p:stCondLst>
-                                            <p:cond delay="0"/>
-                                          </p:stCondLst>
-                                        </p:cTn>
-                                        <p:tgtEl>
-                                          <p:spTgt spid="9">
-                                            <p:txEl>
-                                              <p:pRg st="7" end="7"/>
-                                            </p:txEl>
-                                          </p:spTgt>
-                                        </p:tgtEl>
-                                        <p:attrNameLst>
-                                          <p:attrName>style.visibility</p:attrName>
-                                        </p:attrNameLst>
-                                      </p:cBhvr>
-                                      <p:to>
-                                        <p:strVal val="visible"/>
-                                      </p:to>
-                                    </p:set>
-                                  </p:childTnLst>
-                                </p:cTn>
-                              </p:par>
-                            </p:childTnLst>
-                          </p:cTn>
-                        </p:par>
-                      </p:childTnLst>
-                    </p:cTn>
-                  </p:par>
-                  <p:par>
-                    <p:cTn id="67" fill="hold">
-                      <p:stCondLst>
-                        <p:cond delay="indefinite"/>
-                      </p:stCondLst>
-                      <p:childTnLst>
-                        <p:par>
-                          <p:cTn id="68" fill="hold">
-                            <p:stCondLst>
-                              <p:cond delay="0"/>
-                            </p:stCondLst>
-                            <p:childTnLst>
-                              <p:par>
-                                <p:cTn id="69" presetID="1" presetClass="entr" presetSubtype="0" fill="hold" nodeType="clickEffect">
-                                  <p:stCondLst>
-                                    <p:cond delay="0"/>
-                                  </p:stCondLst>
-                                  <p:childTnLst>
-                                    <p:set>
-                                      <p:cBhvr>
-                                        <p:cTn id="70" dur="1" fill="hold">
-                                          <p:stCondLst>
-                                            <p:cond delay="0"/>
-                                          </p:stCondLst>
-                                        </p:cTn>
-                                        <p:tgtEl>
-                                          <p:spTgt spid="9">
-                                            <p:txEl>
-                                              <p:pRg st="8" end="8"/>
-                                            </p:txEl>
-                                          </p:spTgt>
-                                        </p:tgtEl>
-                                        <p:attrNameLst>
-                                          <p:attrName>style.visibility</p:attrName>
-                                        </p:attrNameLst>
-                                      </p:cBhvr>
-                                      <p:to>
-                                        <p:strVal val="visible"/>
-                                      </p:to>
-                                    </p:set>
-                                  </p:childTnLst>
-                                </p:cTn>
-                              </p:par>
-                            </p:childTnLst>
-                          </p:cTn>
-                        </p:par>
-                      </p:childTnLst>
-                    </p:cTn>
-                  </p:par>
-                  <p:par>
-                    <p:cTn id="71" fill="hold">
-                      <p:stCondLst>
-                        <p:cond delay="indefinite"/>
-                      </p:stCondLst>
-                      <p:childTnLst>
-                        <p:par>
-                          <p:cTn id="72" fill="hold">
-                            <p:stCondLst>
-                              <p:cond delay="0"/>
-                            </p:stCondLst>
-                            <p:childTnLst>
-                              <p:par>
-                                <p:cTn id="73" presetID="1" presetClass="entr" presetSubtype="0" fill="hold" nodeType="clickEffect">
-                                  <p:stCondLst>
-                                    <p:cond delay="0"/>
-                                  </p:stCondLst>
-                                  <p:childTnLst>
-                                    <p:set>
-                                      <p:cBhvr>
-                                        <p:cTn id="74" dur="1" fill="hold">
-                                          <p:stCondLst>
-                                            <p:cond delay="0"/>
-                                          </p:stCondLst>
-                                        </p:cTn>
-                                        <p:tgtEl>
-                                          <p:spTgt spid="9">
-                                            <p:txEl>
-                                              <p:pRg st="9" end="9"/>
                                             </p:txEl>
                                           </p:spTgt>
                                         </p:tgtEl>
@@ -14628,11 +16649,6 @@
         </p:cTn>
       </p:par>
     </p:tnLst>
-    <p:bldLst>
-      <p:bldP spid="6" grpId="0" animBg="1"/>
-      <p:bldP spid="9" grpId="0" animBg="1"/>
-      <p:bldP spid="3" grpId="0"/>
-    </p:bldLst>
   </p:timing>
 </p:sld>
 </file>
